--- a/Lectures/B5.b_R-DESeq2Figs.pptx
+++ b/Lectures/B5.b_R-DESeq2Figs.pptx
@@ -34,7 +34,6 @@
     <p:sldId id="278" r:id="rId29"/>
     <p:sldId id="279" r:id="rId30"/>
     <p:sldId id="280" r:id="rId31"/>
-    <p:sldId id="281" r:id="rId32"/>
   </p:sldIdLst>
   <p:sldSz cy="5143500" cx="9144000"/>
   <p:notesSz cx="6858000" cy="9144000"/>
@@ -1316,7 +1315,7 @@
       </p:grpSpPr>
       <p:sp>
         <p:nvSpPr>
-          <p:cNvPr id="208" name="Google Shape;208;g9c161f5e08_0_109:notes"/>
+          <p:cNvPr id="208" name="Google Shape;208;g9c161f5e08_0_117:notes"/>
           <p:cNvSpPr/>
           <p:nvPr>
             <p:ph idx="2" type="sldImg"/>
@@ -1361,7 +1360,7 @@
       </p:sp>
       <p:sp>
         <p:nvSpPr>
-          <p:cNvPr id="209" name="Google Shape;209;g9c161f5e08_0_109:notes"/>
+          <p:cNvPr id="209" name="Google Shape;209;g9c161f5e08_0_117:notes"/>
           <p:cNvSpPr txBox="1"/>
           <p:nvPr>
             <p:ph idx="1" type="body"/>
@@ -1419,7 +1418,7 @@
   <p:cSld>
     <p:spTree>
       <p:nvGrpSpPr>
-        <p:cNvPr id="216" name="Shape 216"/>
+        <p:cNvPr id="215" name="Shape 215"/>
         <p:cNvGrpSpPr/>
         <p:nvPr/>
       </p:nvGrpSpPr>
@@ -1433,7 +1432,205 @@
       </p:grpSpPr>
       <p:sp>
         <p:nvSpPr>
-          <p:cNvPr id="217" name="Google Shape;217;g9c161f5e08_0_117:notes"/>
+          <p:cNvPr id="216" name="Google Shape;216;g9c161f5e08_0_188:notes"/>
+          <p:cNvSpPr/>
+          <p:nvPr>
+            <p:ph idx="2" type="sldImg"/>
+          </p:nvPr>
+        </p:nvSpPr>
+        <p:spPr>
+          <a:xfrm>
+            <a:off x="381300" y="685800"/>
+            <a:ext cx="6096000" cy="3429000"/>
+          </a:xfrm>
+          <a:custGeom>
+            <a:rect b="b" l="l" r="r" t="t"/>
+            <a:pathLst>
+              <a:path extrusionOk="0" h="120000" w="120000">
+                <a:moveTo>
+                  <a:pt x="0" y="0"/>
+                </a:moveTo>
+                <a:lnTo>
+                  <a:pt x="120000" y="0"/>
+                </a:lnTo>
+                <a:lnTo>
+                  <a:pt x="120000" y="120000"/>
+                </a:lnTo>
+                <a:lnTo>
+                  <a:pt x="0" y="120000"/>
+                </a:lnTo>
+                <a:close/>
+              </a:path>
+            </a:pathLst>
+          </a:custGeom>
+        </p:spPr>
+      </p:sp>
+      <p:sp>
+        <p:nvSpPr>
+          <p:cNvPr id="217" name="Google Shape;217;g9c161f5e08_0_188:notes"/>
+          <p:cNvSpPr txBox="1"/>
+          <p:nvPr>
+            <p:ph idx="1" type="body"/>
+          </p:nvPr>
+        </p:nvSpPr>
+        <p:spPr>
+          <a:xfrm>
+            <a:off x="685800" y="4343400"/>
+            <a:ext cx="5486400" cy="4114800"/>
+          </a:xfrm>
+          <a:prstGeom prst="rect">
+            <a:avLst/>
+          </a:prstGeom>
+        </p:spPr>
+        <p:txBody>
+          <a:bodyPr anchorCtr="0" anchor="t" bIns="91425" lIns="91425" spcFirstLastPara="1" rIns="91425" wrap="square" tIns="91425">
+            <a:noAutofit/>
+          </a:bodyPr>
+          <a:lstStyle/>
+          <a:p>
+            <a:pPr indent="0" lvl="0" marL="0" rtl="0" algn="l">
+              <a:spcBef>
+                <a:spcPts val="0"/>
+              </a:spcBef>
+              <a:spcAft>
+                <a:spcPts val="0"/>
+              </a:spcAft>
+              <a:buNone/>
+            </a:pPr>
+            <a:r>
+              <a:t/>
+            </a:r>
+            <a:endParaRPr/>
+          </a:p>
+        </p:txBody>
+      </p:sp>
+    </p:spTree>
+  </p:cSld>
+  <p:clrMapOvr>
+    <a:masterClrMapping/>
+  </p:clrMapOvr>
+</p:notes>
+</file>
+
+<file path=ppt/notesSlides/notesSlide16.xml><?xml version="1.0" encoding="utf-8"?>
+<p:notes xmlns:a="http://schemas.openxmlformats.org/drawingml/2006/main" xmlns:r="http://schemas.openxmlformats.org/officeDocument/2006/relationships" xmlns:mc="http://schemas.openxmlformats.org/markup-compatibility/2006" xmlns:mv="urn:schemas-microsoft-com:mac:vml" xmlns:p="http://schemas.openxmlformats.org/presentationml/2006/main" xmlns:c="http://schemas.openxmlformats.org/drawingml/2006/chart" xmlns:dgm="http://schemas.openxmlformats.org/drawingml/2006/diagram" xmlns:o="urn:schemas-microsoft-com:office:office" xmlns:v="urn:schemas-microsoft-com:vml" xmlns:pvml="urn:schemas-microsoft-com:office:powerpoint" xmlns:com="http://schemas.openxmlformats.org/drawingml/2006/compatibility" xmlns:p14="http://schemas.microsoft.com/office/powerpoint/2010/main" xmlns:p15="http://schemas.microsoft.com/office/powerpoint/2012/main" xmlns:ahyp="http://schemas.microsoft.com/office/drawing/2018/hyperlinkcolor" showMasterPhAnim="0" showMasterSp="0">
+  <p:cSld>
+    <p:spTree>
+      <p:nvGrpSpPr>
+        <p:cNvPr id="229" name="Shape 229"/>
+        <p:cNvGrpSpPr/>
+        <p:nvPr/>
+      </p:nvGrpSpPr>
+      <p:grpSpPr>
+        <a:xfrm>
+          <a:off x="0" y="0"/>
+          <a:ext cx="0" cy="0"/>
+          <a:chOff x="0" y="0"/>
+          <a:chExt cx="0" cy="0"/>
+        </a:xfrm>
+      </p:grpSpPr>
+      <p:sp>
+        <p:nvSpPr>
+          <p:cNvPr id="230" name="Google Shape;230;g9c161f5e08_0_253:notes"/>
+          <p:cNvSpPr/>
+          <p:nvPr>
+            <p:ph idx="2" type="sldImg"/>
+          </p:nvPr>
+        </p:nvSpPr>
+        <p:spPr>
+          <a:xfrm>
+            <a:off x="381300" y="685800"/>
+            <a:ext cx="6096000" cy="3429000"/>
+          </a:xfrm>
+          <a:custGeom>
+            <a:rect b="b" l="l" r="r" t="t"/>
+            <a:pathLst>
+              <a:path extrusionOk="0" h="120000" w="120000">
+                <a:moveTo>
+                  <a:pt x="0" y="0"/>
+                </a:moveTo>
+                <a:lnTo>
+                  <a:pt x="120000" y="0"/>
+                </a:lnTo>
+                <a:lnTo>
+                  <a:pt x="120000" y="120000"/>
+                </a:lnTo>
+                <a:lnTo>
+                  <a:pt x="0" y="120000"/>
+                </a:lnTo>
+                <a:close/>
+              </a:path>
+            </a:pathLst>
+          </a:custGeom>
+        </p:spPr>
+      </p:sp>
+      <p:sp>
+        <p:nvSpPr>
+          <p:cNvPr id="231" name="Google Shape;231;g9c161f5e08_0_253:notes"/>
+          <p:cNvSpPr txBox="1"/>
+          <p:nvPr>
+            <p:ph idx="1" type="body"/>
+          </p:nvPr>
+        </p:nvSpPr>
+        <p:spPr>
+          <a:xfrm>
+            <a:off x="685800" y="4343400"/>
+            <a:ext cx="5486400" cy="4114800"/>
+          </a:xfrm>
+          <a:prstGeom prst="rect">
+            <a:avLst/>
+          </a:prstGeom>
+        </p:spPr>
+        <p:txBody>
+          <a:bodyPr anchorCtr="0" anchor="t" bIns="91425" lIns="91425" spcFirstLastPara="1" rIns="91425" wrap="square" tIns="91425">
+            <a:noAutofit/>
+          </a:bodyPr>
+          <a:lstStyle/>
+          <a:p>
+            <a:pPr indent="0" lvl="0" marL="0" rtl="0" algn="l">
+              <a:spcBef>
+                <a:spcPts val="0"/>
+              </a:spcBef>
+              <a:spcAft>
+                <a:spcPts val="0"/>
+              </a:spcAft>
+              <a:buNone/>
+            </a:pPr>
+            <a:r>
+              <a:t/>
+            </a:r>
+            <a:endParaRPr/>
+          </a:p>
+        </p:txBody>
+      </p:sp>
+    </p:spTree>
+  </p:cSld>
+  <p:clrMapOvr>
+    <a:masterClrMapping/>
+  </p:clrMapOvr>
+</p:notes>
+</file>
+
+<file path=ppt/notesSlides/notesSlide17.xml><?xml version="1.0" encoding="utf-8"?>
+<p:notes xmlns:a="http://schemas.openxmlformats.org/drawingml/2006/main" xmlns:r="http://schemas.openxmlformats.org/officeDocument/2006/relationships" xmlns:mc="http://schemas.openxmlformats.org/markup-compatibility/2006" xmlns:mv="urn:schemas-microsoft-com:mac:vml" xmlns:p="http://schemas.openxmlformats.org/presentationml/2006/main" xmlns:c="http://schemas.openxmlformats.org/drawingml/2006/chart" xmlns:dgm="http://schemas.openxmlformats.org/drawingml/2006/diagram" xmlns:o="urn:schemas-microsoft-com:office:office" xmlns:v="urn:schemas-microsoft-com:vml" xmlns:pvml="urn:schemas-microsoft-com:office:powerpoint" xmlns:com="http://schemas.openxmlformats.org/drawingml/2006/compatibility" xmlns:p14="http://schemas.microsoft.com/office/powerpoint/2010/main" xmlns:p15="http://schemas.microsoft.com/office/powerpoint/2012/main" xmlns:ahyp="http://schemas.microsoft.com/office/drawing/2018/hyperlinkcolor" showMasterPhAnim="0" showMasterSp="0">
+  <p:cSld>
+    <p:spTree>
+      <p:nvGrpSpPr>
+        <p:cNvPr id="243" name="Shape 243"/>
+        <p:cNvGrpSpPr/>
+        <p:nvPr/>
+      </p:nvGrpSpPr>
+      <p:grpSpPr>
+        <a:xfrm>
+          <a:off x="0" y="0"/>
+          <a:ext cx="0" cy="0"/>
+          <a:chOff x="0" y="0"/>
+          <a:chExt cx="0" cy="0"/>
+        </a:xfrm>
+      </p:grpSpPr>
+      <p:sp>
+        <p:nvSpPr>
+          <p:cNvPr id="244" name="Google Shape;244;g9c161f5e08_0_266:notes"/>
           <p:cNvSpPr/>
           <p:nvPr>
             <p:ph idx="2" type="sldImg"/>
@@ -1478,7 +1675,7 @@
       </p:sp>
       <p:sp>
         <p:nvSpPr>
-          <p:cNvPr id="218" name="Google Shape;218;g9c161f5e08_0_117:notes"/>
+          <p:cNvPr id="245" name="Google Shape;245;g9c161f5e08_0_266:notes"/>
           <p:cNvSpPr txBox="1"/>
           <p:nvPr>
             <p:ph idx="1" type="body"/>
@@ -1531,12 +1728,12 @@
 </p:notes>
 </file>
 
-<file path=ppt/notesSlides/notesSlide16.xml><?xml version="1.0" encoding="utf-8"?>
+<file path=ppt/notesSlides/notesSlide18.xml><?xml version="1.0" encoding="utf-8"?>
 <p:notes xmlns:a="http://schemas.openxmlformats.org/drawingml/2006/main" xmlns:r="http://schemas.openxmlformats.org/officeDocument/2006/relationships" xmlns:mc="http://schemas.openxmlformats.org/markup-compatibility/2006" xmlns:mv="urn:schemas-microsoft-com:mac:vml" xmlns:p="http://schemas.openxmlformats.org/presentationml/2006/main" xmlns:c="http://schemas.openxmlformats.org/drawingml/2006/chart" xmlns:dgm="http://schemas.openxmlformats.org/drawingml/2006/diagram" xmlns:o="urn:schemas-microsoft-com:office:office" xmlns:v="urn:schemas-microsoft-com:vml" xmlns:pvml="urn:schemas-microsoft-com:office:powerpoint" xmlns:com="http://schemas.openxmlformats.org/drawingml/2006/compatibility" xmlns:p14="http://schemas.microsoft.com/office/powerpoint/2010/main" xmlns:p15="http://schemas.microsoft.com/office/powerpoint/2012/main" xmlns:ahyp="http://schemas.microsoft.com/office/drawing/2018/hyperlinkcolor" showMasterPhAnim="0" showMasterSp="0">
   <p:cSld>
     <p:spTree>
       <p:nvGrpSpPr>
-        <p:cNvPr id="224" name="Shape 224"/>
+        <p:cNvPr id="249" name="Shape 249"/>
         <p:cNvGrpSpPr/>
         <p:nvPr/>
       </p:nvGrpSpPr>
@@ -1550,205 +1747,7 @@
       </p:grpSpPr>
       <p:sp>
         <p:nvSpPr>
-          <p:cNvPr id="225" name="Google Shape;225;g9c161f5e08_0_188:notes"/>
-          <p:cNvSpPr/>
-          <p:nvPr>
-            <p:ph idx="2" type="sldImg"/>
-          </p:nvPr>
-        </p:nvSpPr>
-        <p:spPr>
-          <a:xfrm>
-            <a:off x="381300" y="685800"/>
-            <a:ext cx="6096000" cy="3429000"/>
-          </a:xfrm>
-          <a:custGeom>
-            <a:rect b="b" l="l" r="r" t="t"/>
-            <a:pathLst>
-              <a:path extrusionOk="0" h="120000" w="120000">
-                <a:moveTo>
-                  <a:pt x="0" y="0"/>
-                </a:moveTo>
-                <a:lnTo>
-                  <a:pt x="120000" y="0"/>
-                </a:lnTo>
-                <a:lnTo>
-                  <a:pt x="120000" y="120000"/>
-                </a:lnTo>
-                <a:lnTo>
-                  <a:pt x="0" y="120000"/>
-                </a:lnTo>
-                <a:close/>
-              </a:path>
-            </a:pathLst>
-          </a:custGeom>
-        </p:spPr>
-      </p:sp>
-      <p:sp>
-        <p:nvSpPr>
-          <p:cNvPr id="226" name="Google Shape;226;g9c161f5e08_0_188:notes"/>
-          <p:cNvSpPr txBox="1"/>
-          <p:nvPr>
-            <p:ph idx="1" type="body"/>
-          </p:nvPr>
-        </p:nvSpPr>
-        <p:spPr>
-          <a:xfrm>
-            <a:off x="685800" y="4343400"/>
-            <a:ext cx="5486400" cy="4114800"/>
-          </a:xfrm>
-          <a:prstGeom prst="rect">
-            <a:avLst/>
-          </a:prstGeom>
-        </p:spPr>
-        <p:txBody>
-          <a:bodyPr anchorCtr="0" anchor="t" bIns="91425" lIns="91425" spcFirstLastPara="1" rIns="91425" wrap="square" tIns="91425">
-            <a:noAutofit/>
-          </a:bodyPr>
-          <a:lstStyle/>
-          <a:p>
-            <a:pPr indent="0" lvl="0" marL="0" rtl="0" algn="l">
-              <a:spcBef>
-                <a:spcPts val="0"/>
-              </a:spcBef>
-              <a:spcAft>
-                <a:spcPts val="0"/>
-              </a:spcAft>
-              <a:buNone/>
-            </a:pPr>
-            <a:r>
-              <a:t/>
-            </a:r>
-            <a:endParaRPr/>
-          </a:p>
-        </p:txBody>
-      </p:sp>
-    </p:spTree>
-  </p:cSld>
-  <p:clrMapOvr>
-    <a:masterClrMapping/>
-  </p:clrMapOvr>
-</p:notes>
-</file>
-
-<file path=ppt/notesSlides/notesSlide17.xml><?xml version="1.0" encoding="utf-8"?>
-<p:notes xmlns:a="http://schemas.openxmlformats.org/drawingml/2006/main" xmlns:r="http://schemas.openxmlformats.org/officeDocument/2006/relationships" xmlns:mc="http://schemas.openxmlformats.org/markup-compatibility/2006" xmlns:mv="urn:schemas-microsoft-com:mac:vml" xmlns:p="http://schemas.openxmlformats.org/presentationml/2006/main" xmlns:c="http://schemas.openxmlformats.org/drawingml/2006/chart" xmlns:dgm="http://schemas.openxmlformats.org/drawingml/2006/diagram" xmlns:o="urn:schemas-microsoft-com:office:office" xmlns:v="urn:schemas-microsoft-com:vml" xmlns:pvml="urn:schemas-microsoft-com:office:powerpoint" xmlns:com="http://schemas.openxmlformats.org/drawingml/2006/compatibility" xmlns:p14="http://schemas.microsoft.com/office/powerpoint/2010/main" xmlns:p15="http://schemas.microsoft.com/office/powerpoint/2012/main" xmlns:ahyp="http://schemas.microsoft.com/office/drawing/2018/hyperlinkcolor" showMasterPhAnim="0" showMasterSp="0">
-  <p:cSld>
-    <p:spTree>
-      <p:nvGrpSpPr>
-        <p:cNvPr id="238" name="Shape 238"/>
-        <p:cNvGrpSpPr/>
-        <p:nvPr/>
-      </p:nvGrpSpPr>
-      <p:grpSpPr>
-        <a:xfrm>
-          <a:off x="0" y="0"/>
-          <a:ext cx="0" cy="0"/>
-          <a:chOff x="0" y="0"/>
-          <a:chExt cx="0" cy="0"/>
-        </a:xfrm>
-      </p:grpSpPr>
-      <p:sp>
-        <p:nvSpPr>
-          <p:cNvPr id="239" name="Google Shape;239;g9c161f5e08_0_253:notes"/>
-          <p:cNvSpPr/>
-          <p:nvPr>
-            <p:ph idx="2" type="sldImg"/>
-          </p:nvPr>
-        </p:nvSpPr>
-        <p:spPr>
-          <a:xfrm>
-            <a:off x="381300" y="685800"/>
-            <a:ext cx="6096000" cy="3429000"/>
-          </a:xfrm>
-          <a:custGeom>
-            <a:rect b="b" l="l" r="r" t="t"/>
-            <a:pathLst>
-              <a:path extrusionOk="0" h="120000" w="120000">
-                <a:moveTo>
-                  <a:pt x="0" y="0"/>
-                </a:moveTo>
-                <a:lnTo>
-                  <a:pt x="120000" y="0"/>
-                </a:lnTo>
-                <a:lnTo>
-                  <a:pt x="120000" y="120000"/>
-                </a:lnTo>
-                <a:lnTo>
-                  <a:pt x="0" y="120000"/>
-                </a:lnTo>
-                <a:close/>
-              </a:path>
-            </a:pathLst>
-          </a:custGeom>
-        </p:spPr>
-      </p:sp>
-      <p:sp>
-        <p:nvSpPr>
-          <p:cNvPr id="240" name="Google Shape;240;g9c161f5e08_0_253:notes"/>
-          <p:cNvSpPr txBox="1"/>
-          <p:nvPr>
-            <p:ph idx="1" type="body"/>
-          </p:nvPr>
-        </p:nvSpPr>
-        <p:spPr>
-          <a:xfrm>
-            <a:off x="685800" y="4343400"/>
-            <a:ext cx="5486400" cy="4114800"/>
-          </a:xfrm>
-          <a:prstGeom prst="rect">
-            <a:avLst/>
-          </a:prstGeom>
-        </p:spPr>
-        <p:txBody>
-          <a:bodyPr anchorCtr="0" anchor="t" bIns="91425" lIns="91425" spcFirstLastPara="1" rIns="91425" wrap="square" tIns="91425">
-            <a:noAutofit/>
-          </a:bodyPr>
-          <a:lstStyle/>
-          <a:p>
-            <a:pPr indent="0" lvl="0" marL="0" rtl="0" algn="l">
-              <a:spcBef>
-                <a:spcPts val="0"/>
-              </a:spcBef>
-              <a:spcAft>
-                <a:spcPts val="0"/>
-              </a:spcAft>
-              <a:buNone/>
-            </a:pPr>
-            <a:r>
-              <a:t/>
-            </a:r>
-            <a:endParaRPr/>
-          </a:p>
-        </p:txBody>
-      </p:sp>
-    </p:spTree>
-  </p:cSld>
-  <p:clrMapOvr>
-    <a:masterClrMapping/>
-  </p:clrMapOvr>
-</p:notes>
-</file>
-
-<file path=ppt/notesSlides/notesSlide18.xml><?xml version="1.0" encoding="utf-8"?>
-<p:notes xmlns:a="http://schemas.openxmlformats.org/drawingml/2006/main" xmlns:r="http://schemas.openxmlformats.org/officeDocument/2006/relationships" xmlns:mc="http://schemas.openxmlformats.org/markup-compatibility/2006" xmlns:mv="urn:schemas-microsoft-com:mac:vml" xmlns:p="http://schemas.openxmlformats.org/presentationml/2006/main" xmlns:c="http://schemas.openxmlformats.org/drawingml/2006/chart" xmlns:dgm="http://schemas.openxmlformats.org/drawingml/2006/diagram" xmlns:o="urn:schemas-microsoft-com:office:office" xmlns:v="urn:schemas-microsoft-com:vml" xmlns:pvml="urn:schemas-microsoft-com:office:powerpoint" xmlns:com="http://schemas.openxmlformats.org/drawingml/2006/compatibility" xmlns:p14="http://schemas.microsoft.com/office/powerpoint/2010/main" xmlns:p15="http://schemas.microsoft.com/office/powerpoint/2012/main" xmlns:ahyp="http://schemas.microsoft.com/office/drawing/2018/hyperlinkcolor" showMasterPhAnim="0" showMasterSp="0">
-  <p:cSld>
-    <p:spTree>
-      <p:nvGrpSpPr>
-        <p:cNvPr id="252" name="Shape 252"/>
-        <p:cNvGrpSpPr/>
-        <p:nvPr/>
-      </p:nvGrpSpPr>
-      <p:grpSpPr>
-        <a:xfrm>
-          <a:off x="0" y="0"/>
-          <a:ext cx="0" cy="0"/>
-          <a:chOff x="0" y="0"/>
-          <a:chExt cx="0" cy="0"/>
-        </a:xfrm>
-      </p:grpSpPr>
-      <p:sp>
-        <p:nvSpPr>
-          <p:cNvPr id="253" name="Google Shape;253;g9c161f5e08_0_266:notes"/>
+          <p:cNvPr id="250" name="Google Shape;250;g9c161f5e08_0_273:notes"/>
           <p:cNvSpPr/>
           <p:nvPr>
             <p:ph idx="2" type="sldImg"/>
@@ -1793,7 +1792,7 @@
       </p:sp>
       <p:sp>
         <p:nvSpPr>
-          <p:cNvPr id="254" name="Google Shape;254;g9c161f5e08_0_266:notes"/>
+          <p:cNvPr id="251" name="Google Shape;251;g9c161f5e08_0_273:notes"/>
           <p:cNvSpPr txBox="1"/>
           <p:nvPr>
             <p:ph idx="1" type="body"/>
@@ -1851,7 +1850,7 @@
   <p:cSld>
     <p:spTree>
       <p:nvGrpSpPr>
-        <p:cNvPr id="258" name="Shape 258"/>
+        <p:cNvPr id="257" name="Shape 257"/>
         <p:cNvGrpSpPr/>
         <p:nvPr/>
       </p:nvGrpSpPr>
@@ -1865,7 +1864,7 @@
       </p:grpSpPr>
       <p:sp>
         <p:nvSpPr>
-          <p:cNvPr id="259" name="Google Shape;259;g9c161f5e08_0_273:notes"/>
+          <p:cNvPr id="258" name="Google Shape;258;g994f58fa9c_0_6:notes"/>
           <p:cNvSpPr/>
           <p:nvPr>
             <p:ph idx="2" type="sldImg"/>
@@ -1910,7 +1909,7 @@
       </p:sp>
       <p:sp>
         <p:nvSpPr>
-          <p:cNvPr id="260" name="Google Shape;260;g9c161f5e08_0_273:notes"/>
+          <p:cNvPr id="259" name="Google Shape;259;g994f58fa9c_0_6:notes"/>
           <p:cNvSpPr txBox="1"/>
           <p:nvPr>
             <p:ph idx="1" type="body"/>
@@ -2085,7 +2084,7 @@
   <p:cSld>
     <p:spTree>
       <p:nvGrpSpPr>
-        <p:cNvPr id="266" name="Shape 266"/>
+        <p:cNvPr id="265" name="Shape 265"/>
         <p:cNvGrpSpPr/>
         <p:nvPr/>
       </p:nvGrpSpPr>
@@ -2099,7 +2098,7 @@
       </p:grpSpPr>
       <p:sp>
         <p:nvSpPr>
-          <p:cNvPr id="267" name="Google Shape;267;g994f58fa9c_0_6:notes"/>
+          <p:cNvPr id="266" name="Google Shape;266;g994f58fa9c_0_116:notes"/>
           <p:cNvSpPr/>
           <p:nvPr>
             <p:ph idx="2" type="sldImg"/>
@@ -2144,7 +2143,7 @@
       </p:sp>
       <p:sp>
         <p:nvSpPr>
-          <p:cNvPr id="268" name="Google Shape;268;g994f58fa9c_0_6:notes"/>
+          <p:cNvPr id="267" name="Google Shape;267;g994f58fa9c_0_116:notes"/>
           <p:cNvSpPr txBox="1"/>
           <p:nvPr>
             <p:ph idx="1" type="body"/>
@@ -2202,7 +2201,7 @@
   <p:cSld>
     <p:spTree>
       <p:nvGrpSpPr>
-        <p:cNvPr id="274" name="Shape 274"/>
+        <p:cNvPr id="272" name="Shape 272"/>
         <p:cNvGrpSpPr/>
         <p:nvPr/>
       </p:nvGrpSpPr>
@@ -2216,7 +2215,7 @@
       </p:grpSpPr>
       <p:sp>
         <p:nvSpPr>
-          <p:cNvPr id="275" name="Google Shape;275;g994f58fa9c_0_116:notes"/>
+          <p:cNvPr id="273" name="Google Shape;273;g9c161f5e08_0_284:notes"/>
           <p:cNvSpPr/>
           <p:nvPr>
             <p:ph idx="2" type="sldImg"/>
@@ -2261,7 +2260,7 @@
       </p:sp>
       <p:sp>
         <p:nvSpPr>
-          <p:cNvPr id="276" name="Google Shape;276;g994f58fa9c_0_116:notes"/>
+          <p:cNvPr id="274" name="Google Shape;274;g9c161f5e08_0_284:notes"/>
           <p:cNvSpPr txBox="1"/>
           <p:nvPr>
             <p:ph idx="1" type="body"/>
@@ -2319,7 +2318,7 @@
   <p:cSld>
     <p:spTree>
       <p:nvGrpSpPr>
-        <p:cNvPr id="281" name="Shape 281"/>
+        <p:cNvPr id="279" name="Shape 279"/>
         <p:cNvGrpSpPr/>
         <p:nvPr/>
       </p:nvGrpSpPr>
@@ -2333,7 +2332,7 @@
       </p:grpSpPr>
       <p:sp>
         <p:nvSpPr>
-          <p:cNvPr id="282" name="Google Shape;282;g9c161f5e08_0_284:notes"/>
+          <p:cNvPr id="280" name="Google Shape;280;g9c161f5e08_0_290:notes"/>
           <p:cNvSpPr/>
           <p:nvPr>
             <p:ph idx="2" type="sldImg"/>
@@ -2378,7 +2377,7 @@
       </p:sp>
       <p:sp>
         <p:nvSpPr>
-          <p:cNvPr id="283" name="Google Shape;283;g9c161f5e08_0_284:notes"/>
+          <p:cNvPr id="281" name="Google Shape;281;g9c161f5e08_0_290:notes"/>
           <p:cNvSpPr txBox="1"/>
           <p:nvPr>
             <p:ph idx="1" type="body"/>
@@ -2436,7 +2435,7 @@
   <p:cSld>
     <p:spTree>
       <p:nvGrpSpPr>
-        <p:cNvPr id="288" name="Shape 288"/>
+        <p:cNvPr id="286" name="Shape 286"/>
         <p:cNvGrpSpPr/>
         <p:nvPr/>
       </p:nvGrpSpPr>
@@ -2450,7 +2449,7 @@
       </p:grpSpPr>
       <p:sp>
         <p:nvSpPr>
-          <p:cNvPr id="289" name="Google Shape;289;g9c161f5e08_0_290:notes"/>
+          <p:cNvPr id="287" name="Google Shape;287;g9c161f5e08_0_296:notes"/>
           <p:cNvSpPr/>
           <p:nvPr>
             <p:ph idx="2" type="sldImg"/>
@@ -2495,7 +2494,7 @@
       </p:sp>
       <p:sp>
         <p:nvSpPr>
-          <p:cNvPr id="290" name="Google Shape;290;g9c161f5e08_0_290:notes"/>
+          <p:cNvPr id="288" name="Google Shape;288;g9c161f5e08_0_296:notes"/>
           <p:cNvSpPr txBox="1"/>
           <p:nvPr>
             <p:ph idx="1" type="body"/>
@@ -2553,7 +2552,7 @@
   <p:cSld>
     <p:spTree>
       <p:nvGrpSpPr>
-        <p:cNvPr id="295" name="Shape 295"/>
+        <p:cNvPr id="293" name="Shape 293"/>
         <p:cNvGrpSpPr/>
         <p:nvPr/>
       </p:nvGrpSpPr>
@@ -2567,7 +2566,7 @@
       </p:grpSpPr>
       <p:sp>
         <p:nvSpPr>
-          <p:cNvPr id="296" name="Google Shape;296;g9c161f5e08_0_296:notes"/>
+          <p:cNvPr id="294" name="Google Shape;294;g9c161f5e08_0_305:notes"/>
           <p:cNvSpPr/>
           <p:nvPr>
             <p:ph idx="2" type="sldImg"/>
@@ -2612,7 +2611,7 @@
       </p:sp>
       <p:sp>
         <p:nvSpPr>
-          <p:cNvPr id="297" name="Google Shape;297;g9c161f5e08_0_296:notes"/>
+          <p:cNvPr id="295" name="Google Shape;295;g9c161f5e08_0_305:notes"/>
           <p:cNvSpPr txBox="1"/>
           <p:nvPr>
             <p:ph idx="1" type="body"/>
@@ -2670,7 +2669,7 @@
   <p:cSld>
     <p:spTree>
       <p:nvGrpSpPr>
-        <p:cNvPr id="302" name="Shape 302"/>
+        <p:cNvPr id="300" name="Shape 300"/>
         <p:cNvGrpSpPr/>
         <p:nvPr/>
       </p:nvGrpSpPr>
@@ -2684,7 +2683,7 @@
       </p:grpSpPr>
       <p:sp>
         <p:nvSpPr>
-          <p:cNvPr id="303" name="Google Shape;303;g9c161f5e08_0_305:notes"/>
+          <p:cNvPr id="301" name="Google Shape;301;g994f58fa9c_0_13:notes"/>
           <p:cNvSpPr/>
           <p:nvPr>
             <p:ph idx="2" type="sldImg"/>
@@ -2729,124 +2728,7 @@
       </p:sp>
       <p:sp>
         <p:nvSpPr>
-          <p:cNvPr id="304" name="Google Shape;304;g9c161f5e08_0_305:notes"/>
-          <p:cNvSpPr txBox="1"/>
-          <p:nvPr>
-            <p:ph idx="1" type="body"/>
-          </p:nvPr>
-        </p:nvSpPr>
-        <p:spPr>
-          <a:xfrm>
-            <a:off x="685800" y="4343400"/>
-            <a:ext cx="5486400" cy="4114800"/>
-          </a:xfrm>
-          <a:prstGeom prst="rect">
-            <a:avLst/>
-          </a:prstGeom>
-          <a:noFill/>
-          <a:ln>
-            <a:noFill/>
-          </a:ln>
-        </p:spPr>
-        <p:txBody>
-          <a:bodyPr anchorCtr="0" anchor="t" bIns="91425" lIns="91425" spcFirstLastPara="1" rIns="91425" wrap="square" tIns="91425">
-            <a:noAutofit/>
-          </a:bodyPr>
-          <a:lstStyle/>
-          <a:p>
-            <a:pPr indent="0" lvl="0" marL="0" rtl="0" algn="l">
-              <a:lnSpc>
-                <a:spcPct val="100000"/>
-              </a:lnSpc>
-              <a:spcBef>
-                <a:spcPts val="0"/>
-              </a:spcBef>
-              <a:spcAft>
-                <a:spcPts val="0"/>
-              </a:spcAft>
-              <a:buSzPts val="1100"/>
-              <a:buNone/>
-            </a:pPr>
-            <a:r>
-              <a:t/>
-            </a:r>
-            <a:endParaRPr/>
-          </a:p>
-        </p:txBody>
-      </p:sp>
-    </p:spTree>
-  </p:cSld>
-  <p:clrMapOvr>
-    <a:masterClrMapping/>
-  </p:clrMapOvr>
-</p:notes>
-</file>
-
-<file path=ppt/notesSlides/notesSlide26.xml><?xml version="1.0" encoding="utf-8"?>
-<p:notes xmlns:a="http://schemas.openxmlformats.org/drawingml/2006/main" xmlns:r="http://schemas.openxmlformats.org/officeDocument/2006/relationships" xmlns:mc="http://schemas.openxmlformats.org/markup-compatibility/2006" xmlns:mv="urn:schemas-microsoft-com:mac:vml" xmlns:p="http://schemas.openxmlformats.org/presentationml/2006/main" xmlns:c="http://schemas.openxmlformats.org/drawingml/2006/chart" xmlns:dgm="http://schemas.openxmlformats.org/drawingml/2006/diagram" xmlns:o="urn:schemas-microsoft-com:office:office" xmlns:v="urn:schemas-microsoft-com:vml" xmlns:pvml="urn:schemas-microsoft-com:office:powerpoint" xmlns:com="http://schemas.openxmlformats.org/drawingml/2006/compatibility" xmlns:p14="http://schemas.microsoft.com/office/powerpoint/2010/main" xmlns:p15="http://schemas.microsoft.com/office/powerpoint/2012/main" xmlns:ahyp="http://schemas.microsoft.com/office/drawing/2018/hyperlinkcolor" showMasterPhAnim="0" showMasterSp="0">
-  <p:cSld>
-    <p:spTree>
-      <p:nvGrpSpPr>
-        <p:cNvPr id="309" name="Shape 309"/>
-        <p:cNvGrpSpPr/>
-        <p:nvPr/>
-      </p:nvGrpSpPr>
-      <p:grpSpPr>
-        <a:xfrm>
-          <a:off x="0" y="0"/>
-          <a:ext cx="0" cy="0"/>
-          <a:chOff x="0" y="0"/>
-          <a:chExt cx="0" cy="0"/>
-        </a:xfrm>
-      </p:grpSpPr>
-      <p:sp>
-        <p:nvSpPr>
-          <p:cNvPr id="310" name="Google Shape;310;g994f58fa9c_0_13:notes"/>
-          <p:cNvSpPr/>
-          <p:nvPr>
-            <p:ph idx="2" type="sldImg"/>
-          </p:nvPr>
-        </p:nvSpPr>
-        <p:spPr>
-          <a:xfrm>
-            <a:off x="381300" y="685800"/>
-            <a:ext cx="6096000" cy="3429000"/>
-          </a:xfrm>
-          <a:custGeom>
-            <a:rect b="b" l="l" r="r" t="t"/>
-            <a:pathLst>
-              <a:path extrusionOk="0" h="120000" w="120000">
-                <a:moveTo>
-                  <a:pt x="0" y="0"/>
-                </a:moveTo>
-                <a:lnTo>
-                  <a:pt x="120000" y="0"/>
-                </a:lnTo>
-                <a:lnTo>
-                  <a:pt x="120000" y="120000"/>
-                </a:lnTo>
-                <a:lnTo>
-                  <a:pt x="0" y="120000"/>
-                </a:lnTo>
-                <a:close/>
-              </a:path>
-            </a:pathLst>
-          </a:custGeom>
-          <a:noFill/>
-          <a:ln cap="flat" cmpd="sng" w="9525">
-            <a:solidFill>
-              <a:srgbClr val="000000"/>
-            </a:solidFill>
-            <a:prstDash val="solid"/>
-            <a:round/>
-            <a:headEnd len="sm" w="sm" type="none"/>
-            <a:tailEnd len="sm" w="sm" type="none"/>
-          </a:ln>
-        </p:spPr>
-      </p:sp>
-      <p:sp>
-        <p:nvSpPr>
-          <p:cNvPr id="311" name="Google Shape;311;g994f58fa9c_0_13:notes"/>
+          <p:cNvPr id="302" name="Google Shape;302;g994f58fa9c_0_13:notes"/>
           <p:cNvSpPr txBox="1"/>
           <p:nvPr>
             <p:ph idx="1" type="body"/>
@@ -17357,15 +17239,15 @@
             </a:pPr>
             <a:r>
               <a:rPr lang="en"/>
-              <a:t>RNASeq, ggplot2, ggpubr, and </a:t>
+              <a:t>Stage of the data? </a:t>
             </a:r>
             <a:r>
-              <a:rPr b="1" lang="en">
+              <a:rPr lang="en">
                 <a:solidFill>
                   <a:srgbClr val="3C78D8"/>
                 </a:solidFill>
               </a:rPr>
-              <a:t>tidyverse</a:t>
+              <a:t>What should it look like?</a:t>
             </a:r>
             <a:endParaRPr b="1">
               <a:solidFill>
@@ -17415,94 +17297,9 @@
           </a:p>
         </p:txBody>
       </p:sp>
-      <p:sp>
-        <p:nvSpPr>
-          <p:cNvPr id="213" name="Google Shape;213;p38"/>
-          <p:cNvSpPr txBox="1"/>
-          <p:nvPr>
-            <p:ph idx="1" type="body"/>
-          </p:nvPr>
-        </p:nvSpPr>
-        <p:spPr>
-          <a:xfrm>
-            <a:off x="311700" y="609000"/>
-            <a:ext cx="6676200" cy="3416400"/>
-          </a:xfrm>
-          <a:prstGeom prst="rect">
-            <a:avLst/>
-          </a:prstGeom>
-          <a:noFill/>
-          <a:ln>
-            <a:noFill/>
-          </a:ln>
-        </p:spPr>
-        <p:txBody>
-          <a:bodyPr anchorCtr="0" anchor="t" bIns="91425" lIns="91425" spcFirstLastPara="1" rIns="91425" wrap="square" tIns="91425">
-            <a:noAutofit/>
-          </a:bodyPr>
-          <a:lstStyle/>
-          <a:p>
-            <a:pPr indent="0" lvl="0" marL="0" rtl="0" algn="l">
-              <a:lnSpc>
-                <a:spcPct val="115000"/>
-              </a:lnSpc>
-              <a:spcBef>
-                <a:spcPts val="0"/>
-              </a:spcBef>
-              <a:spcAft>
-                <a:spcPts val="0"/>
-              </a:spcAft>
-              <a:buNone/>
-            </a:pPr>
-            <a:r>
-              <a:t/>
-            </a:r>
-            <a:endParaRPr sz="1600"/>
-          </a:p>
-          <a:p>
-            <a:pPr indent="0" lvl="0" marL="457200" rtl="0" algn="l">
-              <a:lnSpc>
-                <a:spcPct val="115000"/>
-              </a:lnSpc>
-              <a:spcBef>
-                <a:spcPts val="0"/>
-              </a:spcBef>
-              <a:spcAft>
-                <a:spcPts val="0"/>
-              </a:spcAft>
-              <a:buNone/>
-            </a:pPr>
-            <a:br>
-              <a:rPr lang="en" sz="1600"/>
-            </a:br>
-            <a:br>
-              <a:rPr lang="en" sz="1600"/>
-            </a:br>
-            <a:endParaRPr sz="1600"/>
-          </a:p>
-          <a:p>
-            <a:pPr indent="0" lvl="0" marL="0" rtl="0" algn="l">
-              <a:lnSpc>
-                <a:spcPct val="115000"/>
-              </a:lnSpc>
-              <a:spcBef>
-                <a:spcPts val="0"/>
-              </a:spcBef>
-              <a:spcAft>
-                <a:spcPts val="0"/>
-              </a:spcAft>
-              <a:buNone/>
-            </a:pPr>
-            <a:br>
-              <a:rPr lang="en" sz="1600"/>
-            </a:br>
-            <a:endParaRPr sz="1600"/>
-          </a:p>
-        </p:txBody>
-      </p:sp>
       <p:pic>
         <p:nvPicPr>
-          <p:cNvPr id="214" name="Google Shape;214;p38"/>
+          <p:cNvPr id="213" name="Google Shape;213;p38"/>
           <p:cNvPicPr preferRelativeResize="0"/>
           <p:nvPr/>
         </p:nvPicPr>
@@ -17529,7 +17326,7 @@
       </p:pic>
       <p:sp>
         <p:nvSpPr>
-          <p:cNvPr id="215" name="Google Shape;215;p38"/>
+          <p:cNvPr id="214" name="Google Shape;214;p38"/>
           <p:cNvSpPr txBox="1"/>
           <p:nvPr>
             <p:ph idx="1" type="body"/>
@@ -17605,7 +17402,7 @@
   <p:cSld>
     <p:spTree>
       <p:nvGrpSpPr>
-        <p:cNvPr id="219" name="Shape 219"/>
+        <p:cNvPr id="218" name="Shape 218"/>
         <p:cNvGrpSpPr/>
         <p:nvPr/>
       </p:nvGrpSpPr>
@@ -17619,216 +17416,7 @@
       </p:grpSpPr>
       <p:sp>
         <p:nvSpPr>
-          <p:cNvPr id="220" name="Google Shape;220;p39"/>
-          <p:cNvSpPr txBox="1"/>
-          <p:nvPr>
-            <p:ph type="title"/>
-          </p:nvPr>
-        </p:nvSpPr>
-        <p:spPr>
-          <a:xfrm>
-            <a:off x="311700" y="233775"/>
-            <a:ext cx="8520600" cy="572700"/>
-          </a:xfrm>
-          <a:prstGeom prst="rect">
-            <a:avLst/>
-          </a:prstGeom>
-          <a:noFill/>
-          <a:ln>
-            <a:noFill/>
-          </a:ln>
-        </p:spPr>
-        <p:txBody>
-          <a:bodyPr anchorCtr="0" anchor="t" bIns="91425" lIns="91425" spcFirstLastPara="1" rIns="91425" wrap="square" tIns="91425">
-            <a:noAutofit/>
-          </a:bodyPr>
-          <a:lstStyle/>
-          <a:p>
-            <a:pPr indent="0" lvl="0" marL="0" rtl="0" algn="l">
-              <a:lnSpc>
-                <a:spcPct val="100000"/>
-              </a:lnSpc>
-              <a:spcBef>
-                <a:spcPts val="0"/>
-              </a:spcBef>
-              <a:spcAft>
-                <a:spcPts val="0"/>
-              </a:spcAft>
-              <a:buSzPts val="2800"/>
-              <a:buNone/>
-            </a:pPr>
-            <a:r>
-              <a:rPr lang="en"/>
-              <a:t>Stage of the data?</a:t>
-            </a:r>
-            <a:endParaRPr b="1">
-              <a:solidFill>
-                <a:srgbClr val="3C78D8"/>
-              </a:solidFill>
-            </a:endParaRPr>
-          </a:p>
-        </p:txBody>
-      </p:sp>
-      <p:sp>
-        <p:nvSpPr>
-          <p:cNvPr id="221" name="Google Shape;221;p39"/>
-          <p:cNvSpPr txBox="1"/>
-          <p:nvPr>
-            <p:ph idx="12" type="sldNum"/>
-          </p:nvPr>
-        </p:nvSpPr>
-        <p:spPr>
-          <a:xfrm>
-            <a:off x="8472458" y="4663217"/>
-            <a:ext cx="548700" cy="393600"/>
-          </a:xfrm>
-          <a:prstGeom prst="rect">
-            <a:avLst/>
-          </a:prstGeom>
-        </p:spPr>
-        <p:txBody>
-          <a:bodyPr anchorCtr="0" anchor="ctr" bIns="91425" lIns="91425" spcFirstLastPara="1" rIns="91425" wrap="square" tIns="91425">
-            <a:noAutofit/>
-          </a:bodyPr>
-          <a:lstStyle/>
-          <a:p>
-            <a:pPr indent="0" lvl="0" marL="0" rtl="0" algn="r">
-              <a:spcBef>
-                <a:spcPts val="0"/>
-              </a:spcBef>
-              <a:spcAft>
-                <a:spcPts val="0"/>
-              </a:spcAft>
-              <a:buNone/>
-            </a:pPr>
-            <a:fld id="{00000000-1234-1234-1234-123412341234}" type="slidenum">
-              <a:rPr lang="en"/>
-              <a:t>‹#›</a:t>
-            </a:fld>
-            <a:endParaRPr/>
-          </a:p>
-        </p:txBody>
-      </p:sp>
-      <p:pic>
-        <p:nvPicPr>
-          <p:cNvPr id="222" name="Google Shape;222;p39"/>
-          <p:cNvPicPr preferRelativeResize="0"/>
-          <p:nvPr/>
-        </p:nvPicPr>
-        <p:blipFill rotWithShape="1">
-          <a:blip r:embed="rId3">
-            <a:alphaModFix/>
-          </a:blip>
-          <a:srcRect b="7330" l="0" r="64344" t="0"/>
-          <a:stretch/>
-        </p:blipFill>
-        <p:spPr>
-          <a:xfrm>
-            <a:off x="7291375" y="440062"/>
-            <a:ext cx="1345000" cy="4263375"/>
-          </a:xfrm>
-          <a:prstGeom prst="rect">
-            <a:avLst/>
-          </a:prstGeom>
-          <a:noFill/>
-          <a:ln>
-            <a:noFill/>
-          </a:ln>
-        </p:spPr>
-      </p:pic>
-      <p:sp>
-        <p:nvSpPr>
-          <p:cNvPr id="223" name="Google Shape;223;p39"/>
-          <p:cNvSpPr txBox="1"/>
-          <p:nvPr>
-            <p:ph idx="1" type="body"/>
-          </p:nvPr>
-        </p:nvSpPr>
-        <p:spPr>
-          <a:xfrm>
-            <a:off x="7157600" y="4663225"/>
-            <a:ext cx="6676200" cy="3416400"/>
-          </a:xfrm>
-          <a:prstGeom prst="rect">
-            <a:avLst/>
-          </a:prstGeom>
-          <a:noFill/>
-          <a:ln>
-            <a:noFill/>
-          </a:ln>
-        </p:spPr>
-        <p:txBody>
-          <a:bodyPr anchorCtr="0" anchor="t" bIns="91425" lIns="91425" spcFirstLastPara="1" rIns="91425" wrap="square" tIns="91425">
-            <a:noAutofit/>
-          </a:bodyPr>
-          <a:lstStyle/>
-          <a:p>
-            <a:pPr indent="0" lvl="0" marL="0" rtl="0" algn="l">
-              <a:lnSpc>
-                <a:spcPct val="115000"/>
-              </a:lnSpc>
-              <a:spcBef>
-                <a:spcPts val="0"/>
-              </a:spcBef>
-              <a:spcAft>
-                <a:spcPts val="0"/>
-              </a:spcAft>
-              <a:buNone/>
-            </a:pPr>
-            <a:r>
-              <a:rPr lang="en" sz="1600"/>
-              <a:t>Xin et al. 2016</a:t>
-            </a:r>
-            <a:endParaRPr sz="1600"/>
-          </a:p>
-          <a:p>
-            <a:pPr indent="0" lvl="0" marL="0" rtl="0" algn="l">
-              <a:lnSpc>
-                <a:spcPct val="115000"/>
-              </a:lnSpc>
-              <a:spcBef>
-                <a:spcPts val="0"/>
-              </a:spcBef>
-              <a:spcAft>
-                <a:spcPts val="0"/>
-              </a:spcAft>
-              <a:buNone/>
-            </a:pPr>
-            <a:r>
-              <a:t/>
-            </a:r>
-            <a:endParaRPr sz="1600"/>
-          </a:p>
-        </p:txBody>
-      </p:sp>
-    </p:spTree>
-  </p:cSld>
-  <p:clrMapOvr>
-    <a:masterClrMapping/>
-  </p:clrMapOvr>
-</p:sld>
-</file>
-
-<file path=ppt/slides/slide16.xml><?xml version="1.0" encoding="utf-8"?>
-<p:sld xmlns:a="http://schemas.openxmlformats.org/drawingml/2006/main" xmlns:r="http://schemas.openxmlformats.org/officeDocument/2006/relationships" xmlns:mc="http://schemas.openxmlformats.org/markup-compatibility/2006" xmlns:mv="urn:schemas-microsoft-com:mac:vml" xmlns:p="http://schemas.openxmlformats.org/presentationml/2006/main" xmlns:c="http://schemas.openxmlformats.org/drawingml/2006/chart" xmlns:dgm="http://schemas.openxmlformats.org/drawingml/2006/diagram" xmlns:o="urn:schemas-microsoft-com:office:office" xmlns:v="urn:schemas-microsoft-com:vml" xmlns:pvml="urn:schemas-microsoft-com:office:powerpoint" xmlns:com="http://schemas.openxmlformats.org/drawingml/2006/compatibility" xmlns:p14="http://schemas.microsoft.com/office/powerpoint/2010/main" xmlns:p15="http://schemas.microsoft.com/office/powerpoint/2012/main" xmlns:ahyp="http://schemas.microsoft.com/office/drawing/2018/hyperlinkcolor">
-  <p:cSld>
-    <p:spTree>
-      <p:nvGrpSpPr>
-        <p:cNvPr id="227" name="Shape 227"/>
-        <p:cNvGrpSpPr/>
-        <p:nvPr/>
-      </p:nvGrpSpPr>
-      <p:grpSpPr>
-        <a:xfrm>
-          <a:off x="0" y="0"/>
-          <a:ext cx="0" cy="0"/>
-          <a:chOff x="0" y="0"/>
-          <a:chExt cx="0" cy="0"/>
-        </a:xfrm>
-      </p:grpSpPr>
-      <p:sp>
-        <p:nvSpPr>
-          <p:cNvPr id="228" name="Google Shape;228;p40"/>
+          <p:cNvPr id="219" name="Google Shape;219;p39"/>
           <p:cNvSpPr txBox="1"/>
           <p:nvPr>
             <p:ph idx="4294967295" type="title"/>
@@ -17880,7 +17468,7 @@
       </p:sp>
       <p:cxnSp>
         <p:nvCxnSpPr>
-          <p:cNvPr id="229" name="Google Shape;229;p40"/>
+          <p:cNvPr id="220" name="Google Shape;220;p39"/>
           <p:cNvCxnSpPr/>
           <p:nvPr/>
         </p:nvCxnSpPr>
@@ -17906,7 +17494,7 @@
       </p:cxnSp>
       <p:sp>
         <p:nvSpPr>
-          <p:cNvPr id="230" name="Google Shape;230;p40"/>
+          <p:cNvPr id="221" name="Google Shape;221;p39"/>
           <p:cNvSpPr txBox="1"/>
           <p:nvPr>
             <p:ph idx="12" type="sldNum"/>
@@ -17951,7 +17539,7 @@
       </p:sp>
       <p:pic>
         <p:nvPicPr>
-          <p:cNvPr id="231" name="Google Shape;231;p40"/>
+          <p:cNvPr id="222" name="Google Shape;222;p39"/>
           <p:cNvPicPr preferRelativeResize="0"/>
           <p:nvPr/>
         </p:nvPicPr>
@@ -17979,7 +17567,7 @@
       </p:pic>
       <p:sp>
         <p:nvSpPr>
-          <p:cNvPr id="232" name="Google Shape;232;p40"/>
+          <p:cNvPr id="223" name="Google Shape;223;p39"/>
           <p:cNvSpPr txBox="1"/>
           <p:nvPr>
             <p:ph idx="4294967295" type="title"/>
@@ -18027,7 +17615,7 @@
       </p:sp>
       <p:cxnSp>
         <p:nvCxnSpPr>
-          <p:cNvPr id="233" name="Google Shape;233;p40"/>
+          <p:cNvPr id="224" name="Google Shape;224;p39"/>
           <p:cNvCxnSpPr/>
           <p:nvPr/>
         </p:nvCxnSpPr>
@@ -18053,7 +17641,7 @@
       </p:cxnSp>
       <p:sp>
         <p:nvSpPr>
-          <p:cNvPr id="234" name="Google Shape;234;p40"/>
+          <p:cNvPr id="225" name="Google Shape;225;p39"/>
           <p:cNvSpPr txBox="1"/>
           <p:nvPr>
             <p:ph idx="4294967295" type="title"/>
@@ -18101,7 +17689,7 @@
       </p:sp>
       <p:sp>
         <p:nvSpPr>
-          <p:cNvPr id="235" name="Google Shape;235;p40"/>
+          <p:cNvPr id="226" name="Google Shape;226;p39"/>
           <p:cNvSpPr txBox="1"/>
           <p:nvPr>
             <p:ph idx="4294967295" type="title"/>
@@ -18149,7 +17737,7 @@
       </p:sp>
       <p:pic>
         <p:nvPicPr>
-          <p:cNvPr id="236" name="Google Shape;236;p40"/>
+          <p:cNvPr id="227" name="Google Shape;227;p39"/>
           <p:cNvPicPr preferRelativeResize="0"/>
           <p:nvPr/>
         </p:nvPicPr>
@@ -18176,7 +17764,7 @@
       </p:pic>
       <p:sp>
         <p:nvSpPr>
-          <p:cNvPr id="237" name="Google Shape;237;p40"/>
+          <p:cNvPr id="228" name="Google Shape;228;p39"/>
           <p:cNvSpPr txBox="1"/>
           <p:nvPr>
             <p:ph idx="4294967295" type="body"/>
@@ -18247,12 +17835,12 @@
 </p:sld>
 </file>
 
-<file path=ppt/slides/slide17.xml><?xml version="1.0" encoding="utf-8"?>
+<file path=ppt/slides/slide16.xml><?xml version="1.0" encoding="utf-8"?>
 <p:sld xmlns:a="http://schemas.openxmlformats.org/drawingml/2006/main" xmlns:r="http://schemas.openxmlformats.org/officeDocument/2006/relationships" xmlns:mc="http://schemas.openxmlformats.org/markup-compatibility/2006" xmlns:mv="urn:schemas-microsoft-com:mac:vml" xmlns:p="http://schemas.openxmlformats.org/presentationml/2006/main" xmlns:c="http://schemas.openxmlformats.org/drawingml/2006/chart" xmlns:dgm="http://schemas.openxmlformats.org/drawingml/2006/diagram" xmlns:o="urn:schemas-microsoft-com:office:office" xmlns:v="urn:schemas-microsoft-com:vml" xmlns:pvml="urn:schemas-microsoft-com:office:powerpoint" xmlns:com="http://schemas.openxmlformats.org/drawingml/2006/compatibility" xmlns:p14="http://schemas.microsoft.com/office/powerpoint/2010/main" xmlns:p15="http://schemas.microsoft.com/office/powerpoint/2012/main" xmlns:ahyp="http://schemas.microsoft.com/office/drawing/2018/hyperlinkcolor">
   <p:cSld>
     <p:spTree>
       <p:nvGrpSpPr>
-        <p:cNvPr id="241" name="Shape 241"/>
+        <p:cNvPr id="232" name="Shape 232"/>
         <p:cNvGrpSpPr/>
         <p:nvPr/>
       </p:nvGrpSpPr>
@@ -18266,7 +17854,7 @@
       </p:grpSpPr>
       <p:sp>
         <p:nvSpPr>
-          <p:cNvPr id="242" name="Google Shape;242;p41"/>
+          <p:cNvPr id="233" name="Google Shape;233;p40"/>
           <p:cNvSpPr txBox="1"/>
           <p:nvPr>
             <p:ph idx="4294967295" type="title"/>
@@ -18330,7 +17918,7 @@
       </p:sp>
       <p:cxnSp>
         <p:nvCxnSpPr>
-          <p:cNvPr id="243" name="Google Shape;243;p41"/>
+          <p:cNvPr id="234" name="Google Shape;234;p40"/>
           <p:cNvCxnSpPr/>
           <p:nvPr/>
         </p:nvCxnSpPr>
@@ -18356,7 +17944,7 @@
       </p:cxnSp>
       <p:sp>
         <p:nvSpPr>
-          <p:cNvPr id="244" name="Google Shape;244;p41"/>
+          <p:cNvPr id="235" name="Google Shape;235;p40"/>
           <p:cNvSpPr txBox="1"/>
           <p:nvPr>
             <p:ph idx="12" type="sldNum"/>
@@ -18401,7 +17989,7 @@
       </p:sp>
       <p:pic>
         <p:nvPicPr>
-          <p:cNvPr id="245" name="Google Shape;245;p41"/>
+          <p:cNvPr id="236" name="Google Shape;236;p40"/>
           <p:cNvPicPr preferRelativeResize="0"/>
           <p:nvPr/>
         </p:nvPicPr>
@@ -18429,7 +18017,7 @@
       </p:pic>
       <p:sp>
         <p:nvSpPr>
-          <p:cNvPr id="246" name="Google Shape;246;p41"/>
+          <p:cNvPr id="237" name="Google Shape;237;p40"/>
           <p:cNvSpPr txBox="1"/>
           <p:nvPr>
             <p:ph idx="4294967295" type="title"/>
@@ -18477,7 +18065,7 @@
       </p:sp>
       <p:cxnSp>
         <p:nvCxnSpPr>
-          <p:cNvPr id="247" name="Google Shape;247;p41"/>
+          <p:cNvPr id="238" name="Google Shape;238;p40"/>
           <p:cNvCxnSpPr/>
           <p:nvPr/>
         </p:nvCxnSpPr>
@@ -18503,7 +18091,7 @@
       </p:cxnSp>
       <p:sp>
         <p:nvSpPr>
-          <p:cNvPr id="248" name="Google Shape;248;p41"/>
+          <p:cNvPr id="239" name="Google Shape;239;p40"/>
           <p:cNvSpPr txBox="1"/>
           <p:nvPr>
             <p:ph idx="4294967295" type="title"/>
@@ -18551,7 +18139,7 @@
       </p:sp>
       <p:sp>
         <p:nvSpPr>
-          <p:cNvPr id="249" name="Google Shape;249;p41"/>
+          <p:cNvPr id="240" name="Google Shape;240;p40"/>
           <p:cNvSpPr txBox="1"/>
           <p:nvPr>
             <p:ph idx="4294967295" type="title"/>
@@ -18599,7 +18187,7 @@
       </p:sp>
       <p:pic>
         <p:nvPicPr>
-          <p:cNvPr id="250" name="Google Shape;250;p41"/>
+          <p:cNvPr id="241" name="Google Shape;241;p40"/>
           <p:cNvPicPr preferRelativeResize="0"/>
           <p:nvPr/>
         </p:nvPicPr>
@@ -18626,7 +18214,7 @@
       </p:pic>
       <p:sp>
         <p:nvSpPr>
-          <p:cNvPr id="251" name="Google Shape;251;p41"/>
+          <p:cNvPr id="242" name="Google Shape;242;p40"/>
           <p:cNvSpPr txBox="1"/>
           <p:nvPr>
             <p:ph idx="4294967295" type="body"/>
@@ -18697,12 +18285,12 @@
 </p:sld>
 </file>
 
-<file path=ppt/slides/slide18.xml><?xml version="1.0" encoding="utf-8"?>
+<file path=ppt/slides/slide17.xml><?xml version="1.0" encoding="utf-8"?>
 <p:sld xmlns:a="http://schemas.openxmlformats.org/drawingml/2006/main" xmlns:r="http://schemas.openxmlformats.org/officeDocument/2006/relationships" xmlns:mc="http://schemas.openxmlformats.org/markup-compatibility/2006" xmlns:mv="urn:schemas-microsoft-com:mac:vml" xmlns:p="http://schemas.openxmlformats.org/presentationml/2006/main" xmlns:c="http://schemas.openxmlformats.org/drawingml/2006/chart" xmlns:dgm="http://schemas.openxmlformats.org/drawingml/2006/diagram" xmlns:o="urn:schemas-microsoft-com:office:office" xmlns:v="urn:schemas-microsoft-com:vml" xmlns:pvml="urn:schemas-microsoft-com:office:powerpoint" xmlns:com="http://schemas.openxmlformats.org/drawingml/2006/compatibility" xmlns:p14="http://schemas.microsoft.com/office/powerpoint/2010/main" xmlns:p15="http://schemas.microsoft.com/office/powerpoint/2012/main" xmlns:ahyp="http://schemas.microsoft.com/office/drawing/2018/hyperlinkcolor">
   <p:cSld>
     <p:spTree>
       <p:nvGrpSpPr>
-        <p:cNvPr id="255" name="Shape 255"/>
+        <p:cNvPr id="246" name="Shape 246"/>
         <p:cNvGrpSpPr/>
         <p:nvPr/>
       </p:nvGrpSpPr>
@@ -18716,7 +18304,7 @@
       </p:grpSpPr>
       <p:sp>
         <p:nvSpPr>
-          <p:cNvPr id="256" name="Google Shape;256;p42"/>
+          <p:cNvPr id="247" name="Google Shape;247;p41"/>
           <p:cNvSpPr txBox="1"/>
           <p:nvPr>
             <p:ph type="title"/>
@@ -18756,7 +18344,7 @@
             </a:pPr>
             <a:r>
               <a:rPr lang="en"/>
-              <a:t>Pipes in R</a:t>
+              <a:t>Pipes in R (demo)</a:t>
             </a:r>
             <a:endParaRPr b="1">
               <a:solidFill>
@@ -18768,7 +18356,7 @@
       </p:sp>
       <p:sp>
         <p:nvSpPr>
-          <p:cNvPr id="257" name="Google Shape;257;p42"/>
+          <p:cNvPr id="248" name="Google Shape;248;p41"/>
           <p:cNvSpPr txBox="1"/>
           <p:nvPr>
             <p:ph idx="12" type="sldNum"/>
@@ -18814,12 +18402,12 @@
 </p:sld>
 </file>
 
-<file path=ppt/slides/slide19.xml><?xml version="1.0" encoding="utf-8"?>
+<file path=ppt/slides/slide18.xml><?xml version="1.0" encoding="utf-8"?>
 <p:sld xmlns:a="http://schemas.openxmlformats.org/drawingml/2006/main" xmlns:r="http://schemas.openxmlformats.org/officeDocument/2006/relationships" xmlns:mc="http://schemas.openxmlformats.org/markup-compatibility/2006" xmlns:mv="urn:schemas-microsoft-com:mac:vml" xmlns:p="http://schemas.openxmlformats.org/presentationml/2006/main" xmlns:c="http://schemas.openxmlformats.org/drawingml/2006/chart" xmlns:dgm="http://schemas.openxmlformats.org/drawingml/2006/diagram" xmlns:o="urn:schemas-microsoft-com:office:office" xmlns:v="urn:schemas-microsoft-com:vml" xmlns:pvml="urn:schemas-microsoft-com:office:powerpoint" xmlns:com="http://schemas.openxmlformats.org/drawingml/2006/compatibility" xmlns:p14="http://schemas.microsoft.com/office/powerpoint/2010/main" xmlns:p15="http://schemas.microsoft.com/office/powerpoint/2012/main" xmlns:ahyp="http://schemas.microsoft.com/office/drawing/2018/hyperlinkcolor">
   <p:cSld>
     <p:spTree>
       <p:nvGrpSpPr>
-        <p:cNvPr id="261" name="Shape 261"/>
+        <p:cNvPr id="252" name="Shape 252"/>
         <p:cNvGrpSpPr/>
         <p:nvPr/>
       </p:nvGrpSpPr>
@@ -18833,7 +18421,7 @@
       </p:grpSpPr>
       <p:sp>
         <p:nvSpPr>
-          <p:cNvPr id="262" name="Google Shape;262;p43"/>
+          <p:cNvPr id="253" name="Google Shape;253;p42"/>
           <p:cNvSpPr txBox="1"/>
           <p:nvPr>
             <p:ph type="title"/>
@@ -18878,6 +18466,522 @@
             <a:endParaRPr b="1">
               <a:solidFill>
                 <a:srgbClr val="3C78D8"/>
+              </a:solidFill>
+            </a:endParaRPr>
+          </a:p>
+        </p:txBody>
+      </p:sp>
+      <p:sp>
+        <p:nvSpPr>
+          <p:cNvPr id="254" name="Google Shape;254;p42"/>
+          <p:cNvSpPr txBox="1"/>
+          <p:nvPr>
+            <p:ph idx="12" type="sldNum"/>
+          </p:nvPr>
+        </p:nvSpPr>
+        <p:spPr>
+          <a:xfrm>
+            <a:off x="8472458" y="4663217"/>
+            <a:ext cx="548700" cy="393600"/>
+          </a:xfrm>
+          <a:prstGeom prst="rect">
+            <a:avLst/>
+          </a:prstGeom>
+        </p:spPr>
+        <p:txBody>
+          <a:bodyPr anchorCtr="0" anchor="ctr" bIns="91425" lIns="91425" spcFirstLastPara="1" rIns="91425" wrap="square" tIns="91425">
+            <a:noAutofit/>
+          </a:bodyPr>
+          <a:lstStyle/>
+          <a:p>
+            <a:pPr indent="0" lvl="0" marL="0" rtl="0" algn="r">
+              <a:spcBef>
+                <a:spcPts val="0"/>
+              </a:spcBef>
+              <a:spcAft>
+                <a:spcPts val="0"/>
+              </a:spcAft>
+              <a:buNone/>
+            </a:pPr>
+            <a:fld id="{00000000-1234-1234-1234-123412341234}" type="slidenum">
+              <a:rPr lang="en"/>
+              <a:t>‹#›</a:t>
+            </a:fld>
+            <a:endParaRPr/>
+          </a:p>
+        </p:txBody>
+      </p:sp>
+      <p:sp>
+        <p:nvSpPr>
+          <p:cNvPr id="255" name="Google Shape;255;p42"/>
+          <p:cNvSpPr txBox="1"/>
+          <p:nvPr>
+            <p:ph idx="1" type="body"/>
+          </p:nvPr>
+        </p:nvSpPr>
+        <p:spPr>
+          <a:xfrm>
+            <a:off x="311700" y="609000"/>
+            <a:ext cx="6676200" cy="3416400"/>
+          </a:xfrm>
+          <a:prstGeom prst="rect">
+            <a:avLst/>
+          </a:prstGeom>
+          <a:noFill/>
+          <a:ln>
+            <a:noFill/>
+          </a:ln>
+        </p:spPr>
+        <p:txBody>
+          <a:bodyPr anchorCtr="0" anchor="t" bIns="91425" lIns="91425" spcFirstLastPara="1" rIns="91425" wrap="square" tIns="91425">
+            <a:noAutofit/>
+          </a:bodyPr>
+          <a:lstStyle/>
+          <a:p>
+            <a:pPr indent="0" lvl="0" marL="0" rtl="0" algn="l">
+              <a:lnSpc>
+                <a:spcPct val="115000"/>
+              </a:lnSpc>
+              <a:spcBef>
+                <a:spcPts val="0"/>
+              </a:spcBef>
+              <a:spcAft>
+                <a:spcPts val="0"/>
+              </a:spcAft>
+              <a:buNone/>
+            </a:pPr>
+            <a:r>
+              <a:t/>
+            </a:r>
+            <a:endParaRPr/>
+          </a:p>
+          <a:p>
+            <a:pPr indent="-342900" lvl="0" marL="457200" rtl="0" algn="l">
+              <a:lnSpc>
+                <a:spcPct val="115000"/>
+              </a:lnSpc>
+              <a:spcBef>
+                <a:spcPts val="0"/>
+              </a:spcBef>
+              <a:spcAft>
+                <a:spcPts val="0"/>
+              </a:spcAft>
+              <a:buSzPts val="1800"/>
+              <a:buChar char="●"/>
+            </a:pPr>
+            <a:r>
+              <a:rPr lang="en"/>
+              <a:t>Big datasets → complex figures (which </a:t>
+            </a:r>
+            <a:r>
+              <a:rPr i="1" lang="en"/>
+              <a:t>can</a:t>
+            </a:r>
+            <a:r>
+              <a:rPr lang="en"/>
+              <a:t> take more time) </a:t>
+            </a:r>
+            <a:endParaRPr/>
+          </a:p>
+          <a:p>
+            <a:pPr indent="-342900" lvl="0" marL="457200" rtl="0" algn="l">
+              <a:lnSpc>
+                <a:spcPct val="115000"/>
+              </a:lnSpc>
+              <a:spcBef>
+                <a:spcPts val="0"/>
+              </a:spcBef>
+              <a:spcAft>
+                <a:spcPts val="0"/>
+              </a:spcAft>
+              <a:buSzPts val="1800"/>
+              <a:buChar char="●"/>
+            </a:pPr>
+            <a:br>
+              <a:rPr lang="en"/>
+            </a:br>
+            <a:endParaRPr/>
+          </a:p>
+          <a:p>
+            <a:pPr indent="0" lvl="0" marL="457200" rtl="0" algn="l">
+              <a:lnSpc>
+                <a:spcPct val="115000"/>
+              </a:lnSpc>
+              <a:spcBef>
+                <a:spcPts val="0"/>
+              </a:spcBef>
+              <a:spcAft>
+                <a:spcPts val="0"/>
+              </a:spcAft>
+              <a:buNone/>
+            </a:pPr>
+            <a:br>
+              <a:rPr lang="en"/>
+            </a:br>
+            <a:br>
+              <a:rPr lang="en"/>
+            </a:br>
+            <a:endParaRPr/>
+          </a:p>
+          <a:p>
+            <a:pPr indent="0" lvl="0" marL="0" rtl="0" algn="l">
+              <a:lnSpc>
+                <a:spcPct val="115000"/>
+              </a:lnSpc>
+              <a:spcBef>
+                <a:spcPts val="0"/>
+              </a:spcBef>
+              <a:spcAft>
+                <a:spcPts val="0"/>
+              </a:spcAft>
+              <a:buNone/>
+            </a:pPr>
+            <a:br>
+              <a:rPr lang="en"/>
+            </a:br>
+            <a:endParaRPr/>
+          </a:p>
+        </p:txBody>
+      </p:sp>
+      <p:sp>
+        <p:nvSpPr>
+          <p:cNvPr id="256" name="Google Shape;256;p42"/>
+          <p:cNvSpPr txBox="1"/>
+          <p:nvPr/>
+        </p:nvSpPr>
+        <p:spPr>
+          <a:xfrm>
+            <a:off x="130200" y="4025400"/>
+            <a:ext cx="6315600" cy="3000000"/>
+          </a:xfrm>
+          <a:prstGeom prst="rect">
+            <a:avLst/>
+          </a:prstGeom>
+          <a:noFill/>
+          <a:ln>
+            <a:noFill/>
+          </a:ln>
+        </p:spPr>
+        <p:txBody>
+          <a:bodyPr anchorCtr="0" anchor="t" bIns="91425" lIns="91425" spcFirstLastPara="1" rIns="91425" wrap="square" tIns="91425">
+            <a:noAutofit/>
+          </a:bodyPr>
+          <a:lstStyle/>
+          <a:p>
+            <a:pPr indent="0" lvl="0" marL="0" rtl="0" algn="l">
+              <a:spcBef>
+                <a:spcPts val="0"/>
+              </a:spcBef>
+              <a:spcAft>
+                <a:spcPts val="0"/>
+              </a:spcAft>
+              <a:buNone/>
+            </a:pPr>
+            <a:r>
+              <a:t/>
+            </a:r>
+            <a:endParaRPr/>
+          </a:p>
+          <a:p>
+            <a:pPr indent="0" lvl="0" marL="0" rtl="0" algn="l">
+              <a:spcBef>
+                <a:spcPts val="0"/>
+              </a:spcBef>
+              <a:spcAft>
+                <a:spcPts val="0"/>
+              </a:spcAft>
+              <a:buNone/>
+            </a:pPr>
+            <a:r>
+              <a:rPr lang="en" u="sng">
+                <a:solidFill>
+                  <a:schemeClr val="hlink"/>
+                </a:solidFill>
+                <a:hlinkClick r:id="rId3"/>
+              </a:rPr>
+              <a:t>https://bioconductor.org/packages/release/workflows/html/rnaseqGene.html</a:t>
+            </a:r>
+            <a:endParaRPr/>
+          </a:p>
+          <a:p>
+            <a:pPr indent="0" lvl="0" marL="0" rtl="0" algn="l">
+              <a:spcBef>
+                <a:spcPts val="0"/>
+              </a:spcBef>
+              <a:spcAft>
+                <a:spcPts val="0"/>
+              </a:spcAft>
+              <a:buClr>
+                <a:schemeClr val="dk1"/>
+              </a:buClr>
+              <a:buSzPts val="1100"/>
+              <a:buFont typeface="Arial"/>
+              <a:buNone/>
+            </a:pPr>
+            <a:r>
+              <a:rPr lang="en" u="sng">
+                <a:solidFill>
+                  <a:schemeClr val="accent5"/>
+                </a:solidFill>
+                <a:hlinkClick r:id="rId4">
+                  <a:extLst>
+                    <a:ext uri="{A12FA001-AC4F-418D-AE19-62706E023703}">
+                      <ahyp:hlinkClr val="tx"/>
+                    </a:ext>
+                  </a:extLst>
+                </a:hlinkClick>
+              </a:rPr>
+              <a:t>https://combine-australia.github.io/RNAseq-R/</a:t>
+            </a:r>
+            <a:endParaRPr/>
+          </a:p>
+          <a:p>
+            <a:pPr indent="0" lvl="0" marL="0" rtl="0" algn="l">
+              <a:spcBef>
+                <a:spcPts val="0"/>
+              </a:spcBef>
+              <a:spcAft>
+                <a:spcPts val="0"/>
+              </a:spcAft>
+              <a:buNone/>
+            </a:pPr>
+            <a:r>
+              <a:rPr lang="en" u="sng">
+                <a:solidFill>
+                  <a:schemeClr val="hlink"/>
+                </a:solidFill>
+                <a:hlinkClick r:id="rId5"/>
+              </a:rPr>
+              <a:t>https://rna-seqblog.com/tag/r-package/</a:t>
+            </a:r>
+            <a:r>
+              <a:rPr lang="en"/>
+              <a:t>  </a:t>
+            </a:r>
+            <a:r>
+              <a:rPr lang="en"/>
+              <a:t> </a:t>
+            </a:r>
+            <a:endParaRPr/>
+          </a:p>
+        </p:txBody>
+      </p:sp>
+    </p:spTree>
+  </p:cSld>
+  <p:clrMapOvr>
+    <a:masterClrMapping/>
+  </p:clrMapOvr>
+</p:sld>
+</file>
+
+<file path=ppt/slides/slide19.xml><?xml version="1.0" encoding="utf-8"?>
+<p:sld xmlns:a="http://schemas.openxmlformats.org/drawingml/2006/main" xmlns:r="http://schemas.openxmlformats.org/officeDocument/2006/relationships" xmlns:mc="http://schemas.openxmlformats.org/markup-compatibility/2006" xmlns:mv="urn:schemas-microsoft-com:mac:vml" xmlns:p="http://schemas.openxmlformats.org/presentationml/2006/main" xmlns:c="http://schemas.openxmlformats.org/drawingml/2006/chart" xmlns:dgm="http://schemas.openxmlformats.org/drawingml/2006/diagram" xmlns:o="urn:schemas-microsoft-com:office:office" xmlns:v="urn:schemas-microsoft-com:vml" xmlns:pvml="urn:schemas-microsoft-com:office:powerpoint" xmlns:com="http://schemas.openxmlformats.org/drawingml/2006/compatibility" xmlns:p14="http://schemas.microsoft.com/office/powerpoint/2010/main" xmlns:p15="http://schemas.microsoft.com/office/powerpoint/2012/main" xmlns:ahyp="http://schemas.microsoft.com/office/drawing/2018/hyperlinkcolor">
+  <p:cSld>
+    <p:spTree>
+      <p:nvGrpSpPr>
+        <p:cNvPr id="260" name="Shape 260"/>
+        <p:cNvGrpSpPr/>
+        <p:nvPr/>
+      </p:nvGrpSpPr>
+      <p:grpSpPr>
+        <a:xfrm>
+          <a:off x="0" y="0"/>
+          <a:ext cx="0" cy="0"/>
+          <a:chOff x="0" y="0"/>
+          <a:chExt cx="0" cy="0"/>
+        </a:xfrm>
+      </p:grpSpPr>
+      <p:sp>
+        <p:nvSpPr>
+          <p:cNvPr id="261" name="Google Shape;261;p43"/>
+          <p:cNvSpPr/>
+          <p:nvPr/>
+        </p:nvSpPr>
+        <p:spPr>
+          <a:xfrm>
+            <a:off x="311700" y="347100"/>
+            <a:ext cx="8520600" cy="4449300"/>
+          </a:xfrm>
+          <a:prstGeom prst="rect">
+            <a:avLst/>
+          </a:prstGeom>
+          <a:solidFill>
+            <a:srgbClr val="A4C2F4"/>
+          </a:solidFill>
+          <a:ln>
+            <a:noFill/>
+          </a:ln>
+        </p:spPr>
+        <p:txBody>
+          <a:bodyPr anchorCtr="0" anchor="ctr" bIns="91425" lIns="91425" spcFirstLastPara="1" rIns="91425" wrap="square" tIns="91425">
+            <a:noAutofit/>
+          </a:bodyPr>
+          <a:lstStyle/>
+          <a:p>
+            <a:pPr indent="0" lvl="0" marL="0" marR="0" rtl="0" algn="l">
+              <a:lnSpc>
+                <a:spcPct val="100000"/>
+              </a:lnSpc>
+              <a:spcBef>
+                <a:spcPts val="0"/>
+              </a:spcBef>
+              <a:spcAft>
+                <a:spcPts val="0"/>
+              </a:spcAft>
+              <a:buClr>
+                <a:srgbClr val="000000"/>
+              </a:buClr>
+              <a:buSzPts val="1400"/>
+              <a:buFont typeface="Arial"/>
+              <a:buNone/>
+            </a:pPr>
+            <a:r>
+              <a:t/>
+            </a:r>
+            <a:endParaRPr b="0" i="0" sz="1400" u="none" cap="none" strike="noStrike">
+              <a:solidFill>
+                <a:srgbClr val="000000"/>
+              </a:solidFill>
+              <a:latin typeface="Arial"/>
+              <a:ea typeface="Arial"/>
+              <a:cs typeface="Arial"/>
+              <a:sym typeface="Arial"/>
+            </a:endParaRPr>
+          </a:p>
+        </p:txBody>
+      </p:sp>
+      <p:sp>
+        <p:nvSpPr>
+          <p:cNvPr id="262" name="Google Shape;262;p43"/>
+          <p:cNvSpPr txBox="1"/>
+          <p:nvPr>
+            <p:ph type="title"/>
+          </p:nvPr>
+        </p:nvSpPr>
+        <p:spPr>
+          <a:xfrm>
+            <a:off x="372850" y="436600"/>
+            <a:ext cx="8520600" cy="3493500"/>
+          </a:xfrm>
+          <a:prstGeom prst="rect">
+            <a:avLst/>
+          </a:prstGeom>
+          <a:noFill/>
+          <a:ln>
+            <a:noFill/>
+          </a:ln>
+        </p:spPr>
+        <p:txBody>
+          <a:bodyPr anchorCtr="0" anchor="t" bIns="91425" lIns="91425" spcFirstLastPara="1" rIns="91425" wrap="square" tIns="91425">
+            <a:noAutofit/>
+          </a:bodyPr>
+          <a:lstStyle/>
+          <a:p>
+            <a:pPr indent="0" lvl="0" marL="0" rtl="0" algn="l">
+              <a:lnSpc>
+                <a:spcPct val="100000"/>
+              </a:lnSpc>
+              <a:spcBef>
+                <a:spcPts val="0"/>
+              </a:spcBef>
+              <a:spcAft>
+                <a:spcPts val="0"/>
+              </a:spcAft>
+              <a:buSzPts val="2800"/>
+              <a:buNone/>
+            </a:pPr>
+            <a:r>
+              <a:rPr b="1" lang="en">
+                <a:solidFill>
+                  <a:srgbClr val="434343"/>
+                </a:solidFill>
+              </a:rPr>
+              <a:t>B5.</a:t>
+            </a:r>
+            <a:r>
+              <a:rPr b="1" lang="en">
+                <a:solidFill>
+                  <a:srgbClr val="434343"/>
+                </a:solidFill>
+              </a:rPr>
+              <a:t>ba</a:t>
+            </a:r>
+            <a:r>
+              <a:rPr lang="en">
+                <a:solidFill>
+                  <a:srgbClr val="434343"/>
+                </a:solidFill>
+              </a:rPr>
+              <a:t>: </a:t>
+            </a:r>
+            <a:r>
+              <a:rPr b="1" lang="en">
+                <a:solidFill>
+                  <a:srgbClr val="434343"/>
+                </a:solidFill>
+              </a:rPr>
+              <a:t>Think-Pair-Share</a:t>
+            </a:r>
+            <a:endParaRPr>
+              <a:solidFill>
+                <a:srgbClr val="434343"/>
+              </a:solidFill>
+            </a:endParaRPr>
+          </a:p>
+          <a:p>
+            <a:pPr indent="0" lvl="0" marL="0" rtl="0" algn="l">
+              <a:lnSpc>
+                <a:spcPct val="100000"/>
+              </a:lnSpc>
+              <a:spcBef>
+                <a:spcPts val="0"/>
+              </a:spcBef>
+              <a:spcAft>
+                <a:spcPts val="0"/>
+              </a:spcAft>
+              <a:buSzPts val="2800"/>
+              <a:buNone/>
+            </a:pPr>
+            <a:br>
+              <a:rPr lang="en" sz="2200">
+                <a:solidFill>
+                  <a:schemeClr val="dk2"/>
+                </a:solidFill>
+              </a:rPr>
+            </a:br>
+            <a:br>
+              <a:rPr lang="en" sz="2200">
+                <a:solidFill>
+                  <a:schemeClr val="dk2"/>
+                </a:solidFill>
+              </a:rPr>
+            </a:br>
+            <a:endParaRPr sz="2200">
+              <a:solidFill>
+                <a:schemeClr val="dk2"/>
+              </a:solidFill>
+            </a:endParaRPr>
+          </a:p>
+          <a:p>
+            <a:pPr indent="0" lvl="0" marL="0" rtl="0" algn="l">
+              <a:lnSpc>
+                <a:spcPct val="100000"/>
+              </a:lnSpc>
+              <a:spcBef>
+                <a:spcPts val="0"/>
+              </a:spcBef>
+              <a:spcAft>
+                <a:spcPts val="0"/>
+              </a:spcAft>
+              <a:buSzPts val="2800"/>
+              <a:buNone/>
+            </a:pPr>
+            <a:r>
+              <a:t/>
+            </a:r>
+            <a:endParaRPr sz="2200">
+              <a:solidFill>
+                <a:schemeClr val="dk2"/>
               </a:solidFill>
             </a:endParaRPr>
           </a:p>
@@ -18923,18 +19027,23 @@
           </a:p>
         </p:txBody>
       </p:sp>
-      <p:sp>
-        <p:nvSpPr>
+      <p:pic>
+        <p:nvPicPr>
           <p:cNvPr id="264" name="Google Shape;264;p43"/>
-          <p:cNvSpPr txBox="1"/>
-          <p:nvPr>
-            <p:ph idx="1" type="body"/>
-          </p:nvPr>
-        </p:nvSpPr>
+          <p:cNvPicPr preferRelativeResize="0"/>
+          <p:nvPr/>
+        </p:nvPicPr>
+        <p:blipFill rotWithShape="1">
+          <a:blip r:embed="rId3">
+            <a:alphaModFix/>
+          </a:blip>
+          <a:srcRect b="7952" l="0" r="0" t="0"/>
+          <a:stretch/>
+        </p:blipFill>
         <p:spPr>
           <a:xfrm>
-            <a:off x="311700" y="609000"/>
-            <a:ext cx="6676200" cy="3416400"/>
+            <a:off x="5787700" y="514950"/>
+            <a:ext cx="2882350" cy="860375"/>
           </a:xfrm>
           <a:prstGeom prst="rect">
             <a:avLst/>
@@ -18944,216 +19053,7 @@
             <a:noFill/>
           </a:ln>
         </p:spPr>
-        <p:txBody>
-          <a:bodyPr anchorCtr="0" anchor="t" bIns="91425" lIns="91425" spcFirstLastPara="1" rIns="91425" wrap="square" tIns="91425">
-            <a:noAutofit/>
-          </a:bodyPr>
-          <a:lstStyle/>
-          <a:p>
-            <a:pPr indent="0" lvl="0" marL="0" rtl="0" algn="l">
-              <a:lnSpc>
-                <a:spcPct val="115000"/>
-              </a:lnSpc>
-              <a:spcBef>
-                <a:spcPts val="0"/>
-              </a:spcBef>
-              <a:spcAft>
-                <a:spcPts val="0"/>
-              </a:spcAft>
-              <a:buNone/>
-            </a:pPr>
-            <a:r>
-              <a:t/>
-            </a:r>
-            <a:endParaRPr/>
-          </a:p>
-          <a:p>
-            <a:pPr indent="-342900" lvl="0" marL="457200" rtl="0" algn="l">
-              <a:lnSpc>
-                <a:spcPct val="115000"/>
-              </a:lnSpc>
-              <a:spcBef>
-                <a:spcPts val="0"/>
-              </a:spcBef>
-              <a:spcAft>
-                <a:spcPts val="0"/>
-              </a:spcAft>
-              <a:buSzPts val="1800"/>
-              <a:buChar char="●"/>
-            </a:pPr>
-            <a:r>
-              <a:rPr lang="en"/>
-              <a:t>x</a:t>
-            </a:r>
-            <a:br>
-              <a:rPr lang="en"/>
-            </a:br>
-            <a:endParaRPr/>
-          </a:p>
-          <a:p>
-            <a:pPr indent="0" lvl="0" marL="457200" rtl="0" algn="l">
-              <a:lnSpc>
-                <a:spcPct val="115000"/>
-              </a:lnSpc>
-              <a:spcBef>
-                <a:spcPts val="0"/>
-              </a:spcBef>
-              <a:spcAft>
-                <a:spcPts val="0"/>
-              </a:spcAft>
-              <a:buNone/>
-            </a:pPr>
-            <a:br>
-              <a:rPr lang="en"/>
-            </a:br>
-            <a:br>
-              <a:rPr lang="en"/>
-            </a:br>
-            <a:endParaRPr/>
-          </a:p>
-          <a:p>
-            <a:pPr indent="0" lvl="0" marL="0" rtl="0" algn="l">
-              <a:lnSpc>
-                <a:spcPct val="115000"/>
-              </a:lnSpc>
-              <a:spcBef>
-                <a:spcPts val="0"/>
-              </a:spcBef>
-              <a:spcAft>
-                <a:spcPts val="0"/>
-              </a:spcAft>
-              <a:buNone/>
-            </a:pPr>
-            <a:br>
-              <a:rPr lang="en"/>
-            </a:br>
-            <a:endParaRPr/>
-          </a:p>
-        </p:txBody>
-      </p:sp>
-      <p:sp>
-        <p:nvSpPr>
-          <p:cNvPr id="265" name="Google Shape;265;p43"/>
-          <p:cNvSpPr txBox="1"/>
-          <p:nvPr/>
-        </p:nvSpPr>
-        <p:spPr>
-          <a:xfrm>
-            <a:off x="130200" y="4025400"/>
-            <a:ext cx="6315600" cy="3000000"/>
-          </a:xfrm>
-          <a:prstGeom prst="rect">
-            <a:avLst/>
-          </a:prstGeom>
-          <a:noFill/>
-          <a:ln>
-            <a:noFill/>
-          </a:ln>
-        </p:spPr>
-        <p:txBody>
-          <a:bodyPr anchorCtr="0" anchor="t" bIns="91425" lIns="91425" spcFirstLastPara="1" rIns="91425" wrap="square" tIns="91425">
-            <a:noAutofit/>
-          </a:bodyPr>
-          <a:lstStyle/>
-          <a:p>
-            <a:pPr indent="0" lvl="0" marL="0" rtl="0" algn="l">
-              <a:spcBef>
-                <a:spcPts val="0"/>
-              </a:spcBef>
-              <a:spcAft>
-                <a:spcPts val="0"/>
-              </a:spcAft>
-              <a:buNone/>
-            </a:pPr>
-            <a:r>
-              <a:t/>
-            </a:r>
-            <a:endParaRPr/>
-          </a:p>
-          <a:p>
-            <a:pPr indent="0" lvl="0" marL="0" rtl="0" algn="l">
-              <a:spcBef>
-                <a:spcPts val="0"/>
-              </a:spcBef>
-              <a:spcAft>
-                <a:spcPts val="0"/>
-              </a:spcAft>
-              <a:buNone/>
-            </a:pPr>
-            <a:r>
-              <a:rPr lang="en" u="sng">
-                <a:solidFill>
-                  <a:schemeClr val="hlink"/>
-                </a:solidFill>
-                <a:hlinkClick r:id="rId3"/>
-              </a:rPr>
-              <a:t>https://bioconductor.org/packages/release/workflows/html/rnaseqGene.html</a:t>
-            </a:r>
-            <a:endParaRPr/>
-          </a:p>
-          <a:p>
-            <a:pPr indent="0" lvl="0" marL="0" rtl="0" algn="l">
-              <a:spcBef>
-                <a:spcPts val="0"/>
-              </a:spcBef>
-              <a:spcAft>
-                <a:spcPts val="0"/>
-              </a:spcAft>
-              <a:buClr>
-                <a:schemeClr val="dk1"/>
-              </a:buClr>
-              <a:buSzPts val="1100"/>
-              <a:buFont typeface="Arial"/>
-              <a:buNone/>
-            </a:pPr>
-            <a:r>
-              <a:rPr lang="en" u="sng">
-                <a:solidFill>
-                  <a:schemeClr val="accent5"/>
-                </a:solidFill>
-                <a:hlinkClick r:id="rId4">
-                  <a:extLst>
-                    <a:ext uri="{A12FA001-AC4F-418D-AE19-62706E023703}">
-                      <ahyp:hlinkClr val="tx"/>
-                    </a:ext>
-                  </a:extLst>
-                </a:hlinkClick>
-              </a:rPr>
-              <a:t>https://combine-australia.github.io/RNAseq-R/</a:t>
-            </a:r>
-            <a:endParaRPr/>
-          </a:p>
-          <a:p>
-            <a:pPr indent="0" lvl="0" marL="0" rtl="0" algn="l">
-              <a:spcBef>
-                <a:spcPts val="0"/>
-              </a:spcBef>
-              <a:spcAft>
-                <a:spcPts val="0"/>
-              </a:spcAft>
-              <a:buNone/>
-            </a:pPr>
-            <a:r>
-              <a:rPr lang="en" u="sng">
-                <a:solidFill>
-                  <a:schemeClr val="hlink"/>
-                </a:solidFill>
-                <a:hlinkClick r:id="rId5"/>
-              </a:rPr>
-              <a:t>https://rna-seqblog.com/tag/r-package/</a:t>
-            </a:r>
-            <a:r>
-              <a:rPr lang="en"/>
-              <a:t>  </a:t>
-            </a:r>
-            <a:r>
-              <a:rPr lang="en"/>
-              <a:t> </a:t>
-            </a:r>
-            <a:endParaRPr/>
-          </a:p>
-        </p:txBody>
-      </p:sp>
+      </p:pic>
     </p:spTree>
   </p:cSld>
   <p:clrMapOvr>
@@ -19457,7 +19357,7 @@
   <p:cSld>
     <p:spTree>
       <p:nvGrpSpPr>
-        <p:cNvPr id="269" name="Shape 269"/>
+        <p:cNvPr id="268" name="Shape 268"/>
         <p:cNvGrpSpPr/>
         <p:nvPr/>
       </p:nvGrpSpPr>
@@ -19471,7 +19371,1413 @@
       </p:grpSpPr>
       <p:sp>
         <p:nvSpPr>
+          <p:cNvPr id="269" name="Google Shape;269;p44"/>
+          <p:cNvSpPr txBox="1"/>
+          <p:nvPr>
+            <p:ph type="ctrTitle"/>
+          </p:nvPr>
+        </p:nvSpPr>
+        <p:spPr>
+          <a:xfrm>
+            <a:off x="311708" y="744575"/>
+            <a:ext cx="8520600" cy="2052600"/>
+          </a:xfrm>
+          <a:prstGeom prst="rect">
+            <a:avLst/>
+          </a:prstGeom>
+          <a:noFill/>
+          <a:ln>
+            <a:noFill/>
+          </a:ln>
+        </p:spPr>
+        <p:txBody>
+          <a:bodyPr anchorCtr="0" anchor="b" bIns="91425" lIns="91425" spcFirstLastPara="1" rIns="91425" wrap="square" tIns="91425">
+            <a:noAutofit/>
+          </a:bodyPr>
+          <a:lstStyle/>
+          <a:p>
+            <a:pPr indent="0" lvl="0" marL="0" rtl="0" algn="ctr">
+              <a:lnSpc>
+                <a:spcPct val="100000"/>
+              </a:lnSpc>
+              <a:spcBef>
+                <a:spcPts val="0"/>
+              </a:spcBef>
+              <a:spcAft>
+                <a:spcPts val="0"/>
+              </a:spcAft>
+              <a:buSzPts val="5200"/>
+              <a:buNone/>
+            </a:pPr>
+            <a:r>
+              <a:rPr b="1" lang="en"/>
+              <a:t>B5.bb</a:t>
+            </a:r>
+            <a:r>
+              <a:rPr lang="en"/>
+              <a:t> </a:t>
+            </a:r>
+            <a:endParaRPr/>
+          </a:p>
+          <a:p>
+            <a:pPr indent="0" lvl="0" marL="0" rtl="0" algn="ctr">
+              <a:lnSpc>
+                <a:spcPct val="100000"/>
+              </a:lnSpc>
+              <a:spcBef>
+                <a:spcPts val="0"/>
+              </a:spcBef>
+              <a:spcAft>
+                <a:spcPts val="0"/>
+              </a:spcAft>
+              <a:buSzPts val="5200"/>
+              <a:buNone/>
+            </a:pPr>
+            <a:r>
+              <a:rPr lang="en"/>
+              <a:t>Tying it Together</a:t>
+            </a:r>
+            <a:endParaRPr/>
+          </a:p>
+        </p:txBody>
+      </p:sp>
+      <p:sp>
+        <p:nvSpPr>
           <p:cNvPr id="270" name="Google Shape;270;p44"/>
+          <p:cNvSpPr txBox="1"/>
+          <p:nvPr/>
+        </p:nvSpPr>
+        <p:spPr>
+          <a:xfrm>
+            <a:off x="311700" y="3826425"/>
+            <a:ext cx="8520600" cy="792600"/>
+          </a:xfrm>
+          <a:prstGeom prst="rect">
+            <a:avLst/>
+          </a:prstGeom>
+          <a:noFill/>
+          <a:ln>
+            <a:noFill/>
+          </a:ln>
+        </p:spPr>
+        <p:txBody>
+          <a:bodyPr anchorCtr="0" anchor="t" bIns="91425" lIns="91425" spcFirstLastPara="1" rIns="91425" wrap="square" tIns="91425">
+            <a:noAutofit/>
+          </a:bodyPr>
+          <a:lstStyle/>
+          <a:p>
+            <a:pPr indent="0" lvl="0" marL="0" marR="0" rtl="0" algn="ctr">
+              <a:lnSpc>
+                <a:spcPct val="100000"/>
+              </a:lnSpc>
+              <a:spcBef>
+                <a:spcPts val="0"/>
+              </a:spcBef>
+              <a:spcAft>
+                <a:spcPts val="0"/>
+              </a:spcAft>
+              <a:buClr>
+                <a:srgbClr val="000000"/>
+              </a:buClr>
+              <a:buSzPts val="2400"/>
+              <a:buFont typeface="Arial"/>
+              <a:buNone/>
+            </a:pPr>
+            <a:r>
+              <a:rPr b="0" i="0" lang="en" sz="2400" u="none" cap="none" strike="noStrike">
+                <a:solidFill>
+                  <a:srgbClr val="595959"/>
+                </a:solidFill>
+                <a:latin typeface="Arial"/>
+                <a:ea typeface="Arial"/>
+                <a:cs typeface="Arial"/>
+                <a:sym typeface="Arial"/>
+              </a:rPr>
+              <a:t>Sabah Ul-Hasan</a:t>
+            </a:r>
+            <a:endParaRPr b="0" i="0" sz="2400" u="none" cap="none" strike="noStrike">
+              <a:solidFill>
+                <a:srgbClr val="595959"/>
+              </a:solidFill>
+              <a:latin typeface="Arial"/>
+              <a:ea typeface="Arial"/>
+              <a:cs typeface="Arial"/>
+              <a:sym typeface="Arial"/>
+            </a:endParaRPr>
+          </a:p>
+        </p:txBody>
+      </p:sp>
+      <p:sp>
+        <p:nvSpPr>
+          <p:cNvPr id="271" name="Google Shape;271;p44"/>
+          <p:cNvSpPr txBox="1"/>
+          <p:nvPr>
+            <p:ph idx="12" type="sldNum"/>
+          </p:nvPr>
+        </p:nvSpPr>
+        <p:spPr>
+          <a:xfrm>
+            <a:off x="8472458" y="4663217"/>
+            <a:ext cx="548700" cy="393600"/>
+          </a:xfrm>
+          <a:prstGeom prst="rect">
+            <a:avLst/>
+          </a:prstGeom>
+        </p:spPr>
+        <p:txBody>
+          <a:bodyPr anchorCtr="0" anchor="ctr" bIns="91425" lIns="91425" spcFirstLastPara="1" rIns="91425" wrap="square" tIns="91425">
+            <a:noAutofit/>
+          </a:bodyPr>
+          <a:lstStyle/>
+          <a:p>
+            <a:pPr indent="0" lvl="0" marL="0" rtl="0" algn="r">
+              <a:spcBef>
+                <a:spcPts val="0"/>
+              </a:spcBef>
+              <a:spcAft>
+                <a:spcPts val="0"/>
+              </a:spcAft>
+              <a:buNone/>
+            </a:pPr>
+            <a:fld id="{00000000-1234-1234-1234-123412341234}" type="slidenum">
+              <a:rPr lang="en"/>
+              <a:t>‹#›</a:t>
+            </a:fld>
+            <a:endParaRPr/>
+          </a:p>
+        </p:txBody>
+      </p:sp>
+    </p:spTree>
+  </p:cSld>
+  <p:clrMapOvr>
+    <a:masterClrMapping/>
+  </p:clrMapOvr>
+</p:sld>
+</file>
+
+<file path=ppt/slides/slide21.xml><?xml version="1.0" encoding="utf-8"?>
+<p:sld xmlns:a="http://schemas.openxmlformats.org/drawingml/2006/main" xmlns:r="http://schemas.openxmlformats.org/officeDocument/2006/relationships" xmlns:mc="http://schemas.openxmlformats.org/markup-compatibility/2006" xmlns:mv="urn:schemas-microsoft-com:mac:vml" xmlns:p="http://schemas.openxmlformats.org/presentationml/2006/main" xmlns:c="http://schemas.openxmlformats.org/drawingml/2006/chart" xmlns:dgm="http://schemas.openxmlformats.org/drawingml/2006/diagram" xmlns:o="urn:schemas-microsoft-com:office:office" xmlns:v="urn:schemas-microsoft-com:vml" xmlns:pvml="urn:schemas-microsoft-com:office:powerpoint" xmlns:com="http://schemas.openxmlformats.org/drawingml/2006/compatibility" xmlns:p14="http://schemas.microsoft.com/office/powerpoint/2010/main" xmlns:p15="http://schemas.microsoft.com/office/powerpoint/2012/main" xmlns:ahyp="http://schemas.microsoft.com/office/drawing/2018/hyperlinkcolor">
+  <p:cSld>
+    <p:spTree>
+      <p:nvGrpSpPr>
+        <p:cNvPr id="275" name="Shape 275"/>
+        <p:cNvGrpSpPr/>
+        <p:nvPr/>
+      </p:nvGrpSpPr>
+      <p:grpSpPr>
+        <a:xfrm>
+          <a:off x="0" y="0"/>
+          <a:ext cx="0" cy="0"/>
+          <a:chOff x="0" y="0"/>
+          <a:chExt cx="0" cy="0"/>
+        </a:xfrm>
+      </p:grpSpPr>
+      <p:sp>
+        <p:nvSpPr>
+          <p:cNvPr id="276" name="Google Shape;276;p45"/>
+          <p:cNvSpPr txBox="1"/>
+          <p:nvPr>
+            <p:ph type="title"/>
+          </p:nvPr>
+        </p:nvSpPr>
+        <p:spPr>
+          <a:xfrm>
+            <a:off x="311700" y="233775"/>
+            <a:ext cx="8520600" cy="572700"/>
+          </a:xfrm>
+          <a:prstGeom prst="rect">
+            <a:avLst/>
+          </a:prstGeom>
+          <a:noFill/>
+          <a:ln>
+            <a:noFill/>
+          </a:ln>
+        </p:spPr>
+        <p:txBody>
+          <a:bodyPr anchorCtr="0" anchor="t" bIns="91425" lIns="91425" spcFirstLastPara="1" rIns="91425" wrap="square" tIns="91425">
+            <a:noAutofit/>
+          </a:bodyPr>
+          <a:lstStyle/>
+          <a:p>
+            <a:pPr indent="0" lvl="0" marL="0" rtl="0" algn="l">
+              <a:lnSpc>
+                <a:spcPct val="100000"/>
+              </a:lnSpc>
+              <a:spcBef>
+                <a:spcPts val="0"/>
+              </a:spcBef>
+              <a:spcAft>
+                <a:spcPts val="0"/>
+              </a:spcAft>
+              <a:buSzPts val="2800"/>
+              <a:buNone/>
+            </a:pPr>
+            <a:r>
+              <a:rPr lang="en"/>
+              <a:t>The Programming</a:t>
+            </a:r>
+            <a:endParaRPr b="1">
+              <a:solidFill>
+                <a:srgbClr val="3C78D8"/>
+              </a:solidFill>
+            </a:endParaRPr>
+          </a:p>
+        </p:txBody>
+      </p:sp>
+      <p:sp>
+        <p:nvSpPr>
+          <p:cNvPr id="277" name="Google Shape;277;p45"/>
+          <p:cNvSpPr txBox="1"/>
+          <p:nvPr>
+            <p:ph idx="12" type="sldNum"/>
+          </p:nvPr>
+        </p:nvSpPr>
+        <p:spPr>
+          <a:xfrm>
+            <a:off x="8472458" y="4663217"/>
+            <a:ext cx="548700" cy="393600"/>
+          </a:xfrm>
+          <a:prstGeom prst="rect">
+            <a:avLst/>
+          </a:prstGeom>
+        </p:spPr>
+        <p:txBody>
+          <a:bodyPr anchorCtr="0" anchor="ctr" bIns="91425" lIns="91425" spcFirstLastPara="1" rIns="91425" wrap="square" tIns="91425">
+            <a:noAutofit/>
+          </a:bodyPr>
+          <a:lstStyle/>
+          <a:p>
+            <a:pPr indent="0" lvl="0" marL="0" rtl="0" algn="r">
+              <a:spcBef>
+                <a:spcPts val="0"/>
+              </a:spcBef>
+              <a:spcAft>
+                <a:spcPts val="0"/>
+              </a:spcAft>
+              <a:buNone/>
+            </a:pPr>
+            <a:fld id="{00000000-1234-1234-1234-123412341234}" type="slidenum">
+              <a:rPr lang="en"/>
+              <a:t>‹#›</a:t>
+            </a:fld>
+            <a:endParaRPr/>
+          </a:p>
+        </p:txBody>
+      </p:sp>
+      <p:sp>
+        <p:nvSpPr>
+          <p:cNvPr id="278" name="Google Shape;278;p45"/>
+          <p:cNvSpPr txBox="1"/>
+          <p:nvPr>
+            <p:ph idx="1" type="body"/>
+          </p:nvPr>
+        </p:nvSpPr>
+        <p:spPr>
+          <a:xfrm>
+            <a:off x="311700" y="609000"/>
+            <a:ext cx="6676200" cy="3416400"/>
+          </a:xfrm>
+          <a:prstGeom prst="rect">
+            <a:avLst/>
+          </a:prstGeom>
+          <a:noFill/>
+          <a:ln>
+            <a:noFill/>
+          </a:ln>
+        </p:spPr>
+        <p:txBody>
+          <a:bodyPr anchorCtr="0" anchor="t" bIns="91425" lIns="91425" spcFirstLastPara="1" rIns="91425" wrap="square" tIns="91425">
+            <a:noAutofit/>
+          </a:bodyPr>
+          <a:lstStyle/>
+          <a:p>
+            <a:pPr indent="0" lvl="0" marL="0" rtl="0" algn="l">
+              <a:lnSpc>
+                <a:spcPct val="115000"/>
+              </a:lnSpc>
+              <a:spcBef>
+                <a:spcPts val="0"/>
+              </a:spcBef>
+              <a:spcAft>
+                <a:spcPts val="0"/>
+              </a:spcAft>
+              <a:buNone/>
+            </a:pPr>
+            <a:r>
+              <a:t/>
+            </a:r>
+            <a:endParaRPr/>
+          </a:p>
+          <a:p>
+            <a:pPr indent="-342900" lvl="0" marL="457200" rtl="0" algn="l">
+              <a:lnSpc>
+                <a:spcPct val="115000"/>
+              </a:lnSpc>
+              <a:spcBef>
+                <a:spcPts val="0"/>
+              </a:spcBef>
+              <a:spcAft>
+                <a:spcPts val="0"/>
+              </a:spcAft>
+              <a:buSzPts val="1800"/>
+              <a:buChar char="●"/>
+            </a:pPr>
+            <a:r>
+              <a:rPr lang="en"/>
+              <a:t>Similarities</a:t>
+            </a:r>
+            <a:endParaRPr/>
+          </a:p>
+          <a:p>
+            <a:pPr indent="-317500" lvl="1" marL="914400" rtl="0" algn="l">
+              <a:lnSpc>
+                <a:spcPct val="115000"/>
+              </a:lnSpc>
+              <a:spcBef>
+                <a:spcPts val="0"/>
+              </a:spcBef>
+              <a:spcAft>
+                <a:spcPts val="0"/>
+              </a:spcAft>
+              <a:buSzPts val="1400"/>
+              <a:buChar char="○"/>
+            </a:pPr>
+            <a:r>
+              <a:rPr lang="en"/>
+              <a:t>Pipes, loops, scripting, indentation (significance)</a:t>
+            </a:r>
+            <a:endParaRPr/>
+          </a:p>
+          <a:p>
+            <a:pPr indent="0" lvl="0" marL="914400" rtl="0" algn="l">
+              <a:lnSpc>
+                <a:spcPct val="115000"/>
+              </a:lnSpc>
+              <a:spcBef>
+                <a:spcPts val="0"/>
+              </a:spcBef>
+              <a:spcAft>
+                <a:spcPts val="0"/>
+              </a:spcAft>
+              <a:buNone/>
+            </a:pPr>
+            <a:r>
+              <a:t/>
+            </a:r>
+            <a:endParaRPr/>
+          </a:p>
+          <a:p>
+            <a:pPr indent="-342900" lvl="0" marL="457200" rtl="0" algn="l">
+              <a:lnSpc>
+                <a:spcPct val="115000"/>
+              </a:lnSpc>
+              <a:spcBef>
+                <a:spcPts val="0"/>
+              </a:spcBef>
+              <a:spcAft>
+                <a:spcPts val="0"/>
+              </a:spcAft>
+              <a:buSzPts val="1800"/>
+              <a:buChar char="●"/>
+            </a:pPr>
+            <a:r>
+              <a:rPr lang="en"/>
+              <a:t>Bash (unique)</a:t>
+            </a:r>
+            <a:endParaRPr/>
+          </a:p>
+          <a:p>
+            <a:pPr indent="-317500" lvl="1" marL="914400" rtl="0" algn="l">
+              <a:lnSpc>
+                <a:spcPct val="115000"/>
+              </a:lnSpc>
+              <a:spcBef>
+                <a:spcPts val="0"/>
+              </a:spcBef>
+              <a:spcAft>
+                <a:spcPts val="0"/>
+              </a:spcAft>
+              <a:buSzPts val="1400"/>
+              <a:buChar char="○"/>
+            </a:pPr>
+            <a:r>
+              <a:rPr lang="en"/>
+              <a:t>Jupyter notebook syntax (call %%bash -- Python kernel), </a:t>
+            </a:r>
+            <a:r>
+              <a:rPr lang="en"/>
+              <a:t>a</a:t>
+            </a:r>
+            <a:r>
+              <a:rPr lang="en"/>
+              <a:t>wk,...</a:t>
+            </a:r>
+            <a:endParaRPr/>
+          </a:p>
+          <a:p>
+            <a:pPr indent="0" lvl="0" marL="914400" rtl="0" algn="l">
+              <a:lnSpc>
+                <a:spcPct val="115000"/>
+              </a:lnSpc>
+              <a:spcBef>
+                <a:spcPts val="0"/>
+              </a:spcBef>
+              <a:spcAft>
+                <a:spcPts val="0"/>
+              </a:spcAft>
+              <a:buNone/>
+            </a:pPr>
+            <a:r>
+              <a:t/>
+            </a:r>
+            <a:endParaRPr/>
+          </a:p>
+          <a:p>
+            <a:pPr indent="-342900" lvl="0" marL="457200" rtl="0" algn="l">
+              <a:lnSpc>
+                <a:spcPct val="115000"/>
+              </a:lnSpc>
+              <a:spcBef>
+                <a:spcPts val="0"/>
+              </a:spcBef>
+              <a:spcAft>
+                <a:spcPts val="0"/>
+              </a:spcAft>
+              <a:buSzPts val="1800"/>
+              <a:buChar char="●"/>
+            </a:pPr>
+            <a:r>
+              <a:rPr lang="en"/>
+              <a:t>R (unique)</a:t>
+            </a:r>
+            <a:endParaRPr/>
+          </a:p>
+          <a:p>
+            <a:pPr indent="-317500" lvl="1" marL="914400" rtl="0" algn="l">
+              <a:lnSpc>
+                <a:spcPct val="115000"/>
+              </a:lnSpc>
+              <a:spcBef>
+                <a:spcPts val="0"/>
+              </a:spcBef>
+              <a:spcAft>
+                <a:spcPts val="0"/>
+              </a:spcAft>
+              <a:buSzPts val="1400"/>
+              <a:buChar char="○"/>
+            </a:pPr>
+            <a:r>
+              <a:rPr lang="en"/>
+              <a:t>R kernel already included, packages,..</a:t>
+            </a:r>
+            <a:br>
+              <a:rPr lang="en"/>
+            </a:br>
+            <a:endParaRPr/>
+          </a:p>
+          <a:p>
+            <a:pPr indent="0" lvl="0" marL="457200" rtl="0" algn="l">
+              <a:lnSpc>
+                <a:spcPct val="115000"/>
+              </a:lnSpc>
+              <a:spcBef>
+                <a:spcPts val="0"/>
+              </a:spcBef>
+              <a:spcAft>
+                <a:spcPts val="0"/>
+              </a:spcAft>
+              <a:buNone/>
+            </a:pPr>
+            <a:br>
+              <a:rPr lang="en"/>
+            </a:br>
+            <a:br>
+              <a:rPr lang="en"/>
+            </a:br>
+            <a:endParaRPr/>
+          </a:p>
+          <a:p>
+            <a:pPr indent="0" lvl="0" marL="0" rtl="0" algn="l">
+              <a:lnSpc>
+                <a:spcPct val="115000"/>
+              </a:lnSpc>
+              <a:spcBef>
+                <a:spcPts val="0"/>
+              </a:spcBef>
+              <a:spcAft>
+                <a:spcPts val="0"/>
+              </a:spcAft>
+              <a:buNone/>
+            </a:pPr>
+            <a:br>
+              <a:rPr lang="en"/>
+            </a:br>
+            <a:endParaRPr/>
+          </a:p>
+        </p:txBody>
+      </p:sp>
+    </p:spTree>
+  </p:cSld>
+  <p:clrMapOvr>
+    <a:masterClrMapping/>
+  </p:clrMapOvr>
+</p:sld>
+</file>
+
+<file path=ppt/slides/slide22.xml><?xml version="1.0" encoding="utf-8"?>
+<p:sld xmlns:a="http://schemas.openxmlformats.org/drawingml/2006/main" xmlns:r="http://schemas.openxmlformats.org/officeDocument/2006/relationships" xmlns:mc="http://schemas.openxmlformats.org/markup-compatibility/2006" xmlns:mv="urn:schemas-microsoft-com:mac:vml" xmlns:p="http://schemas.openxmlformats.org/presentationml/2006/main" xmlns:c="http://schemas.openxmlformats.org/drawingml/2006/chart" xmlns:dgm="http://schemas.openxmlformats.org/drawingml/2006/diagram" xmlns:o="urn:schemas-microsoft-com:office:office" xmlns:v="urn:schemas-microsoft-com:vml" xmlns:pvml="urn:schemas-microsoft-com:office:powerpoint" xmlns:com="http://schemas.openxmlformats.org/drawingml/2006/compatibility" xmlns:p14="http://schemas.microsoft.com/office/powerpoint/2010/main" xmlns:p15="http://schemas.microsoft.com/office/powerpoint/2012/main" xmlns:ahyp="http://schemas.microsoft.com/office/drawing/2018/hyperlinkcolor">
+  <p:cSld>
+    <p:spTree>
+      <p:nvGrpSpPr>
+        <p:cNvPr id="282" name="Shape 282"/>
+        <p:cNvGrpSpPr/>
+        <p:nvPr/>
+      </p:nvGrpSpPr>
+      <p:grpSpPr>
+        <a:xfrm>
+          <a:off x="0" y="0"/>
+          <a:ext cx="0" cy="0"/>
+          <a:chOff x="0" y="0"/>
+          <a:chExt cx="0" cy="0"/>
+        </a:xfrm>
+      </p:grpSpPr>
+      <p:sp>
+        <p:nvSpPr>
+          <p:cNvPr id="283" name="Google Shape;283;p46"/>
+          <p:cNvSpPr txBox="1"/>
+          <p:nvPr>
+            <p:ph type="title"/>
+          </p:nvPr>
+        </p:nvSpPr>
+        <p:spPr>
+          <a:xfrm>
+            <a:off x="311700" y="233775"/>
+            <a:ext cx="8520600" cy="572700"/>
+          </a:xfrm>
+          <a:prstGeom prst="rect">
+            <a:avLst/>
+          </a:prstGeom>
+          <a:noFill/>
+          <a:ln>
+            <a:noFill/>
+          </a:ln>
+        </p:spPr>
+        <p:txBody>
+          <a:bodyPr anchorCtr="0" anchor="t" bIns="91425" lIns="91425" spcFirstLastPara="1" rIns="91425" wrap="square" tIns="91425">
+            <a:noAutofit/>
+          </a:bodyPr>
+          <a:lstStyle/>
+          <a:p>
+            <a:pPr indent="0" lvl="0" marL="0" rtl="0" algn="l">
+              <a:lnSpc>
+                <a:spcPct val="100000"/>
+              </a:lnSpc>
+              <a:spcBef>
+                <a:spcPts val="0"/>
+              </a:spcBef>
+              <a:spcAft>
+                <a:spcPts val="0"/>
+              </a:spcAft>
+              <a:buSzPts val="2800"/>
+              <a:buNone/>
+            </a:pPr>
+            <a:r>
+              <a:rPr lang="en"/>
+              <a:t>The Biology</a:t>
+            </a:r>
+            <a:endParaRPr b="1">
+              <a:solidFill>
+                <a:srgbClr val="3C78D8"/>
+              </a:solidFill>
+            </a:endParaRPr>
+          </a:p>
+        </p:txBody>
+      </p:sp>
+      <p:sp>
+        <p:nvSpPr>
+          <p:cNvPr id="284" name="Google Shape;284;p46"/>
+          <p:cNvSpPr txBox="1"/>
+          <p:nvPr>
+            <p:ph idx="12" type="sldNum"/>
+          </p:nvPr>
+        </p:nvSpPr>
+        <p:spPr>
+          <a:xfrm>
+            <a:off x="8472458" y="4663217"/>
+            <a:ext cx="548700" cy="393600"/>
+          </a:xfrm>
+          <a:prstGeom prst="rect">
+            <a:avLst/>
+          </a:prstGeom>
+        </p:spPr>
+        <p:txBody>
+          <a:bodyPr anchorCtr="0" anchor="ctr" bIns="91425" lIns="91425" spcFirstLastPara="1" rIns="91425" wrap="square" tIns="91425">
+            <a:noAutofit/>
+          </a:bodyPr>
+          <a:lstStyle/>
+          <a:p>
+            <a:pPr indent="0" lvl="0" marL="0" rtl="0" algn="r">
+              <a:spcBef>
+                <a:spcPts val="0"/>
+              </a:spcBef>
+              <a:spcAft>
+                <a:spcPts val="0"/>
+              </a:spcAft>
+              <a:buNone/>
+            </a:pPr>
+            <a:fld id="{00000000-1234-1234-1234-123412341234}" type="slidenum">
+              <a:rPr lang="en"/>
+              <a:t>‹#›</a:t>
+            </a:fld>
+            <a:endParaRPr/>
+          </a:p>
+        </p:txBody>
+      </p:sp>
+      <p:sp>
+        <p:nvSpPr>
+          <p:cNvPr id="285" name="Google Shape;285;p46"/>
+          <p:cNvSpPr txBox="1"/>
+          <p:nvPr>
+            <p:ph idx="1" type="body"/>
+          </p:nvPr>
+        </p:nvSpPr>
+        <p:spPr>
+          <a:xfrm>
+            <a:off x="311700" y="609000"/>
+            <a:ext cx="8000100" cy="3416400"/>
+          </a:xfrm>
+          <a:prstGeom prst="rect">
+            <a:avLst/>
+          </a:prstGeom>
+          <a:noFill/>
+          <a:ln>
+            <a:noFill/>
+          </a:ln>
+        </p:spPr>
+        <p:txBody>
+          <a:bodyPr anchorCtr="0" anchor="t" bIns="91425" lIns="91425" spcFirstLastPara="1" rIns="91425" wrap="square" tIns="91425">
+            <a:noAutofit/>
+          </a:bodyPr>
+          <a:lstStyle/>
+          <a:p>
+            <a:pPr indent="0" lvl="0" marL="0" rtl="0" algn="l">
+              <a:lnSpc>
+                <a:spcPct val="115000"/>
+              </a:lnSpc>
+              <a:spcBef>
+                <a:spcPts val="0"/>
+              </a:spcBef>
+              <a:spcAft>
+                <a:spcPts val="0"/>
+              </a:spcAft>
+              <a:buNone/>
+            </a:pPr>
+            <a:r>
+              <a:t/>
+            </a:r>
+            <a:endParaRPr/>
+          </a:p>
+          <a:p>
+            <a:pPr indent="-342900" lvl="0" marL="457200" rtl="0" algn="l">
+              <a:lnSpc>
+                <a:spcPct val="115000"/>
+              </a:lnSpc>
+              <a:spcBef>
+                <a:spcPts val="0"/>
+              </a:spcBef>
+              <a:spcAft>
+                <a:spcPts val="0"/>
+              </a:spcAft>
+              <a:buSzPts val="1800"/>
+              <a:buChar char="●"/>
+            </a:pPr>
+            <a:r>
+              <a:rPr lang="en"/>
+              <a:t>Experimental Design</a:t>
+            </a:r>
+            <a:endParaRPr/>
+          </a:p>
+          <a:p>
+            <a:pPr indent="-317500" lvl="1" marL="914400" rtl="0" algn="l">
+              <a:lnSpc>
+                <a:spcPct val="115000"/>
+              </a:lnSpc>
+              <a:spcBef>
+                <a:spcPts val="0"/>
+              </a:spcBef>
+              <a:spcAft>
+                <a:spcPts val="0"/>
+              </a:spcAft>
+              <a:buSzPts val="1400"/>
+              <a:buChar char="○"/>
+            </a:pPr>
+            <a:r>
+              <a:rPr lang="en"/>
+              <a:t>Replications, reproducibility, controls (batch effects), validation</a:t>
+            </a:r>
+            <a:endParaRPr/>
+          </a:p>
+          <a:p>
+            <a:pPr indent="-317500" lvl="1" marL="914400" rtl="0" algn="l">
+              <a:lnSpc>
+                <a:spcPct val="115000"/>
+              </a:lnSpc>
+              <a:spcBef>
+                <a:spcPts val="0"/>
+              </a:spcBef>
+              <a:spcAft>
+                <a:spcPts val="0"/>
+              </a:spcAft>
+              <a:buSzPts val="1400"/>
+              <a:buChar char="○"/>
+            </a:pPr>
+            <a:r>
+              <a:rPr lang="en"/>
+              <a:t>Garbage in, garbage out</a:t>
+            </a:r>
+            <a:endParaRPr/>
+          </a:p>
+          <a:p>
+            <a:pPr indent="0" lvl="0" marL="914400" rtl="0" algn="l">
+              <a:lnSpc>
+                <a:spcPct val="115000"/>
+              </a:lnSpc>
+              <a:spcBef>
+                <a:spcPts val="0"/>
+              </a:spcBef>
+              <a:spcAft>
+                <a:spcPts val="0"/>
+              </a:spcAft>
+              <a:buNone/>
+            </a:pPr>
+            <a:r>
+              <a:t/>
+            </a:r>
+            <a:endParaRPr/>
+          </a:p>
+          <a:p>
+            <a:pPr indent="-342900" lvl="0" marL="457200" rtl="0" algn="l">
+              <a:lnSpc>
+                <a:spcPct val="115000"/>
+              </a:lnSpc>
+              <a:spcBef>
+                <a:spcPts val="0"/>
+              </a:spcBef>
+              <a:spcAft>
+                <a:spcPts val="0"/>
+              </a:spcAft>
+              <a:buSzPts val="1800"/>
+              <a:buChar char="●"/>
+            </a:pPr>
+            <a:r>
+              <a:rPr lang="en"/>
+              <a:t>Hypothesis Testing</a:t>
+            </a:r>
+            <a:endParaRPr/>
+          </a:p>
+          <a:p>
+            <a:pPr indent="-317500" lvl="1" marL="914400" rtl="0" algn="l">
+              <a:lnSpc>
+                <a:spcPct val="115000"/>
+              </a:lnSpc>
+              <a:spcBef>
+                <a:spcPts val="0"/>
+              </a:spcBef>
+              <a:spcAft>
+                <a:spcPts val="0"/>
+              </a:spcAft>
+              <a:buSzPts val="1400"/>
+              <a:buChar char="○"/>
+            </a:pPr>
+            <a:r>
+              <a:rPr lang="en"/>
+              <a:t>Applying the scientific method to dry lab / computational work </a:t>
+            </a:r>
+            <a:endParaRPr/>
+          </a:p>
+          <a:p>
+            <a:pPr indent="-317500" lvl="2" marL="1371600" rtl="0" algn="l">
+              <a:lnSpc>
+                <a:spcPct val="115000"/>
+              </a:lnSpc>
+              <a:spcBef>
+                <a:spcPts val="0"/>
+              </a:spcBef>
+              <a:spcAft>
+                <a:spcPts val="0"/>
+              </a:spcAft>
+              <a:buSzPts val="1400"/>
+              <a:buChar char="■"/>
+            </a:pPr>
+            <a:r>
+              <a:rPr lang="en"/>
+              <a:t>Hypothesis testing still applies when only working with data</a:t>
+            </a:r>
+            <a:endParaRPr/>
+          </a:p>
+          <a:p>
+            <a:pPr indent="-317500" lvl="2" marL="1371600" rtl="0" algn="l">
+              <a:lnSpc>
+                <a:spcPct val="115000"/>
+              </a:lnSpc>
+              <a:spcBef>
+                <a:spcPts val="0"/>
+              </a:spcBef>
+              <a:spcAft>
+                <a:spcPts val="0"/>
+              </a:spcAft>
+              <a:buSzPts val="1400"/>
+              <a:buChar char="■"/>
+            </a:pPr>
+            <a:r>
+              <a:rPr lang="en"/>
+              <a:t>Considering bias (in experiments and/or data, etc)</a:t>
+            </a:r>
+            <a:endParaRPr/>
+          </a:p>
+          <a:p>
+            <a:pPr indent="0" lvl="0" marL="1371600" rtl="0" algn="l">
+              <a:lnSpc>
+                <a:spcPct val="115000"/>
+              </a:lnSpc>
+              <a:spcBef>
+                <a:spcPts val="0"/>
+              </a:spcBef>
+              <a:spcAft>
+                <a:spcPts val="0"/>
+              </a:spcAft>
+              <a:buNone/>
+            </a:pPr>
+            <a:r>
+              <a:t/>
+            </a:r>
+            <a:endParaRPr/>
+          </a:p>
+          <a:p>
+            <a:pPr indent="-342900" lvl="0" marL="457200" rtl="0" algn="l">
+              <a:lnSpc>
+                <a:spcPct val="115000"/>
+              </a:lnSpc>
+              <a:spcBef>
+                <a:spcPts val="0"/>
+              </a:spcBef>
+              <a:spcAft>
+                <a:spcPts val="0"/>
+              </a:spcAft>
+              <a:buSzPts val="1800"/>
+              <a:buChar char="●"/>
+            </a:pPr>
+            <a:r>
+              <a:rPr lang="en"/>
+              <a:t>RNA-Seq</a:t>
+            </a:r>
+            <a:endParaRPr/>
+          </a:p>
+          <a:p>
+            <a:pPr indent="-317500" lvl="1" marL="914400" rtl="0" algn="l">
+              <a:lnSpc>
+                <a:spcPct val="115000"/>
+              </a:lnSpc>
+              <a:spcBef>
+                <a:spcPts val="0"/>
+              </a:spcBef>
+              <a:spcAft>
+                <a:spcPts val="0"/>
+              </a:spcAft>
+              <a:buSzPts val="1400"/>
+              <a:buChar char="○"/>
+            </a:pPr>
+            <a:r>
+              <a:rPr lang="en"/>
+              <a:t>When to use what type of programming (what is appropriate where)</a:t>
+            </a:r>
+            <a:endParaRPr/>
+          </a:p>
+          <a:p>
+            <a:pPr indent="-317500" lvl="1" marL="914400" rtl="0" algn="l">
+              <a:lnSpc>
+                <a:spcPct val="115000"/>
+              </a:lnSpc>
+              <a:spcBef>
+                <a:spcPts val="0"/>
+              </a:spcBef>
+              <a:spcAft>
+                <a:spcPts val="0"/>
+              </a:spcAft>
+              <a:buSzPts val="1400"/>
+              <a:buChar char="○"/>
+            </a:pPr>
+            <a:r>
+              <a:rPr lang="en"/>
+              <a:t>Labeling and naming of files, editing of files accordingly (to match biology)</a:t>
+            </a:r>
+            <a:br>
+              <a:rPr lang="en"/>
+            </a:br>
+            <a:endParaRPr/>
+          </a:p>
+          <a:p>
+            <a:pPr indent="0" lvl="0" marL="457200" rtl="0" algn="l">
+              <a:lnSpc>
+                <a:spcPct val="115000"/>
+              </a:lnSpc>
+              <a:spcBef>
+                <a:spcPts val="0"/>
+              </a:spcBef>
+              <a:spcAft>
+                <a:spcPts val="0"/>
+              </a:spcAft>
+              <a:buNone/>
+            </a:pPr>
+            <a:br>
+              <a:rPr lang="en"/>
+            </a:br>
+            <a:br>
+              <a:rPr lang="en"/>
+            </a:br>
+            <a:endParaRPr/>
+          </a:p>
+          <a:p>
+            <a:pPr indent="0" lvl="0" marL="0" rtl="0" algn="l">
+              <a:lnSpc>
+                <a:spcPct val="115000"/>
+              </a:lnSpc>
+              <a:spcBef>
+                <a:spcPts val="0"/>
+              </a:spcBef>
+              <a:spcAft>
+                <a:spcPts val="0"/>
+              </a:spcAft>
+              <a:buNone/>
+            </a:pPr>
+            <a:br>
+              <a:rPr lang="en"/>
+            </a:br>
+            <a:endParaRPr/>
+          </a:p>
+        </p:txBody>
+      </p:sp>
+    </p:spTree>
+  </p:cSld>
+  <p:clrMapOvr>
+    <a:masterClrMapping/>
+  </p:clrMapOvr>
+</p:sld>
+</file>
+
+<file path=ppt/slides/slide23.xml><?xml version="1.0" encoding="utf-8"?>
+<p:sld xmlns:a="http://schemas.openxmlformats.org/drawingml/2006/main" xmlns:r="http://schemas.openxmlformats.org/officeDocument/2006/relationships" xmlns:mc="http://schemas.openxmlformats.org/markup-compatibility/2006" xmlns:mv="urn:schemas-microsoft-com:mac:vml" xmlns:p="http://schemas.openxmlformats.org/presentationml/2006/main" xmlns:c="http://schemas.openxmlformats.org/drawingml/2006/chart" xmlns:dgm="http://schemas.openxmlformats.org/drawingml/2006/diagram" xmlns:o="urn:schemas-microsoft-com:office:office" xmlns:v="urn:schemas-microsoft-com:vml" xmlns:pvml="urn:schemas-microsoft-com:office:powerpoint" xmlns:com="http://schemas.openxmlformats.org/drawingml/2006/compatibility" xmlns:p14="http://schemas.microsoft.com/office/powerpoint/2010/main" xmlns:p15="http://schemas.microsoft.com/office/powerpoint/2012/main" xmlns:ahyp="http://schemas.microsoft.com/office/drawing/2018/hyperlinkcolor">
+  <p:cSld>
+    <p:spTree>
+      <p:nvGrpSpPr>
+        <p:cNvPr id="289" name="Shape 289"/>
+        <p:cNvGrpSpPr/>
+        <p:nvPr/>
+      </p:nvGrpSpPr>
+      <p:grpSpPr>
+        <a:xfrm>
+          <a:off x="0" y="0"/>
+          <a:ext cx="0" cy="0"/>
+          <a:chOff x="0" y="0"/>
+          <a:chExt cx="0" cy="0"/>
+        </a:xfrm>
+      </p:grpSpPr>
+      <p:sp>
+        <p:nvSpPr>
+          <p:cNvPr id="290" name="Google Shape;290;p47"/>
+          <p:cNvSpPr txBox="1"/>
+          <p:nvPr>
+            <p:ph type="title"/>
+          </p:nvPr>
+        </p:nvSpPr>
+        <p:spPr>
+          <a:xfrm>
+            <a:off x="311700" y="233775"/>
+            <a:ext cx="8520600" cy="572700"/>
+          </a:xfrm>
+          <a:prstGeom prst="rect">
+            <a:avLst/>
+          </a:prstGeom>
+          <a:noFill/>
+          <a:ln>
+            <a:noFill/>
+          </a:ln>
+        </p:spPr>
+        <p:txBody>
+          <a:bodyPr anchorCtr="0" anchor="t" bIns="91425" lIns="91425" spcFirstLastPara="1" rIns="91425" wrap="square" tIns="91425">
+            <a:noAutofit/>
+          </a:bodyPr>
+          <a:lstStyle/>
+          <a:p>
+            <a:pPr indent="0" lvl="0" marL="0" rtl="0" algn="l">
+              <a:lnSpc>
+                <a:spcPct val="100000"/>
+              </a:lnSpc>
+              <a:spcBef>
+                <a:spcPts val="0"/>
+              </a:spcBef>
+              <a:spcAft>
+                <a:spcPts val="0"/>
+              </a:spcAft>
+              <a:buSzPts val="2800"/>
+              <a:buNone/>
+            </a:pPr>
+            <a:r>
+              <a:rPr lang="en"/>
+              <a:t>Visualization and Statistics</a:t>
+            </a:r>
+            <a:endParaRPr b="1">
+              <a:solidFill>
+                <a:srgbClr val="3C78D8"/>
+              </a:solidFill>
+            </a:endParaRPr>
+          </a:p>
+        </p:txBody>
+      </p:sp>
+      <p:sp>
+        <p:nvSpPr>
+          <p:cNvPr id="291" name="Google Shape;291;p47"/>
+          <p:cNvSpPr txBox="1"/>
+          <p:nvPr>
+            <p:ph idx="12" type="sldNum"/>
+          </p:nvPr>
+        </p:nvSpPr>
+        <p:spPr>
+          <a:xfrm>
+            <a:off x="8472458" y="4663217"/>
+            <a:ext cx="548700" cy="393600"/>
+          </a:xfrm>
+          <a:prstGeom prst="rect">
+            <a:avLst/>
+          </a:prstGeom>
+        </p:spPr>
+        <p:txBody>
+          <a:bodyPr anchorCtr="0" anchor="ctr" bIns="91425" lIns="91425" spcFirstLastPara="1" rIns="91425" wrap="square" tIns="91425">
+            <a:noAutofit/>
+          </a:bodyPr>
+          <a:lstStyle/>
+          <a:p>
+            <a:pPr indent="0" lvl="0" marL="0" rtl="0" algn="r">
+              <a:spcBef>
+                <a:spcPts val="0"/>
+              </a:spcBef>
+              <a:spcAft>
+                <a:spcPts val="0"/>
+              </a:spcAft>
+              <a:buNone/>
+            </a:pPr>
+            <a:fld id="{00000000-1234-1234-1234-123412341234}" type="slidenum">
+              <a:rPr lang="en"/>
+              <a:t>‹#›</a:t>
+            </a:fld>
+            <a:endParaRPr/>
+          </a:p>
+        </p:txBody>
+      </p:sp>
+      <p:sp>
+        <p:nvSpPr>
+          <p:cNvPr id="292" name="Google Shape;292;p47"/>
+          <p:cNvSpPr txBox="1"/>
+          <p:nvPr>
+            <p:ph idx="1" type="body"/>
+          </p:nvPr>
+        </p:nvSpPr>
+        <p:spPr>
+          <a:xfrm>
+            <a:off x="311700" y="609000"/>
+            <a:ext cx="6676200" cy="3416400"/>
+          </a:xfrm>
+          <a:prstGeom prst="rect">
+            <a:avLst/>
+          </a:prstGeom>
+          <a:noFill/>
+          <a:ln>
+            <a:noFill/>
+          </a:ln>
+        </p:spPr>
+        <p:txBody>
+          <a:bodyPr anchorCtr="0" anchor="t" bIns="91425" lIns="91425" spcFirstLastPara="1" rIns="91425" wrap="square" tIns="91425">
+            <a:noAutofit/>
+          </a:bodyPr>
+          <a:lstStyle/>
+          <a:p>
+            <a:pPr indent="0" lvl="0" marL="0" rtl="0" algn="l">
+              <a:lnSpc>
+                <a:spcPct val="115000"/>
+              </a:lnSpc>
+              <a:spcBef>
+                <a:spcPts val="0"/>
+              </a:spcBef>
+              <a:spcAft>
+                <a:spcPts val="0"/>
+              </a:spcAft>
+              <a:buNone/>
+            </a:pPr>
+            <a:r>
+              <a:t/>
+            </a:r>
+            <a:endParaRPr/>
+          </a:p>
+          <a:p>
+            <a:pPr indent="-342900" lvl="0" marL="457200" rtl="0" algn="l">
+              <a:lnSpc>
+                <a:spcPct val="115000"/>
+              </a:lnSpc>
+              <a:spcBef>
+                <a:spcPts val="0"/>
+              </a:spcBef>
+              <a:spcAft>
+                <a:spcPts val="0"/>
+              </a:spcAft>
+              <a:buSzPts val="1800"/>
+              <a:buChar char="●"/>
+            </a:pPr>
+            <a:r>
+              <a:rPr lang="en"/>
+              <a:t>What does each do, and how do they compliment?</a:t>
+            </a:r>
+            <a:br>
+              <a:rPr lang="en"/>
+            </a:br>
+            <a:endParaRPr/>
+          </a:p>
+          <a:p>
+            <a:pPr indent="0" lvl="0" marL="457200" rtl="0" algn="l">
+              <a:lnSpc>
+                <a:spcPct val="115000"/>
+              </a:lnSpc>
+              <a:spcBef>
+                <a:spcPts val="0"/>
+              </a:spcBef>
+              <a:spcAft>
+                <a:spcPts val="0"/>
+              </a:spcAft>
+              <a:buNone/>
+            </a:pPr>
+            <a:br>
+              <a:rPr lang="en"/>
+            </a:br>
+            <a:br>
+              <a:rPr lang="en"/>
+            </a:br>
+            <a:endParaRPr/>
+          </a:p>
+          <a:p>
+            <a:pPr indent="0" lvl="0" marL="0" rtl="0" algn="l">
+              <a:lnSpc>
+                <a:spcPct val="115000"/>
+              </a:lnSpc>
+              <a:spcBef>
+                <a:spcPts val="0"/>
+              </a:spcBef>
+              <a:spcAft>
+                <a:spcPts val="0"/>
+              </a:spcAft>
+              <a:buNone/>
+            </a:pPr>
+            <a:br>
+              <a:rPr lang="en"/>
+            </a:br>
+            <a:endParaRPr/>
+          </a:p>
+        </p:txBody>
+      </p:sp>
+    </p:spTree>
+  </p:cSld>
+  <p:clrMapOvr>
+    <a:masterClrMapping/>
+  </p:clrMapOvr>
+</p:sld>
+</file>
+
+<file path=ppt/slides/slide24.xml><?xml version="1.0" encoding="utf-8"?>
+<p:sld xmlns:a="http://schemas.openxmlformats.org/drawingml/2006/main" xmlns:r="http://schemas.openxmlformats.org/officeDocument/2006/relationships" xmlns:mc="http://schemas.openxmlformats.org/markup-compatibility/2006" xmlns:mv="urn:schemas-microsoft-com:mac:vml" xmlns:p="http://schemas.openxmlformats.org/presentationml/2006/main" xmlns:c="http://schemas.openxmlformats.org/drawingml/2006/chart" xmlns:dgm="http://schemas.openxmlformats.org/drawingml/2006/diagram" xmlns:o="urn:schemas-microsoft-com:office:office" xmlns:v="urn:schemas-microsoft-com:vml" xmlns:pvml="urn:schemas-microsoft-com:office:powerpoint" xmlns:com="http://schemas.openxmlformats.org/drawingml/2006/compatibility" xmlns:p14="http://schemas.microsoft.com/office/powerpoint/2010/main" xmlns:p15="http://schemas.microsoft.com/office/powerpoint/2012/main" xmlns:ahyp="http://schemas.microsoft.com/office/drawing/2018/hyperlinkcolor">
+  <p:cSld>
+    <p:spTree>
+      <p:nvGrpSpPr>
+        <p:cNvPr id="296" name="Shape 296"/>
+        <p:cNvGrpSpPr/>
+        <p:nvPr/>
+      </p:nvGrpSpPr>
+      <p:grpSpPr>
+        <a:xfrm>
+          <a:off x="0" y="0"/>
+          <a:ext cx="0" cy="0"/>
+          <a:chOff x="0" y="0"/>
+          <a:chExt cx="0" cy="0"/>
+        </a:xfrm>
+      </p:grpSpPr>
+      <p:sp>
+        <p:nvSpPr>
+          <p:cNvPr id="297" name="Google Shape;297;p48"/>
+          <p:cNvSpPr txBox="1"/>
+          <p:nvPr>
+            <p:ph type="title"/>
+          </p:nvPr>
+        </p:nvSpPr>
+        <p:spPr>
+          <a:xfrm>
+            <a:off x="311700" y="233775"/>
+            <a:ext cx="8520600" cy="572700"/>
+          </a:xfrm>
+          <a:prstGeom prst="rect">
+            <a:avLst/>
+          </a:prstGeom>
+          <a:noFill/>
+          <a:ln>
+            <a:noFill/>
+          </a:ln>
+        </p:spPr>
+        <p:txBody>
+          <a:bodyPr anchorCtr="0" anchor="t" bIns="91425" lIns="91425" spcFirstLastPara="1" rIns="91425" wrap="square" tIns="91425">
+            <a:noAutofit/>
+          </a:bodyPr>
+          <a:lstStyle/>
+          <a:p>
+            <a:pPr indent="0" lvl="0" marL="0" rtl="0" algn="l">
+              <a:lnSpc>
+                <a:spcPct val="100000"/>
+              </a:lnSpc>
+              <a:spcBef>
+                <a:spcPts val="0"/>
+              </a:spcBef>
+              <a:spcAft>
+                <a:spcPts val="0"/>
+              </a:spcAft>
+              <a:buSzPts val="2800"/>
+              <a:buNone/>
+            </a:pPr>
+            <a:r>
+              <a:rPr lang="en"/>
+              <a:t>Heatmap Demo</a:t>
+            </a:r>
+            <a:endParaRPr b="1">
+              <a:solidFill>
+                <a:srgbClr val="3C78D8"/>
+              </a:solidFill>
+            </a:endParaRPr>
+          </a:p>
+        </p:txBody>
+      </p:sp>
+      <p:sp>
+        <p:nvSpPr>
+          <p:cNvPr id="298" name="Google Shape;298;p48"/>
+          <p:cNvSpPr txBox="1"/>
+          <p:nvPr>
+            <p:ph idx="12" type="sldNum"/>
+          </p:nvPr>
+        </p:nvSpPr>
+        <p:spPr>
+          <a:xfrm>
+            <a:off x="8472458" y="4663217"/>
+            <a:ext cx="548700" cy="393600"/>
+          </a:xfrm>
+          <a:prstGeom prst="rect">
+            <a:avLst/>
+          </a:prstGeom>
+        </p:spPr>
+        <p:txBody>
+          <a:bodyPr anchorCtr="0" anchor="ctr" bIns="91425" lIns="91425" spcFirstLastPara="1" rIns="91425" wrap="square" tIns="91425">
+            <a:noAutofit/>
+          </a:bodyPr>
+          <a:lstStyle/>
+          <a:p>
+            <a:pPr indent="0" lvl="0" marL="0" rtl="0" algn="r">
+              <a:spcBef>
+                <a:spcPts val="0"/>
+              </a:spcBef>
+              <a:spcAft>
+                <a:spcPts val="0"/>
+              </a:spcAft>
+              <a:buNone/>
+            </a:pPr>
+            <a:fld id="{00000000-1234-1234-1234-123412341234}" type="slidenum">
+              <a:rPr lang="en"/>
+              <a:t>‹#›</a:t>
+            </a:fld>
+            <a:endParaRPr/>
+          </a:p>
+        </p:txBody>
+      </p:sp>
+      <p:sp>
+        <p:nvSpPr>
+          <p:cNvPr id="299" name="Google Shape;299;p48"/>
+          <p:cNvSpPr txBox="1"/>
+          <p:nvPr/>
+        </p:nvSpPr>
+        <p:spPr>
+          <a:xfrm>
+            <a:off x="158825" y="4560650"/>
+            <a:ext cx="4914300" cy="3000000"/>
+          </a:xfrm>
+          <a:prstGeom prst="rect">
+            <a:avLst/>
+          </a:prstGeom>
+          <a:noFill/>
+          <a:ln>
+            <a:noFill/>
+          </a:ln>
+        </p:spPr>
+        <p:txBody>
+          <a:bodyPr anchorCtr="0" anchor="t" bIns="91425" lIns="91425" spcFirstLastPara="1" rIns="91425" wrap="square" tIns="91425">
+            <a:noAutofit/>
+          </a:bodyPr>
+          <a:lstStyle/>
+          <a:p>
+            <a:pPr indent="0" lvl="0" marL="0" rtl="0" algn="l">
+              <a:spcBef>
+                <a:spcPts val="0"/>
+              </a:spcBef>
+              <a:spcAft>
+                <a:spcPts val="0"/>
+              </a:spcAft>
+              <a:buNone/>
+            </a:pPr>
+            <a:r>
+              <a:rPr lang="en" u="sng">
+                <a:solidFill>
+                  <a:schemeClr val="hlink"/>
+                </a:solidFill>
+                <a:hlinkClick r:id="rId3"/>
+              </a:rPr>
+              <a:t>https://www.r-graph-gallery.com/heatmap</a:t>
+            </a:r>
+            <a:r>
+              <a:rPr lang="en"/>
+              <a:t> </a:t>
+            </a:r>
+            <a:endParaRPr/>
+          </a:p>
+        </p:txBody>
+      </p:sp>
+    </p:spTree>
+  </p:cSld>
+  <p:clrMapOvr>
+    <a:masterClrMapping/>
+  </p:clrMapOvr>
+</p:sld>
+</file>
+
+<file path=ppt/slides/slide25.xml><?xml version="1.0" encoding="utf-8"?>
+<p:sld xmlns:a="http://schemas.openxmlformats.org/drawingml/2006/main" xmlns:r="http://schemas.openxmlformats.org/officeDocument/2006/relationships" xmlns:mc="http://schemas.openxmlformats.org/markup-compatibility/2006" xmlns:mv="urn:schemas-microsoft-com:mac:vml" xmlns:p="http://schemas.openxmlformats.org/presentationml/2006/main" xmlns:c="http://schemas.openxmlformats.org/drawingml/2006/chart" xmlns:dgm="http://schemas.openxmlformats.org/drawingml/2006/diagram" xmlns:o="urn:schemas-microsoft-com:office:office" xmlns:v="urn:schemas-microsoft-com:vml" xmlns:pvml="urn:schemas-microsoft-com:office:powerpoint" xmlns:com="http://schemas.openxmlformats.org/drawingml/2006/compatibility" xmlns:p14="http://schemas.microsoft.com/office/powerpoint/2010/main" xmlns:p15="http://schemas.microsoft.com/office/powerpoint/2012/main" xmlns:ahyp="http://schemas.microsoft.com/office/drawing/2018/hyperlinkcolor">
+  <p:cSld>
+    <p:spTree>
+      <p:nvGrpSpPr>
+        <p:cNvPr id="303" name="Shape 303"/>
+        <p:cNvGrpSpPr/>
+        <p:nvPr/>
+      </p:nvGrpSpPr>
+      <p:grpSpPr>
+        <a:xfrm>
+          <a:off x="0" y="0"/>
+          <a:ext cx="0" cy="0"/>
+          <a:chOff x="0" y="0"/>
+          <a:chExt cx="0" cy="0"/>
+        </a:xfrm>
+      </p:grpSpPr>
+      <p:sp>
+        <p:nvSpPr>
+          <p:cNvPr id="304" name="Google Shape;304;p49"/>
           <p:cNvSpPr/>
           <p:nvPr/>
         </p:nvSpPr>
@@ -19530,1401 +20836,7 @@
       </p:sp>
       <p:sp>
         <p:nvSpPr>
-          <p:cNvPr id="271" name="Google Shape;271;p44"/>
-          <p:cNvSpPr txBox="1"/>
-          <p:nvPr>
-            <p:ph type="title"/>
-          </p:nvPr>
-        </p:nvSpPr>
-        <p:spPr>
-          <a:xfrm>
-            <a:off x="372850" y="436600"/>
-            <a:ext cx="8520600" cy="3493500"/>
-          </a:xfrm>
-          <a:prstGeom prst="rect">
-            <a:avLst/>
-          </a:prstGeom>
-          <a:noFill/>
-          <a:ln>
-            <a:noFill/>
-          </a:ln>
-        </p:spPr>
-        <p:txBody>
-          <a:bodyPr anchorCtr="0" anchor="t" bIns="91425" lIns="91425" spcFirstLastPara="1" rIns="91425" wrap="square" tIns="91425">
-            <a:noAutofit/>
-          </a:bodyPr>
-          <a:lstStyle/>
-          <a:p>
-            <a:pPr indent="0" lvl="0" marL="0" rtl="0" algn="l">
-              <a:lnSpc>
-                <a:spcPct val="100000"/>
-              </a:lnSpc>
-              <a:spcBef>
-                <a:spcPts val="0"/>
-              </a:spcBef>
-              <a:spcAft>
-                <a:spcPts val="0"/>
-              </a:spcAft>
-              <a:buSzPts val="2800"/>
-              <a:buNone/>
-            </a:pPr>
-            <a:r>
-              <a:rPr b="1" lang="en">
-                <a:solidFill>
-                  <a:srgbClr val="434343"/>
-                </a:solidFill>
-              </a:rPr>
-              <a:t>B5.</a:t>
-            </a:r>
-            <a:r>
-              <a:rPr b="1" lang="en">
-                <a:solidFill>
-                  <a:srgbClr val="434343"/>
-                </a:solidFill>
-              </a:rPr>
-              <a:t>ba</a:t>
-            </a:r>
-            <a:r>
-              <a:rPr lang="en">
-                <a:solidFill>
-                  <a:srgbClr val="434343"/>
-                </a:solidFill>
-              </a:rPr>
-              <a:t>: </a:t>
-            </a:r>
-            <a:r>
-              <a:rPr b="1" lang="en">
-                <a:solidFill>
-                  <a:srgbClr val="434343"/>
-                </a:solidFill>
-              </a:rPr>
-              <a:t>Think-Pair-Share</a:t>
-            </a:r>
-            <a:endParaRPr>
-              <a:solidFill>
-                <a:srgbClr val="434343"/>
-              </a:solidFill>
-            </a:endParaRPr>
-          </a:p>
-          <a:p>
-            <a:pPr indent="0" lvl="0" marL="0" rtl="0" algn="l">
-              <a:lnSpc>
-                <a:spcPct val="100000"/>
-              </a:lnSpc>
-              <a:spcBef>
-                <a:spcPts val="0"/>
-              </a:spcBef>
-              <a:spcAft>
-                <a:spcPts val="0"/>
-              </a:spcAft>
-              <a:buSzPts val="2800"/>
-              <a:buNone/>
-            </a:pPr>
-            <a:br>
-              <a:rPr lang="en" sz="2200">
-                <a:solidFill>
-                  <a:schemeClr val="dk2"/>
-                </a:solidFill>
-              </a:rPr>
-            </a:br>
-            <a:br>
-              <a:rPr lang="en" sz="2200">
-                <a:solidFill>
-                  <a:schemeClr val="dk2"/>
-                </a:solidFill>
-              </a:rPr>
-            </a:br>
-            <a:endParaRPr sz="2200">
-              <a:solidFill>
-                <a:schemeClr val="dk2"/>
-              </a:solidFill>
-            </a:endParaRPr>
-          </a:p>
-          <a:p>
-            <a:pPr indent="0" lvl="0" marL="0" rtl="0" algn="l">
-              <a:lnSpc>
-                <a:spcPct val="100000"/>
-              </a:lnSpc>
-              <a:spcBef>
-                <a:spcPts val="0"/>
-              </a:spcBef>
-              <a:spcAft>
-                <a:spcPts val="0"/>
-              </a:spcAft>
-              <a:buSzPts val="2800"/>
-              <a:buNone/>
-            </a:pPr>
-            <a:r>
-              <a:t/>
-            </a:r>
-            <a:endParaRPr sz="2200">
-              <a:solidFill>
-                <a:schemeClr val="dk2"/>
-              </a:solidFill>
-            </a:endParaRPr>
-          </a:p>
-        </p:txBody>
-      </p:sp>
-      <p:sp>
-        <p:nvSpPr>
-          <p:cNvPr id="272" name="Google Shape;272;p44"/>
-          <p:cNvSpPr txBox="1"/>
-          <p:nvPr>
-            <p:ph idx="12" type="sldNum"/>
-          </p:nvPr>
-        </p:nvSpPr>
-        <p:spPr>
-          <a:xfrm>
-            <a:off x="8472458" y="4663217"/>
-            <a:ext cx="548700" cy="393600"/>
-          </a:xfrm>
-          <a:prstGeom prst="rect">
-            <a:avLst/>
-          </a:prstGeom>
-        </p:spPr>
-        <p:txBody>
-          <a:bodyPr anchorCtr="0" anchor="ctr" bIns="91425" lIns="91425" spcFirstLastPara="1" rIns="91425" wrap="square" tIns="91425">
-            <a:noAutofit/>
-          </a:bodyPr>
-          <a:lstStyle/>
-          <a:p>
-            <a:pPr indent="0" lvl="0" marL="0" rtl="0" algn="r">
-              <a:spcBef>
-                <a:spcPts val="0"/>
-              </a:spcBef>
-              <a:spcAft>
-                <a:spcPts val="0"/>
-              </a:spcAft>
-              <a:buNone/>
-            </a:pPr>
-            <a:fld id="{00000000-1234-1234-1234-123412341234}" type="slidenum">
-              <a:rPr lang="en"/>
-              <a:t>‹#›</a:t>
-            </a:fld>
-            <a:endParaRPr/>
-          </a:p>
-        </p:txBody>
-      </p:sp>
-      <p:pic>
-        <p:nvPicPr>
-          <p:cNvPr id="273" name="Google Shape;273;p44"/>
-          <p:cNvPicPr preferRelativeResize="0"/>
-          <p:nvPr/>
-        </p:nvPicPr>
-        <p:blipFill rotWithShape="1">
-          <a:blip r:embed="rId3">
-            <a:alphaModFix/>
-          </a:blip>
-          <a:srcRect b="7952" l="0" r="0" t="0"/>
-          <a:stretch/>
-        </p:blipFill>
-        <p:spPr>
-          <a:xfrm>
-            <a:off x="5787700" y="514950"/>
-            <a:ext cx="2882350" cy="860375"/>
-          </a:xfrm>
-          <a:prstGeom prst="rect">
-            <a:avLst/>
-          </a:prstGeom>
-          <a:noFill/>
-          <a:ln>
-            <a:noFill/>
-          </a:ln>
-        </p:spPr>
-      </p:pic>
-    </p:spTree>
-  </p:cSld>
-  <p:clrMapOvr>
-    <a:masterClrMapping/>
-  </p:clrMapOvr>
-</p:sld>
-</file>
-
-<file path=ppt/slides/slide21.xml><?xml version="1.0" encoding="utf-8"?>
-<p:sld xmlns:a="http://schemas.openxmlformats.org/drawingml/2006/main" xmlns:r="http://schemas.openxmlformats.org/officeDocument/2006/relationships" xmlns:mc="http://schemas.openxmlformats.org/markup-compatibility/2006" xmlns:mv="urn:schemas-microsoft-com:mac:vml" xmlns:p="http://schemas.openxmlformats.org/presentationml/2006/main" xmlns:c="http://schemas.openxmlformats.org/drawingml/2006/chart" xmlns:dgm="http://schemas.openxmlformats.org/drawingml/2006/diagram" xmlns:o="urn:schemas-microsoft-com:office:office" xmlns:v="urn:schemas-microsoft-com:vml" xmlns:pvml="urn:schemas-microsoft-com:office:powerpoint" xmlns:com="http://schemas.openxmlformats.org/drawingml/2006/compatibility" xmlns:p14="http://schemas.microsoft.com/office/powerpoint/2010/main" xmlns:p15="http://schemas.microsoft.com/office/powerpoint/2012/main" xmlns:ahyp="http://schemas.microsoft.com/office/drawing/2018/hyperlinkcolor">
-  <p:cSld>
-    <p:spTree>
-      <p:nvGrpSpPr>
-        <p:cNvPr id="277" name="Shape 277"/>
-        <p:cNvGrpSpPr/>
-        <p:nvPr/>
-      </p:nvGrpSpPr>
-      <p:grpSpPr>
-        <a:xfrm>
-          <a:off x="0" y="0"/>
-          <a:ext cx="0" cy="0"/>
-          <a:chOff x="0" y="0"/>
-          <a:chExt cx="0" cy="0"/>
-        </a:xfrm>
-      </p:grpSpPr>
-      <p:sp>
-        <p:nvSpPr>
-          <p:cNvPr id="278" name="Google Shape;278;p45"/>
-          <p:cNvSpPr txBox="1"/>
-          <p:nvPr>
-            <p:ph type="ctrTitle"/>
-          </p:nvPr>
-        </p:nvSpPr>
-        <p:spPr>
-          <a:xfrm>
-            <a:off x="311708" y="744575"/>
-            <a:ext cx="8520600" cy="2052600"/>
-          </a:xfrm>
-          <a:prstGeom prst="rect">
-            <a:avLst/>
-          </a:prstGeom>
-          <a:noFill/>
-          <a:ln>
-            <a:noFill/>
-          </a:ln>
-        </p:spPr>
-        <p:txBody>
-          <a:bodyPr anchorCtr="0" anchor="b" bIns="91425" lIns="91425" spcFirstLastPara="1" rIns="91425" wrap="square" tIns="91425">
-            <a:noAutofit/>
-          </a:bodyPr>
-          <a:lstStyle/>
-          <a:p>
-            <a:pPr indent="0" lvl="0" marL="0" rtl="0" algn="ctr">
-              <a:lnSpc>
-                <a:spcPct val="100000"/>
-              </a:lnSpc>
-              <a:spcBef>
-                <a:spcPts val="0"/>
-              </a:spcBef>
-              <a:spcAft>
-                <a:spcPts val="0"/>
-              </a:spcAft>
-              <a:buSzPts val="5200"/>
-              <a:buNone/>
-            </a:pPr>
-            <a:r>
-              <a:rPr b="1" lang="en"/>
-              <a:t>B5.bb</a:t>
-            </a:r>
-            <a:r>
-              <a:rPr lang="en"/>
-              <a:t> </a:t>
-            </a:r>
-            <a:endParaRPr/>
-          </a:p>
-          <a:p>
-            <a:pPr indent="0" lvl="0" marL="0" rtl="0" algn="ctr">
-              <a:lnSpc>
-                <a:spcPct val="100000"/>
-              </a:lnSpc>
-              <a:spcBef>
-                <a:spcPts val="0"/>
-              </a:spcBef>
-              <a:spcAft>
-                <a:spcPts val="0"/>
-              </a:spcAft>
-              <a:buSzPts val="5200"/>
-              <a:buNone/>
-            </a:pPr>
-            <a:r>
-              <a:rPr lang="en"/>
-              <a:t>Tying it Together</a:t>
-            </a:r>
-            <a:endParaRPr/>
-          </a:p>
-        </p:txBody>
-      </p:sp>
-      <p:sp>
-        <p:nvSpPr>
-          <p:cNvPr id="279" name="Google Shape;279;p45"/>
-          <p:cNvSpPr txBox="1"/>
-          <p:nvPr/>
-        </p:nvSpPr>
-        <p:spPr>
-          <a:xfrm>
-            <a:off x="311700" y="3826425"/>
-            <a:ext cx="8520600" cy="792600"/>
-          </a:xfrm>
-          <a:prstGeom prst="rect">
-            <a:avLst/>
-          </a:prstGeom>
-          <a:noFill/>
-          <a:ln>
-            <a:noFill/>
-          </a:ln>
-        </p:spPr>
-        <p:txBody>
-          <a:bodyPr anchorCtr="0" anchor="t" bIns="91425" lIns="91425" spcFirstLastPara="1" rIns="91425" wrap="square" tIns="91425">
-            <a:noAutofit/>
-          </a:bodyPr>
-          <a:lstStyle/>
-          <a:p>
-            <a:pPr indent="0" lvl="0" marL="0" marR="0" rtl="0" algn="ctr">
-              <a:lnSpc>
-                <a:spcPct val="100000"/>
-              </a:lnSpc>
-              <a:spcBef>
-                <a:spcPts val="0"/>
-              </a:spcBef>
-              <a:spcAft>
-                <a:spcPts val="0"/>
-              </a:spcAft>
-              <a:buClr>
-                <a:srgbClr val="000000"/>
-              </a:buClr>
-              <a:buSzPts val="2400"/>
-              <a:buFont typeface="Arial"/>
-              <a:buNone/>
-            </a:pPr>
-            <a:r>
-              <a:rPr b="0" i="0" lang="en" sz="2400" u="none" cap="none" strike="noStrike">
-                <a:solidFill>
-                  <a:srgbClr val="595959"/>
-                </a:solidFill>
-                <a:latin typeface="Arial"/>
-                <a:ea typeface="Arial"/>
-                <a:cs typeface="Arial"/>
-                <a:sym typeface="Arial"/>
-              </a:rPr>
-              <a:t>Sabah Ul-Hasan</a:t>
-            </a:r>
-            <a:endParaRPr b="0" i="0" sz="2400" u="none" cap="none" strike="noStrike">
-              <a:solidFill>
-                <a:srgbClr val="595959"/>
-              </a:solidFill>
-              <a:latin typeface="Arial"/>
-              <a:ea typeface="Arial"/>
-              <a:cs typeface="Arial"/>
-              <a:sym typeface="Arial"/>
-            </a:endParaRPr>
-          </a:p>
-        </p:txBody>
-      </p:sp>
-      <p:sp>
-        <p:nvSpPr>
-          <p:cNvPr id="280" name="Google Shape;280;p45"/>
-          <p:cNvSpPr txBox="1"/>
-          <p:nvPr>
-            <p:ph idx="12" type="sldNum"/>
-          </p:nvPr>
-        </p:nvSpPr>
-        <p:spPr>
-          <a:xfrm>
-            <a:off x="8472458" y="4663217"/>
-            <a:ext cx="548700" cy="393600"/>
-          </a:xfrm>
-          <a:prstGeom prst="rect">
-            <a:avLst/>
-          </a:prstGeom>
-        </p:spPr>
-        <p:txBody>
-          <a:bodyPr anchorCtr="0" anchor="ctr" bIns="91425" lIns="91425" spcFirstLastPara="1" rIns="91425" wrap="square" tIns="91425">
-            <a:noAutofit/>
-          </a:bodyPr>
-          <a:lstStyle/>
-          <a:p>
-            <a:pPr indent="0" lvl="0" marL="0" rtl="0" algn="r">
-              <a:spcBef>
-                <a:spcPts val="0"/>
-              </a:spcBef>
-              <a:spcAft>
-                <a:spcPts val="0"/>
-              </a:spcAft>
-              <a:buNone/>
-            </a:pPr>
-            <a:fld id="{00000000-1234-1234-1234-123412341234}" type="slidenum">
-              <a:rPr lang="en"/>
-              <a:t>‹#›</a:t>
-            </a:fld>
-            <a:endParaRPr/>
-          </a:p>
-        </p:txBody>
-      </p:sp>
-    </p:spTree>
-  </p:cSld>
-  <p:clrMapOvr>
-    <a:masterClrMapping/>
-  </p:clrMapOvr>
-</p:sld>
-</file>
-
-<file path=ppt/slides/slide22.xml><?xml version="1.0" encoding="utf-8"?>
-<p:sld xmlns:a="http://schemas.openxmlformats.org/drawingml/2006/main" xmlns:r="http://schemas.openxmlformats.org/officeDocument/2006/relationships" xmlns:mc="http://schemas.openxmlformats.org/markup-compatibility/2006" xmlns:mv="urn:schemas-microsoft-com:mac:vml" xmlns:p="http://schemas.openxmlformats.org/presentationml/2006/main" xmlns:c="http://schemas.openxmlformats.org/drawingml/2006/chart" xmlns:dgm="http://schemas.openxmlformats.org/drawingml/2006/diagram" xmlns:o="urn:schemas-microsoft-com:office:office" xmlns:v="urn:schemas-microsoft-com:vml" xmlns:pvml="urn:schemas-microsoft-com:office:powerpoint" xmlns:com="http://schemas.openxmlformats.org/drawingml/2006/compatibility" xmlns:p14="http://schemas.microsoft.com/office/powerpoint/2010/main" xmlns:p15="http://schemas.microsoft.com/office/powerpoint/2012/main" xmlns:ahyp="http://schemas.microsoft.com/office/drawing/2018/hyperlinkcolor">
-  <p:cSld>
-    <p:spTree>
-      <p:nvGrpSpPr>
-        <p:cNvPr id="284" name="Shape 284"/>
-        <p:cNvGrpSpPr/>
-        <p:nvPr/>
-      </p:nvGrpSpPr>
-      <p:grpSpPr>
-        <a:xfrm>
-          <a:off x="0" y="0"/>
-          <a:ext cx="0" cy="0"/>
-          <a:chOff x="0" y="0"/>
-          <a:chExt cx="0" cy="0"/>
-        </a:xfrm>
-      </p:grpSpPr>
-      <p:sp>
-        <p:nvSpPr>
-          <p:cNvPr id="285" name="Google Shape;285;p46"/>
-          <p:cNvSpPr txBox="1"/>
-          <p:nvPr>
-            <p:ph type="title"/>
-          </p:nvPr>
-        </p:nvSpPr>
-        <p:spPr>
-          <a:xfrm>
-            <a:off x="311700" y="233775"/>
-            <a:ext cx="8520600" cy="572700"/>
-          </a:xfrm>
-          <a:prstGeom prst="rect">
-            <a:avLst/>
-          </a:prstGeom>
-          <a:noFill/>
-          <a:ln>
-            <a:noFill/>
-          </a:ln>
-        </p:spPr>
-        <p:txBody>
-          <a:bodyPr anchorCtr="0" anchor="t" bIns="91425" lIns="91425" spcFirstLastPara="1" rIns="91425" wrap="square" tIns="91425">
-            <a:noAutofit/>
-          </a:bodyPr>
-          <a:lstStyle/>
-          <a:p>
-            <a:pPr indent="0" lvl="0" marL="0" rtl="0" algn="l">
-              <a:lnSpc>
-                <a:spcPct val="100000"/>
-              </a:lnSpc>
-              <a:spcBef>
-                <a:spcPts val="0"/>
-              </a:spcBef>
-              <a:spcAft>
-                <a:spcPts val="0"/>
-              </a:spcAft>
-              <a:buSzPts val="2800"/>
-              <a:buNone/>
-            </a:pPr>
-            <a:r>
-              <a:rPr lang="en"/>
-              <a:t>The Programming</a:t>
-            </a:r>
-            <a:endParaRPr b="1">
-              <a:solidFill>
-                <a:srgbClr val="3C78D8"/>
-              </a:solidFill>
-            </a:endParaRPr>
-          </a:p>
-        </p:txBody>
-      </p:sp>
-      <p:sp>
-        <p:nvSpPr>
-          <p:cNvPr id="286" name="Google Shape;286;p46"/>
-          <p:cNvSpPr txBox="1"/>
-          <p:nvPr>
-            <p:ph idx="12" type="sldNum"/>
-          </p:nvPr>
-        </p:nvSpPr>
-        <p:spPr>
-          <a:xfrm>
-            <a:off x="8472458" y="4663217"/>
-            <a:ext cx="548700" cy="393600"/>
-          </a:xfrm>
-          <a:prstGeom prst="rect">
-            <a:avLst/>
-          </a:prstGeom>
-        </p:spPr>
-        <p:txBody>
-          <a:bodyPr anchorCtr="0" anchor="ctr" bIns="91425" lIns="91425" spcFirstLastPara="1" rIns="91425" wrap="square" tIns="91425">
-            <a:noAutofit/>
-          </a:bodyPr>
-          <a:lstStyle/>
-          <a:p>
-            <a:pPr indent="0" lvl="0" marL="0" rtl="0" algn="r">
-              <a:spcBef>
-                <a:spcPts val="0"/>
-              </a:spcBef>
-              <a:spcAft>
-                <a:spcPts val="0"/>
-              </a:spcAft>
-              <a:buNone/>
-            </a:pPr>
-            <a:fld id="{00000000-1234-1234-1234-123412341234}" type="slidenum">
-              <a:rPr lang="en"/>
-              <a:t>‹#›</a:t>
-            </a:fld>
-            <a:endParaRPr/>
-          </a:p>
-        </p:txBody>
-      </p:sp>
-      <p:sp>
-        <p:nvSpPr>
-          <p:cNvPr id="287" name="Google Shape;287;p46"/>
-          <p:cNvSpPr txBox="1"/>
-          <p:nvPr>
-            <p:ph idx="1" type="body"/>
-          </p:nvPr>
-        </p:nvSpPr>
-        <p:spPr>
-          <a:xfrm>
-            <a:off x="311700" y="609000"/>
-            <a:ext cx="6676200" cy="3416400"/>
-          </a:xfrm>
-          <a:prstGeom prst="rect">
-            <a:avLst/>
-          </a:prstGeom>
-          <a:noFill/>
-          <a:ln>
-            <a:noFill/>
-          </a:ln>
-        </p:spPr>
-        <p:txBody>
-          <a:bodyPr anchorCtr="0" anchor="t" bIns="91425" lIns="91425" spcFirstLastPara="1" rIns="91425" wrap="square" tIns="91425">
-            <a:noAutofit/>
-          </a:bodyPr>
-          <a:lstStyle/>
-          <a:p>
-            <a:pPr indent="0" lvl="0" marL="0" rtl="0" algn="l">
-              <a:lnSpc>
-                <a:spcPct val="115000"/>
-              </a:lnSpc>
-              <a:spcBef>
-                <a:spcPts val="0"/>
-              </a:spcBef>
-              <a:spcAft>
-                <a:spcPts val="0"/>
-              </a:spcAft>
-              <a:buNone/>
-            </a:pPr>
-            <a:r>
-              <a:t/>
-            </a:r>
-            <a:endParaRPr/>
-          </a:p>
-          <a:p>
-            <a:pPr indent="-342900" lvl="0" marL="457200" rtl="0" algn="l">
-              <a:lnSpc>
-                <a:spcPct val="115000"/>
-              </a:lnSpc>
-              <a:spcBef>
-                <a:spcPts val="0"/>
-              </a:spcBef>
-              <a:spcAft>
-                <a:spcPts val="0"/>
-              </a:spcAft>
-              <a:buSzPts val="1800"/>
-              <a:buChar char="●"/>
-            </a:pPr>
-            <a:r>
-              <a:rPr lang="en"/>
-              <a:t>Bash</a:t>
-            </a:r>
-            <a:endParaRPr/>
-          </a:p>
-          <a:p>
-            <a:pPr indent="-342900" lvl="0" marL="457200" rtl="0" algn="l">
-              <a:lnSpc>
-                <a:spcPct val="115000"/>
-              </a:lnSpc>
-              <a:spcBef>
-                <a:spcPts val="0"/>
-              </a:spcBef>
-              <a:spcAft>
-                <a:spcPts val="0"/>
-              </a:spcAft>
-              <a:buSzPts val="1800"/>
-              <a:buChar char="●"/>
-            </a:pPr>
-            <a:r>
-              <a:rPr lang="en"/>
-              <a:t>R</a:t>
-            </a:r>
-            <a:br>
-              <a:rPr lang="en"/>
-            </a:br>
-            <a:endParaRPr/>
-          </a:p>
-          <a:p>
-            <a:pPr indent="0" lvl="0" marL="457200" rtl="0" algn="l">
-              <a:lnSpc>
-                <a:spcPct val="115000"/>
-              </a:lnSpc>
-              <a:spcBef>
-                <a:spcPts val="0"/>
-              </a:spcBef>
-              <a:spcAft>
-                <a:spcPts val="0"/>
-              </a:spcAft>
-              <a:buNone/>
-            </a:pPr>
-            <a:br>
-              <a:rPr lang="en"/>
-            </a:br>
-            <a:br>
-              <a:rPr lang="en"/>
-            </a:br>
-            <a:endParaRPr/>
-          </a:p>
-          <a:p>
-            <a:pPr indent="0" lvl="0" marL="0" rtl="0" algn="l">
-              <a:lnSpc>
-                <a:spcPct val="115000"/>
-              </a:lnSpc>
-              <a:spcBef>
-                <a:spcPts val="0"/>
-              </a:spcBef>
-              <a:spcAft>
-                <a:spcPts val="0"/>
-              </a:spcAft>
-              <a:buNone/>
-            </a:pPr>
-            <a:br>
-              <a:rPr lang="en"/>
-            </a:br>
-            <a:endParaRPr/>
-          </a:p>
-        </p:txBody>
-      </p:sp>
-    </p:spTree>
-  </p:cSld>
-  <p:clrMapOvr>
-    <a:masterClrMapping/>
-  </p:clrMapOvr>
-</p:sld>
-</file>
-
-<file path=ppt/slides/slide23.xml><?xml version="1.0" encoding="utf-8"?>
-<p:sld xmlns:a="http://schemas.openxmlformats.org/drawingml/2006/main" xmlns:r="http://schemas.openxmlformats.org/officeDocument/2006/relationships" xmlns:mc="http://schemas.openxmlformats.org/markup-compatibility/2006" xmlns:mv="urn:schemas-microsoft-com:mac:vml" xmlns:p="http://schemas.openxmlformats.org/presentationml/2006/main" xmlns:c="http://schemas.openxmlformats.org/drawingml/2006/chart" xmlns:dgm="http://schemas.openxmlformats.org/drawingml/2006/diagram" xmlns:o="urn:schemas-microsoft-com:office:office" xmlns:v="urn:schemas-microsoft-com:vml" xmlns:pvml="urn:schemas-microsoft-com:office:powerpoint" xmlns:com="http://schemas.openxmlformats.org/drawingml/2006/compatibility" xmlns:p14="http://schemas.microsoft.com/office/powerpoint/2010/main" xmlns:p15="http://schemas.microsoft.com/office/powerpoint/2012/main" xmlns:ahyp="http://schemas.microsoft.com/office/drawing/2018/hyperlinkcolor">
-  <p:cSld>
-    <p:spTree>
-      <p:nvGrpSpPr>
-        <p:cNvPr id="291" name="Shape 291"/>
-        <p:cNvGrpSpPr/>
-        <p:nvPr/>
-      </p:nvGrpSpPr>
-      <p:grpSpPr>
-        <a:xfrm>
-          <a:off x="0" y="0"/>
-          <a:ext cx="0" cy="0"/>
-          <a:chOff x="0" y="0"/>
-          <a:chExt cx="0" cy="0"/>
-        </a:xfrm>
-      </p:grpSpPr>
-      <p:sp>
-        <p:nvSpPr>
-          <p:cNvPr id="292" name="Google Shape;292;p47"/>
-          <p:cNvSpPr txBox="1"/>
-          <p:nvPr>
-            <p:ph type="title"/>
-          </p:nvPr>
-        </p:nvSpPr>
-        <p:spPr>
-          <a:xfrm>
-            <a:off x="311700" y="233775"/>
-            <a:ext cx="8520600" cy="572700"/>
-          </a:xfrm>
-          <a:prstGeom prst="rect">
-            <a:avLst/>
-          </a:prstGeom>
-          <a:noFill/>
-          <a:ln>
-            <a:noFill/>
-          </a:ln>
-        </p:spPr>
-        <p:txBody>
-          <a:bodyPr anchorCtr="0" anchor="t" bIns="91425" lIns="91425" spcFirstLastPara="1" rIns="91425" wrap="square" tIns="91425">
-            <a:noAutofit/>
-          </a:bodyPr>
-          <a:lstStyle/>
-          <a:p>
-            <a:pPr indent="0" lvl="0" marL="0" rtl="0" algn="l">
-              <a:lnSpc>
-                <a:spcPct val="100000"/>
-              </a:lnSpc>
-              <a:spcBef>
-                <a:spcPts val="0"/>
-              </a:spcBef>
-              <a:spcAft>
-                <a:spcPts val="0"/>
-              </a:spcAft>
-              <a:buSzPts val="2800"/>
-              <a:buNone/>
-            </a:pPr>
-            <a:r>
-              <a:rPr lang="en"/>
-              <a:t>The Biology</a:t>
-            </a:r>
-            <a:endParaRPr b="1">
-              <a:solidFill>
-                <a:srgbClr val="3C78D8"/>
-              </a:solidFill>
-            </a:endParaRPr>
-          </a:p>
-        </p:txBody>
-      </p:sp>
-      <p:sp>
-        <p:nvSpPr>
-          <p:cNvPr id="293" name="Google Shape;293;p47"/>
-          <p:cNvSpPr txBox="1"/>
-          <p:nvPr>
-            <p:ph idx="12" type="sldNum"/>
-          </p:nvPr>
-        </p:nvSpPr>
-        <p:spPr>
-          <a:xfrm>
-            <a:off x="8472458" y="4663217"/>
-            <a:ext cx="548700" cy="393600"/>
-          </a:xfrm>
-          <a:prstGeom prst="rect">
-            <a:avLst/>
-          </a:prstGeom>
-        </p:spPr>
-        <p:txBody>
-          <a:bodyPr anchorCtr="0" anchor="ctr" bIns="91425" lIns="91425" spcFirstLastPara="1" rIns="91425" wrap="square" tIns="91425">
-            <a:noAutofit/>
-          </a:bodyPr>
-          <a:lstStyle/>
-          <a:p>
-            <a:pPr indent="0" lvl="0" marL="0" rtl="0" algn="r">
-              <a:spcBef>
-                <a:spcPts val="0"/>
-              </a:spcBef>
-              <a:spcAft>
-                <a:spcPts val="0"/>
-              </a:spcAft>
-              <a:buNone/>
-            </a:pPr>
-            <a:fld id="{00000000-1234-1234-1234-123412341234}" type="slidenum">
-              <a:rPr lang="en"/>
-              <a:t>‹#›</a:t>
-            </a:fld>
-            <a:endParaRPr/>
-          </a:p>
-        </p:txBody>
-      </p:sp>
-      <p:sp>
-        <p:nvSpPr>
-          <p:cNvPr id="294" name="Google Shape;294;p47"/>
-          <p:cNvSpPr txBox="1"/>
-          <p:nvPr>
-            <p:ph idx="1" type="body"/>
-          </p:nvPr>
-        </p:nvSpPr>
-        <p:spPr>
-          <a:xfrm>
-            <a:off x="311700" y="609000"/>
-            <a:ext cx="6676200" cy="3416400"/>
-          </a:xfrm>
-          <a:prstGeom prst="rect">
-            <a:avLst/>
-          </a:prstGeom>
-          <a:noFill/>
-          <a:ln>
-            <a:noFill/>
-          </a:ln>
-        </p:spPr>
-        <p:txBody>
-          <a:bodyPr anchorCtr="0" anchor="t" bIns="91425" lIns="91425" spcFirstLastPara="1" rIns="91425" wrap="square" tIns="91425">
-            <a:noAutofit/>
-          </a:bodyPr>
-          <a:lstStyle/>
-          <a:p>
-            <a:pPr indent="0" lvl="0" marL="0" rtl="0" algn="l">
-              <a:lnSpc>
-                <a:spcPct val="115000"/>
-              </a:lnSpc>
-              <a:spcBef>
-                <a:spcPts val="0"/>
-              </a:spcBef>
-              <a:spcAft>
-                <a:spcPts val="0"/>
-              </a:spcAft>
-              <a:buNone/>
-            </a:pPr>
-            <a:r>
-              <a:t/>
-            </a:r>
-            <a:endParaRPr/>
-          </a:p>
-          <a:p>
-            <a:pPr indent="-342900" lvl="0" marL="457200" rtl="0" algn="l">
-              <a:lnSpc>
-                <a:spcPct val="115000"/>
-              </a:lnSpc>
-              <a:spcBef>
-                <a:spcPts val="0"/>
-              </a:spcBef>
-              <a:spcAft>
-                <a:spcPts val="0"/>
-              </a:spcAft>
-              <a:buSzPts val="1800"/>
-              <a:buChar char="●"/>
-            </a:pPr>
-            <a:r>
-              <a:rPr lang="en"/>
-              <a:t>Experimental Design</a:t>
-            </a:r>
-            <a:endParaRPr/>
-          </a:p>
-          <a:p>
-            <a:pPr indent="-342900" lvl="0" marL="457200" rtl="0" algn="l">
-              <a:lnSpc>
-                <a:spcPct val="115000"/>
-              </a:lnSpc>
-              <a:spcBef>
-                <a:spcPts val="0"/>
-              </a:spcBef>
-              <a:spcAft>
-                <a:spcPts val="0"/>
-              </a:spcAft>
-              <a:buSzPts val="1800"/>
-              <a:buChar char="●"/>
-            </a:pPr>
-            <a:r>
-              <a:rPr lang="en"/>
-              <a:t>Hypothesis Testing</a:t>
-            </a:r>
-            <a:endParaRPr/>
-          </a:p>
-          <a:p>
-            <a:pPr indent="-342900" lvl="0" marL="457200" rtl="0" algn="l">
-              <a:lnSpc>
-                <a:spcPct val="115000"/>
-              </a:lnSpc>
-              <a:spcBef>
-                <a:spcPts val="0"/>
-              </a:spcBef>
-              <a:spcAft>
-                <a:spcPts val="0"/>
-              </a:spcAft>
-              <a:buSzPts val="1800"/>
-              <a:buChar char="●"/>
-            </a:pPr>
-            <a:r>
-              <a:rPr lang="en"/>
-              <a:t>RNA-Seq</a:t>
-            </a:r>
-            <a:br>
-              <a:rPr lang="en"/>
-            </a:br>
-            <a:endParaRPr/>
-          </a:p>
-          <a:p>
-            <a:pPr indent="0" lvl="0" marL="457200" rtl="0" algn="l">
-              <a:lnSpc>
-                <a:spcPct val="115000"/>
-              </a:lnSpc>
-              <a:spcBef>
-                <a:spcPts val="0"/>
-              </a:spcBef>
-              <a:spcAft>
-                <a:spcPts val="0"/>
-              </a:spcAft>
-              <a:buNone/>
-            </a:pPr>
-            <a:br>
-              <a:rPr lang="en"/>
-            </a:br>
-            <a:br>
-              <a:rPr lang="en"/>
-            </a:br>
-            <a:endParaRPr/>
-          </a:p>
-          <a:p>
-            <a:pPr indent="0" lvl="0" marL="0" rtl="0" algn="l">
-              <a:lnSpc>
-                <a:spcPct val="115000"/>
-              </a:lnSpc>
-              <a:spcBef>
-                <a:spcPts val="0"/>
-              </a:spcBef>
-              <a:spcAft>
-                <a:spcPts val="0"/>
-              </a:spcAft>
-              <a:buNone/>
-            </a:pPr>
-            <a:br>
-              <a:rPr lang="en"/>
-            </a:br>
-            <a:endParaRPr/>
-          </a:p>
-        </p:txBody>
-      </p:sp>
-    </p:spTree>
-  </p:cSld>
-  <p:clrMapOvr>
-    <a:masterClrMapping/>
-  </p:clrMapOvr>
-</p:sld>
-</file>
-
-<file path=ppt/slides/slide24.xml><?xml version="1.0" encoding="utf-8"?>
-<p:sld xmlns:a="http://schemas.openxmlformats.org/drawingml/2006/main" xmlns:r="http://schemas.openxmlformats.org/officeDocument/2006/relationships" xmlns:mc="http://schemas.openxmlformats.org/markup-compatibility/2006" xmlns:mv="urn:schemas-microsoft-com:mac:vml" xmlns:p="http://schemas.openxmlformats.org/presentationml/2006/main" xmlns:c="http://schemas.openxmlformats.org/drawingml/2006/chart" xmlns:dgm="http://schemas.openxmlformats.org/drawingml/2006/diagram" xmlns:o="urn:schemas-microsoft-com:office:office" xmlns:v="urn:schemas-microsoft-com:vml" xmlns:pvml="urn:schemas-microsoft-com:office:powerpoint" xmlns:com="http://schemas.openxmlformats.org/drawingml/2006/compatibility" xmlns:p14="http://schemas.microsoft.com/office/powerpoint/2010/main" xmlns:p15="http://schemas.microsoft.com/office/powerpoint/2012/main" xmlns:ahyp="http://schemas.microsoft.com/office/drawing/2018/hyperlinkcolor">
-  <p:cSld>
-    <p:spTree>
-      <p:nvGrpSpPr>
-        <p:cNvPr id="298" name="Shape 298"/>
-        <p:cNvGrpSpPr/>
-        <p:nvPr/>
-      </p:nvGrpSpPr>
-      <p:grpSpPr>
-        <a:xfrm>
-          <a:off x="0" y="0"/>
-          <a:ext cx="0" cy="0"/>
-          <a:chOff x="0" y="0"/>
-          <a:chExt cx="0" cy="0"/>
-        </a:xfrm>
-      </p:grpSpPr>
-      <p:sp>
-        <p:nvSpPr>
-          <p:cNvPr id="299" name="Google Shape;299;p48"/>
-          <p:cNvSpPr txBox="1"/>
-          <p:nvPr>
-            <p:ph type="title"/>
-          </p:nvPr>
-        </p:nvSpPr>
-        <p:spPr>
-          <a:xfrm>
-            <a:off x="311700" y="233775"/>
-            <a:ext cx="8520600" cy="572700"/>
-          </a:xfrm>
-          <a:prstGeom prst="rect">
-            <a:avLst/>
-          </a:prstGeom>
-          <a:noFill/>
-          <a:ln>
-            <a:noFill/>
-          </a:ln>
-        </p:spPr>
-        <p:txBody>
-          <a:bodyPr anchorCtr="0" anchor="t" bIns="91425" lIns="91425" spcFirstLastPara="1" rIns="91425" wrap="square" tIns="91425">
-            <a:noAutofit/>
-          </a:bodyPr>
-          <a:lstStyle/>
-          <a:p>
-            <a:pPr indent="0" lvl="0" marL="0" rtl="0" algn="l">
-              <a:lnSpc>
-                <a:spcPct val="100000"/>
-              </a:lnSpc>
-              <a:spcBef>
-                <a:spcPts val="0"/>
-              </a:spcBef>
-              <a:spcAft>
-                <a:spcPts val="0"/>
-              </a:spcAft>
-              <a:buSzPts val="2800"/>
-              <a:buNone/>
-            </a:pPr>
-            <a:r>
-              <a:rPr lang="en"/>
-              <a:t>Visualization and Statistics</a:t>
-            </a:r>
-            <a:endParaRPr b="1">
-              <a:solidFill>
-                <a:srgbClr val="3C78D8"/>
-              </a:solidFill>
-            </a:endParaRPr>
-          </a:p>
-        </p:txBody>
-      </p:sp>
-      <p:sp>
-        <p:nvSpPr>
-          <p:cNvPr id="300" name="Google Shape;300;p48"/>
-          <p:cNvSpPr txBox="1"/>
-          <p:nvPr>
-            <p:ph idx="12" type="sldNum"/>
-          </p:nvPr>
-        </p:nvSpPr>
-        <p:spPr>
-          <a:xfrm>
-            <a:off x="8472458" y="4663217"/>
-            <a:ext cx="548700" cy="393600"/>
-          </a:xfrm>
-          <a:prstGeom prst="rect">
-            <a:avLst/>
-          </a:prstGeom>
-        </p:spPr>
-        <p:txBody>
-          <a:bodyPr anchorCtr="0" anchor="ctr" bIns="91425" lIns="91425" spcFirstLastPara="1" rIns="91425" wrap="square" tIns="91425">
-            <a:noAutofit/>
-          </a:bodyPr>
-          <a:lstStyle/>
-          <a:p>
-            <a:pPr indent="0" lvl="0" marL="0" rtl="0" algn="r">
-              <a:spcBef>
-                <a:spcPts val="0"/>
-              </a:spcBef>
-              <a:spcAft>
-                <a:spcPts val="0"/>
-              </a:spcAft>
-              <a:buNone/>
-            </a:pPr>
-            <a:fld id="{00000000-1234-1234-1234-123412341234}" type="slidenum">
-              <a:rPr lang="en"/>
-              <a:t>‹#›</a:t>
-            </a:fld>
-            <a:endParaRPr/>
-          </a:p>
-        </p:txBody>
-      </p:sp>
-      <p:sp>
-        <p:nvSpPr>
-          <p:cNvPr id="301" name="Google Shape;301;p48"/>
-          <p:cNvSpPr txBox="1"/>
-          <p:nvPr>
-            <p:ph idx="1" type="body"/>
-          </p:nvPr>
-        </p:nvSpPr>
-        <p:spPr>
-          <a:xfrm>
-            <a:off x="311700" y="609000"/>
-            <a:ext cx="6676200" cy="3416400"/>
-          </a:xfrm>
-          <a:prstGeom prst="rect">
-            <a:avLst/>
-          </a:prstGeom>
-          <a:noFill/>
-          <a:ln>
-            <a:noFill/>
-          </a:ln>
-        </p:spPr>
-        <p:txBody>
-          <a:bodyPr anchorCtr="0" anchor="t" bIns="91425" lIns="91425" spcFirstLastPara="1" rIns="91425" wrap="square" tIns="91425">
-            <a:noAutofit/>
-          </a:bodyPr>
-          <a:lstStyle/>
-          <a:p>
-            <a:pPr indent="0" lvl="0" marL="0" rtl="0" algn="l">
-              <a:lnSpc>
-                <a:spcPct val="115000"/>
-              </a:lnSpc>
-              <a:spcBef>
-                <a:spcPts val="0"/>
-              </a:spcBef>
-              <a:spcAft>
-                <a:spcPts val="0"/>
-              </a:spcAft>
-              <a:buNone/>
-            </a:pPr>
-            <a:r>
-              <a:t/>
-            </a:r>
-            <a:endParaRPr/>
-          </a:p>
-          <a:p>
-            <a:pPr indent="-342900" lvl="0" marL="457200" rtl="0" algn="l">
-              <a:lnSpc>
-                <a:spcPct val="115000"/>
-              </a:lnSpc>
-              <a:spcBef>
-                <a:spcPts val="0"/>
-              </a:spcBef>
-              <a:spcAft>
-                <a:spcPts val="0"/>
-              </a:spcAft>
-              <a:buSzPts val="1800"/>
-              <a:buChar char="●"/>
-            </a:pPr>
-            <a:r>
-              <a:rPr lang="en"/>
-              <a:t>What does each do, and how do they compliment?</a:t>
-            </a:r>
-            <a:br>
-              <a:rPr lang="en"/>
-            </a:br>
-            <a:endParaRPr/>
-          </a:p>
-          <a:p>
-            <a:pPr indent="0" lvl="0" marL="457200" rtl="0" algn="l">
-              <a:lnSpc>
-                <a:spcPct val="115000"/>
-              </a:lnSpc>
-              <a:spcBef>
-                <a:spcPts val="0"/>
-              </a:spcBef>
-              <a:spcAft>
-                <a:spcPts val="0"/>
-              </a:spcAft>
-              <a:buNone/>
-            </a:pPr>
-            <a:br>
-              <a:rPr lang="en"/>
-            </a:br>
-            <a:br>
-              <a:rPr lang="en"/>
-            </a:br>
-            <a:endParaRPr/>
-          </a:p>
-          <a:p>
-            <a:pPr indent="0" lvl="0" marL="0" rtl="0" algn="l">
-              <a:lnSpc>
-                <a:spcPct val="115000"/>
-              </a:lnSpc>
-              <a:spcBef>
-                <a:spcPts val="0"/>
-              </a:spcBef>
-              <a:spcAft>
-                <a:spcPts val="0"/>
-              </a:spcAft>
-              <a:buNone/>
-            </a:pPr>
-            <a:br>
-              <a:rPr lang="en"/>
-            </a:br>
-            <a:endParaRPr/>
-          </a:p>
-        </p:txBody>
-      </p:sp>
-    </p:spTree>
-  </p:cSld>
-  <p:clrMapOvr>
-    <a:masterClrMapping/>
-  </p:clrMapOvr>
-</p:sld>
-</file>
-
-<file path=ppt/slides/slide25.xml><?xml version="1.0" encoding="utf-8"?>
-<p:sld xmlns:a="http://schemas.openxmlformats.org/drawingml/2006/main" xmlns:r="http://schemas.openxmlformats.org/officeDocument/2006/relationships" xmlns:mc="http://schemas.openxmlformats.org/markup-compatibility/2006" xmlns:mv="urn:schemas-microsoft-com:mac:vml" xmlns:p="http://schemas.openxmlformats.org/presentationml/2006/main" xmlns:c="http://schemas.openxmlformats.org/drawingml/2006/chart" xmlns:dgm="http://schemas.openxmlformats.org/drawingml/2006/diagram" xmlns:o="urn:schemas-microsoft-com:office:office" xmlns:v="urn:schemas-microsoft-com:vml" xmlns:pvml="urn:schemas-microsoft-com:office:powerpoint" xmlns:com="http://schemas.openxmlformats.org/drawingml/2006/compatibility" xmlns:p14="http://schemas.microsoft.com/office/powerpoint/2010/main" xmlns:p15="http://schemas.microsoft.com/office/powerpoint/2012/main" xmlns:ahyp="http://schemas.microsoft.com/office/drawing/2018/hyperlinkcolor">
-  <p:cSld>
-    <p:spTree>
-      <p:nvGrpSpPr>
-        <p:cNvPr id="305" name="Shape 305"/>
-        <p:cNvGrpSpPr/>
-        <p:nvPr/>
-      </p:nvGrpSpPr>
-      <p:grpSpPr>
-        <a:xfrm>
-          <a:off x="0" y="0"/>
-          <a:ext cx="0" cy="0"/>
-          <a:chOff x="0" y="0"/>
-          <a:chExt cx="0" cy="0"/>
-        </a:xfrm>
-      </p:grpSpPr>
-      <p:sp>
-        <p:nvSpPr>
-          <p:cNvPr id="306" name="Google Shape;306;p49"/>
-          <p:cNvSpPr txBox="1"/>
-          <p:nvPr>
-            <p:ph type="title"/>
-          </p:nvPr>
-        </p:nvSpPr>
-        <p:spPr>
-          <a:xfrm>
-            <a:off x="311700" y="233775"/>
-            <a:ext cx="8520600" cy="572700"/>
-          </a:xfrm>
-          <a:prstGeom prst="rect">
-            <a:avLst/>
-          </a:prstGeom>
-          <a:noFill/>
-          <a:ln>
-            <a:noFill/>
-          </a:ln>
-        </p:spPr>
-        <p:txBody>
-          <a:bodyPr anchorCtr="0" anchor="t" bIns="91425" lIns="91425" spcFirstLastPara="1" rIns="91425" wrap="square" tIns="91425">
-            <a:noAutofit/>
-          </a:bodyPr>
-          <a:lstStyle/>
-          <a:p>
-            <a:pPr indent="0" lvl="0" marL="0" rtl="0" algn="l">
-              <a:lnSpc>
-                <a:spcPct val="100000"/>
-              </a:lnSpc>
-              <a:spcBef>
-                <a:spcPts val="0"/>
-              </a:spcBef>
-              <a:spcAft>
-                <a:spcPts val="0"/>
-              </a:spcAft>
-              <a:buSzPts val="2800"/>
-              <a:buNone/>
-            </a:pPr>
-            <a:r>
-              <a:rPr lang="en"/>
-              <a:t>Heatmap Demo</a:t>
-            </a:r>
-            <a:endParaRPr b="1">
-              <a:solidFill>
-                <a:srgbClr val="3C78D8"/>
-              </a:solidFill>
-            </a:endParaRPr>
-          </a:p>
-        </p:txBody>
-      </p:sp>
-      <p:sp>
-        <p:nvSpPr>
-          <p:cNvPr id="307" name="Google Shape;307;p49"/>
-          <p:cNvSpPr txBox="1"/>
-          <p:nvPr>
-            <p:ph idx="12" type="sldNum"/>
-          </p:nvPr>
-        </p:nvSpPr>
-        <p:spPr>
-          <a:xfrm>
-            <a:off x="8472458" y="4663217"/>
-            <a:ext cx="548700" cy="393600"/>
-          </a:xfrm>
-          <a:prstGeom prst="rect">
-            <a:avLst/>
-          </a:prstGeom>
-        </p:spPr>
-        <p:txBody>
-          <a:bodyPr anchorCtr="0" anchor="ctr" bIns="91425" lIns="91425" spcFirstLastPara="1" rIns="91425" wrap="square" tIns="91425">
-            <a:noAutofit/>
-          </a:bodyPr>
-          <a:lstStyle/>
-          <a:p>
-            <a:pPr indent="0" lvl="0" marL="0" rtl="0" algn="r">
-              <a:spcBef>
-                <a:spcPts val="0"/>
-              </a:spcBef>
-              <a:spcAft>
-                <a:spcPts val="0"/>
-              </a:spcAft>
-              <a:buNone/>
-            </a:pPr>
-            <a:fld id="{00000000-1234-1234-1234-123412341234}" type="slidenum">
-              <a:rPr lang="en"/>
-              <a:t>‹#›</a:t>
-            </a:fld>
-            <a:endParaRPr/>
-          </a:p>
-        </p:txBody>
-      </p:sp>
-      <p:sp>
-        <p:nvSpPr>
-          <p:cNvPr id="308" name="Google Shape;308;p49"/>
-          <p:cNvSpPr txBox="1"/>
-          <p:nvPr/>
-        </p:nvSpPr>
-        <p:spPr>
-          <a:xfrm>
-            <a:off x="158825" y="4560650"/>
-            <a:ext cx="4914300" cy="3000000"/>
-          </a:xfrm>
-          <a:prstGeom prst="rect">
-            <a:avLst/>
-          </a:prstGeom>
-          <a:noFill/>
-          <a:ln>
-            <a:noFill/>
-          </a:ln>
-        </p:spPr>
-        <p:txBody>
-          <a:bodyPr anchorCtr="0" anchor="t" bIns="91425" lIns="91425" spcFirstLastPara="1" rIns="91425" wrap="square" tIns="91425">
-            <a:noAutofit/>
-          </a:bodyPr>
-          <a:lstStyle/>
-          <a:p>
-            <a:pPr indent="0" lvl="0" marL="0" rtl="0" algn="l">
-              <a:spcBef>
-                <a:spcPts val="0"/>
-              </a:spcBef>
-              <a:spcAft>
-                <a:spcPts val="0"/>
-              </a:spcAft>
-              <a:buNone/>
-            </a:pPr>
-            <a:r>
-              <a:rPr lang="en" u="sng">
-                <a:solidFill>
-                  <a:schemeClr val="hlink"/>
-                </a:solidFill>
-                <a:hlinkClick r:id="rId3"/>
-              </a:rPr>
-              <a:t>https://www.r-graph-gallery.com/heatmap</a:t>
-            </a:r>
-            <a:r>
-              <a:rPr lang="en"/>
-              <a:t> </a:t>
-            </a:r>
-            <a:endParaRPr/>
-          </a:p>
-        </p:txBody>
-      </p:sp>
-    </p:spTree>
-  </p:cSld>
-  <p:clrMapOvr>
-    <a:masterClrMapping/>
-  </p:clrMapOvr>
-</p:sld>
-</file>
-
-<file path=ppt/slides/slide26.xml><?xml version="1.0" encoding="utf-8"?>
-<p:sld xmlns:a="http://schemas.openxmlformats.org/drawingml/2006/main" xmlns:r="http://schemas.openxmlformats.org/officeDocument/2006/relationships" xmlns:mc="http://schemas.openxmlformats.org/markup-compatibility/2006" xmlns:mv="urn:schemas-microsoft-com:mac:vml" xmlns:p="http://schemas.openxmlformats.org/presentationml/2006/main" xmlns:c="http://schemas.openxmlformats.org/drawingml/2006/chart" xmlns:dgm="http://schemas.openxmlformats.org/drawingml/2006/diagram" xmlns:o="urn:schemas-microsoft-com:office:office" xmlns:v="urn:schemas-microsoft-com:vml" xmlns:pvml="urn:schemas-microsoft-com:office:powerpoint" xmlns:com="http://schemas.openxmlformats.org/drawingml/2006/compatibility" xmlns:p14="http://schemas.microsoft.com/office/powerpoint/2010/main" xmlns:p15="http://schemas.microsoft.com/office/powerpoint/2012/main" xmlns:ahyp="http://schemas.microsoft.com/office/drawing/2018/hyperlinkcolor">
-  <p:cSld>
-    <p:spTree>
-      <p:nvGrpSpPr>
-        <p:cNvPr id="312" name="Shape 312"/>
-        <p:cNvGrpSpPr/>
-        <p:nvPr/>
-      </p:nvGrpSpPr>
-      <p:grpSpPr>
-        <a:xfrm>
-          <a:off x="0" y="0"/>
-          <a:ext cx="0" cy="0"/>
-          <a:chOff x="0" y="0"/>
-          <a:chExt cx="0" cy="0"/>
-        </a:xfrm>
-      </p:grpSpPr>
-      <p:sp>
-        <p:nvSpPr>
-          <p:cNvPr id="313" name="Google Shape;313;p50"/>
-          <p:cNvSpPr/>
-          <p:nvPr/>
-        </p:nvSpPr>
-        <p:spPr>
-          <a:xfrm>
-            <a:off x="311700" y="347100"/>
-            <a:ext cx="8520600" cy="4449300"/>
-          </a:xfrm>
-          <a:prstGeom prst="rect">
-            <a:avLst/>
-          </a:prstGeom>
-          <a:solidFill>
-            <a:srgbClr val="A4C2F4"/>
-          </a:solidFill>
-          <a:ln>
-            <a:noFill/>
-          </a:ln>
-        </p:spPr>
-        <p:txBody>
-          <a:bodyPr anchorCtr="0" anchor="ctr" bIns="91425" lIns="91425" spcFirstLastPara="1" rIns="91425" wrap="square" tIns="91425">
-            <a:noAutofit/>
-          </a:bodyPr>
-          <a:lstStyle/>
-          <a:p>
-            <a:pPr indent="0" lvl="0" marL="0" marR="0" rtl="0" algn="l">
-              <a:lnSpc>
-                <a:spcPct val="100000"/>
-              </a:lnSpc>
-              <a:spcBef>
-                <a:spcPts val="0"/>
-              </a:spcBef>
-              <a:spcAft>
-                <a:spcPts val="0"/>
-              </a:spcAft>
-              <a:buClr>
-                <a:srgbClr val="000000"/>
-              </a:buClr>
-              <a:buSzPts val="1400"/>
-              <a:buFont typeface="Arial"/>
-              <a:buNone/>
-            </a:pPr>
-            <a:r>
-              <a:t/>
-            </a:r>
-            <a:endParaRPr b="0" i="0" sz="1400" u="none" cap="none" strike="noStrike">
-              <a:solidFill>
-                <a:srgbClr val="000000"/>
-              </a:solidFill>
-              <a:latin typeface="Arial"/>
-              <a:ea typeface="Arial"/>
-              <a:cs typeface="Arial"/>
-              <a:sym typeface="Arial"/>
-            </a:endParaRPr>
-          </a:p>
-        </p:txBody>
-      </p:sp>
-      <p:sp>
-        <p:nvSpPr>
-          <p:cNvPr id="314" name="Google Shape;314;p50"/>
+          <p:cNvPr id="305" name="Google Shape;305;p49"/>
           <p:cNvSpPr txBox="1"/>
           <p:nvPr>
             <p:ph type="title"/>
@@ -21038,7 +20950,7 @@
       </p:sp>
       <p:sp>
         <p:nvSpPr>
-          <p:cNvPr id="315" name="Google Shape;315;p50"/>
+          <p:cNvPr id="306" name="Google Shape;306;p49"/>
           <p:cNvSpPr txBox="1"/>
           <p:nvPr>
             <p:ph idx="12" type="sldNum"/>
@@ -21078,7 +20990,7 @@
       </p:sp>
       <p:pic>
         <p:nvPicPr>
-          <p:cNvPr id="316" name="Google Shape;316;p50"/>
+          <p:cNvPr id="307" name="Google Shape;307;p49"/>
           <p:cNvPicPr preferRelativeResize="0"/>
           <p:nvPr/>
         </p:nvPicPr>
@@ -24188,6 +24100,285 @@
 </file>
 
 <file path=ppt/theme/theme2.xml><?xml version="1.0" encoding="utf-8"?>
+<a:theme xmlns:a="http://schemas.openxmlformats.org/drawingml/2006/main" xmlns:r="http://schemas.openxmlformats.org/officeDocument/2006/relationships">
+  <a:themeElements>
+    <a:clrScheme name="Default">
+      <a:dk1>
+        <a:srgbClr val="000000"/>
+      </a:dk1>
+      <a:lt1>
+        <a:srgbClr val="FFFFFF"/>
+      </a:lt1>
+      <a:dk2>
+        <a:srgbClr val="158158"/>
+      </a:dk2>
+      <a:lt2>
+        <a:srgbClr val="F3F3F3"/>
+      </a:lt2>
+      <a:accent1>
+        <a:srgbClr val="058DC7"/>
+      </a:accent1>
+      <a:accent2>
+        <a:srgbClr val="50B432"/>
+      </a:accent2>
+      <a:accent3>
+        <a:srgbClr val="ED561B"/>
+      </a:accent3>
+      <a:accent4>
+        <a:srgbClr val="EDEF00"/>
+      </a:accent4>
+      <a:accent5>
+        <a:srgbClr val="24CBE5"/>
+      </a:accent5>
+      <a:accent6>
+        <a:srgbClr val="64E572"/>
+      </a:accent6>
+      <a:hlink>
+        <a:srgbClr val="2200CC"/>
+      </a:hlink>
+      <a:folHlink>
+        <a:srgbClr val="551A8B"/>
+      </a:folHlink>
+    </a:clrScheme>
+    <a:fontScheme name="Office">
+      <a:majorFont>
+        <a:latin typeface="Arial"/>
+        <a:ea typeface=""/>
+        <a:cs typeface=""/>
+        <a:font script="Jpan" typeface="ＭＳ Ｐゴシック"/>
+        <a:font script="Hang" typeface="맑은 고딕"/>
+        <a:font script="Hans" typeface="宋体"/>
+        <a:font script="Hant" typeface="新細明體"/>
+        <a:font script="Arab" typeface="Times New Roman"/>
+        <a:font script="Hebr" typeface="Times New Roman"/>
+        <a:font script="Thai" typeface="Angsana New"/>
+        <a:font script="Ethi" typeface="Nyala"/>
+        <a:font script="Beng" typeface="Vrinda"/>
+        <a:font script="Gujr" typeface="Shruti"/>
+        <a:font script="Khmr" typeface="MoolBoran"/>
+        <a:font script="Knda" typeface="Tunga"/>
+        <a:font script="Guru" typeface="Raavi"/>
+        <a:font script="Cans" typeface="Euphemia"/>
+        <a:font script="Cher" typeface="Plantagenet Cherokee"/>
+        <a:font script="Yiii" typeface="Microsoft Yi Baiti"/>
+        <a:font script="Tibt" typeface="Microsoft Himalaya"/>
+        <a:font script="Thaa" typeface="MV Boli"/>
+        <a:font script="Deva" typeface="Mangal"/>
+        <a:font script="Telu" typeface="Gautami"/>
+        <a:font script="Taml" typeface="Latha"/>
+        <a:font script="Syrc" typeface="Estrangelo Edessa"/>
+        <a:font script="Orya" typeface="Kalinga"/>
+        <a:font script="Mlym" typeface="Kartika"/>
+        <a:font script="Laoo" typeface="DokChampa"/>
+        <a:font script="Sinh" typeface="Iskoola Pota"/>
+        <a:font script="Mong" typeface="Mongolian Baiti"/>
+        <a:font script="Viet" typeface="Times New Roman"/>
+        <a:font script="Uigh" typeface="Microsoft Uighur"/>
+        <a:font script="Geor" typeface="Sylfaen"/>
+      </a:majorFont>
+      <a:minorFont>
+        <a:latin typeface="Arial"/>
+        <a:ea typeface=""/>
+        <a:cs typeface=""/>
+        <a:font script="Jpan" typeface="ＭＳ Ｐゴシック"/>
+        <a:font script="Hang" typeface="맑은 고딕"/>
+        <a:font script="Hans" typeface="宋体"/>
+        <a:font script="Hant" typeface="新細明體"/>
+        <a:font script="Arab" typeface="Arial"/>
+        <a:font script="Hebr" typeface="Arial"/>
+        <a:font script="Thai" typeface="Cordia New"/>
+        <a:font script="Ethi" typeface="Nyala"/>
+        <a:font script="Beng" typeface="Vrinda"/>
+        <a:font script="Gujr" typeface="Shruti"/>
+        <a:font script="Khmr" typeface="DaunPenh"/>
+        <a:font script="Knda" typeface="Tunga"/>
+        <a:font script="Guru" typeface="Raavi"/>
+        <a:font script="Cans" typeface="Euphemia"/>
+        <a:font script="Cher" typeface="Plantagenet Cherokee"/>
+        <a:font script="Yiii" typeface="Microsoft Yi Baiti"/>
+        <a:font script="Tibt" typeface="Microsoft Himalaya"/>
+        <a:font script="Thaa" typeface="MV Boli"/>
+        <a:font script="Deva" typeface="Mangal"/>
+        <a:font script="Telu" typeface="Gautami"/>
+        <a:font script="Taml" typeface="Latha"/>
+        <a:font script="Syrc" typeface="Estrangelo Edessa"/>
+        <a:font script="Orya" typeface="Kalinga"/>
+        <a:font script="Mlym" typeface="Kartika"/>
+        <a:font script="Laoo" typeface="DokChampa"/>
+        <a:font script="Sinh" typeface="Iskoola Pota"/>
+        <a:font script="Mong" typeface="Mongolian Baiti"/>
+        <a:font script="Viet" typeface="Arial"/>
+        <a:font script="Uigh" typeface="Microsoft Uighur"/>
+        <a:font script="Geor" typeface="Sylfaen"/>
+      </a:minorFont>
+    </a:fontScheme>
+    <a:fmtScheme name="Office">
+      <a:fillStyleLst>
+        <a:solidFill>
+          <a:schemeClr val="phClr"/>
+        </a:solidFill>
+        <a:gradFill rotWithShape="1">
+          <a:gsLst>
+            <a:gs pos="0">
+              <a:schemeClr val="phClr">
+                <a:tint val="50000"/>
+                <a:satMod val="300000"/>
+              </a:schemeClr>
+            </a:gs>
+            <a:gs pos="35000">
+              <a:schemeClr val="phClr">
+                <a:tint val="37000"/>
+                <a:satMod val="300000"/>
+              </a:schemeClr>
+            </a:gs>
+            <a:gs pos="100000">
+              <a:schemeClr val="phClr">
+                <a:tint val="15000"/>
+                <a:satMod val="350000"/>
+              </a:schemeClr>
+            </a:gs>
+          </a:gsLst>
+          <a:lin ang="16200000" scaled="1"/>
+        </a:gradFill>
+        <a:gradFill rotWithShape="1">
+          <a:gsLst>
+            <a:gs pos="0">
+              <a:schemeClr val="phClr">
+                <a:tint val="100000"/>
+                <a:shade val="100000"/>
+                <a:satMod val="130000"/>
+              </a:schemeClr>
+            </a:gs>
+            <a:gs pos="100000">
+              <a:schemeClr val="phClr">
+                <a:tint val="50000"/>
+                <a:shade val="100000"/>
+                <a:satMod val="350000"/>
+              </a:schemeClr>
+            </a:gs>
+          </a:gsLst>
+          <a:lin ang="16200000" scaled="0"/>
+        </a:gradFill>
+      </a:fillStyleLst>
+      <a:lnStyleLst>
+        <a:ln w="9525" cap="flat" cmpd="sng" algn="ctr">
+          <a:solidFill>
+            <a:schemeClr val="phClr">
+              <a:shade val="95000"/>
+              <a:satMod val="105000"/>
+            </a:schemeClr>
+          </a:solidFill>
+          <a:prstDash val="solid"/>
+        </a:ln>
+        <a:ln w="25400" cap="flat" cmpd="sng" algn="ctr">
+          <a:solidFill>
+            <a:schemeClr val="phClr"/>
+          </a:solidFill>
+          <a:prstDash val="solid"/>
+        </a:ln>
+        <a:ln w="38100" cap="flat" cmpd="sng" algn="ctr">
+          <a:solidFill>
+            <a:schemeClr val="phClr"/>
+          </a:solidFill>
+          <a:prstDash val="solid"/>
+        </a:ln>
+      </a:lnStyleLst>
+      <a:effectStyleLst>
+        <a:effectStyle>
+          <a:effectLst>
+            <a:outerShdw blurRad="40000" dist="20000" dir="5400000" rotWithShape="0">
+              <a:srgbClr val="000000">
+                <a:alpha val="38000"/>
+              </a:srgbClr>
+            </a:outerShdw>
+          </a:effectLst>
+        </a:effectStyle>
+        <a:effectStyle>
+          <a:effectLst>
+            <a:outerShdw blurRad="40000" dist="23000" dir="5400000" rotWithShape="0">
+              <a:srgbClr val="000000">
+                <a:alpha val="35000"/>
+              </a:srgbClr>
+            </a:outerShdw>
+          </a:effectLst>
+        </a:effectStyle>
+        <a:effectStyle>
+          <a:effectLst>
+            <a:outerShdw blurRad="40000" dist="23000" dir="5400000" rotWithShape="0">
+              <a:srgbClr val="000000">
+                <a:alpha val="35000"/>
+              </a:srgbClr>
+            </a:outerShdw>
+          </a:effectLst>
+          <a:scene3d>
+            <a:camera prst="orthographicFront">
+              <a:rot lat="0" lon="0" rev="0"/>
+            </a:camera>
+            <a:lightRig rig="threePt" dir="t">
+              <a:rot lat="0" lon="0" rev="1200000"/>
+            </a:lightRig>
+          </a:scene3d>
+          <a:sp3d>
+            <a:bevelT w="63500" h="25400"/>
+          </a:sp3d>
+        </a:effectStyle>
+      </a:effectStyleLst>
+      <a:bgFillStyleLst>
+        <a:solidFill>
+          <a:schemeClr val="phClr"/>
+        </a:solidFill>
+        <a:gradFill rotWithShape="1">
+          <a:gsLst>
+            <a:gs pos="0">
+              <a:schemeClr val="phClr">
+                <a:tint val="40000"/>
+                <a:satMod val="350000"/>
+              </a:schemeClr>
+            </a:gs>
+            <a:gs pos="40000">
+              <a:schemeClr val="phClr">
+                <a:tint val="45000"/>
+                <a:shade val="99000"/>
+                <a:satMod val="350000"/>
+              </a:schemeClr>
+            </a:gs>
+            <a:gs pos="100000">
+              <a:schemeClr val="phClr">
+                <a:shade val="20000"/>
+                <a:satMod val="255000"/>
+              </a:schemeClr>
+            </a:gs>
+          </a:gsLst>
+          <a:path path="circle">
+            <a:fillToRect l="50000" t="-80000" r="50000" b="180000"/>
+          </a:path>
+        </a:gradFill>
+        <a:gradFill rotWithShape="1">
+          <a:gsLst>
+            <a:gs pos="0">
+              <a:schemeClr val="phClr">
+                <a:tint val="80000"/>
+                <a:satMod val="300000"/>
+              </a:schemeClr>
+            </a:gs>
+            <a:gs pos="100000">
+              <a:schemeClr val="phClr">
+                <a:shade val="30000"/>
+                <a:satMod val="200000"/>
+              </a:schemeClr>
+            </a:gs>
+          </a:gsLst>
+          <a:path path="circle">
+            <a:fillToRect l="50000" t="50000" r="50000" b="50000"/>
+          </a:path>
+        </a:gradFill>
+      </a:bgFillStyleLst>
+    </a:fmtScheme>
+  </a:themeElements>
+</a:theme>
+</file>
+
+<file path=ppt/theme/theme3.xml><?xml version="1.0" encoding="utf-8"?>
 <a:theme xmlns:a="http://schemas.openxmlformats.org/drawingml/2006/main" xmlns:r="http://schemas.openxmlformats.org/officeDocument/2006/relationships" name="Simple Light">
   <a:themeElements>
     <a:clrScheme name="Simple Light">
@@ -24464,283 +24655,4 @@
     </a:fmtScheme>
   </a:themeElements>
 </a:theme>
-</file>
-
-<file path=ppt/theme/theme3.xml><?xml version="1.0" encoding="utf-8"?>
-<a:theme xmlns:a="http://schemas.openxmlformats.org/drawingml/2006/main" xmlns:r="http://schemas.openxmlformats.org/officeDocument/2006/relationships">
-  <a:themeElements>
-    <a:clrScheme name="Default">
-      <a:dk1>
-        <a:srgbClr val="000000"/>
-      </a:dk1>
-      <a:lt1>
-        <a:srgbClr val="FFFFFF"/>
-      </a:lt1>
-      <a:dk2>
-        <a:srgbClr val="158158"/>
-      </a:dk2>
-      <a:lt2>
-        <a:srgbClr val="F3F3F3"/>
-      </a:lt2>
-      <a:accent1>
-        <a:srgbClr val="058DC7"/>
-      </a:accent1>
-      <a:accent2>
-        <a:srgbClr val="50B432"/>
-      </a:accent2>
-      <a:accent3>
-        <a:srgbClr val="ED561B"/>
-      </a:accent3>
-      <a:accent4>
-        <a:srgbClr val="EDEF00"/>
-      </a:accent4>
-      <a:accent5>
-        <a:srgbClr val="24CBE5"/>
-      </a:accent5>
-      <a:accent6>
-        <a:srgbClr val="64E572"/>
-      </a:accent6>
-      <a:hlink>
-        <a:srgbClr val="2200CC"/>
-      </a:hlink>
-      <a:folHlink>
-        <a:srgbClr val="551A8B"/>
-      </a:folHlink>
-    </a:clrScheme>
-    <a:fontScheme name="Office">
-      <a:majorFont>
-        <a:latin typeface="Arial"/>
-        <a:ea typeface=""/>
-        <a:cs typeface=""/>
-        <a:font script="Jpan" typeface="ＭＳ Ｐゴシック"/>
-        <a:font script="Hang" typeface="맑은 고딕"/>
-        <a:font script="Hans" typeface="宋体"/>
-        <a:font script="Hant" typeface="新細明體"/>
-        <a:font script="Arab" typeface="Times New Roman"/>
-        <a:font script="Hebr" typeface="Times New Roman"/>
-        <a:font script="Thai" typeface="Angsana New"/>
-        <a:font script="Ethi" typeface="Nyala"/>
-        <a:font script="Beng" typeface="Vrinda"/>
-        <a:font script="Gujr" typeface="Shruti"/>
-        <a:font script="Khmr" typeface="MoolBoran"/>
-        <a:font script="Knda" typeface="Tunga"/>
-        <a:font script="Guru" typeface="Raavi"/>
-        <a:font script="Cans" typeface="Euphemia"/>
-        <a:font script="Cher" typeface="Plantagenet Cherokee"/>
-        <a:font script="Yiii" typeface="Microsoft Yi Baiti"/>
-        <a:font script="Tibt" typeface="Microsoft Himalaya"/>
-        <a:font script="Thaa" typeface="MV Boli"/>
-        <a:font script="Deva" typeface="Mangal"/>
-        <a:font script="Telu" typeface="Gautami"/>
-        <a:font script="Taml" typeface="Latha"/>
-        <a:font script="Syrc" typeface="Estrangelo Edessa"/>
-        <a:font script="Orya" typeface="Kalinga"/>
-        <a:font script="Mlym" typeface="Kartika"/>
-        <a:font script="Laoo" typeface="DokChampa"/>
-        <a:font script="Sinh" typeface="Iskoola Pota"/>
-        <a:font script="Mong" typeface="Mongolian Baiti"/>
-        <a:font script="Viet" typeface="Times New Roman"/>
-        <a:font script="Uigh" typeface="Microsoft Uighur"/>
-        <a:font script="Geor" typeface="Sylfaen"/>
-      </a:majorFont>
-      <a:minorFont>
-        <a:latin typeface="Arial"/>
-        <a:ea typeface=""/>
-        <a:cs typeface=""/>
-        <a:font script="Jpan" typeface="ＭＳ Ｐゴシック"/>
-        <a:font script="Hang" typeface="맑은 고딕"/>
-        <a:font script="Hans" typeface="宋体"/>
-        <a:font script="Hant" typeface="新細明體"/>
-        <a:font script="Arab" typeface="Arial"/>
-        <a:font script="Hebr" typeface="Arial"/>
-        <a:font script="Thai" typeface="Cordia New"/>
-        <a:font script="Ethi" typeface="Nyala"/>
-        <a:font script="Beng" typeface="Vrinda"/>
-        <a:font script="Gujr" typeface="Shruti"/>
-        <a:font script="Khmr" typeface="DaunPenh"/>
-        <a:font script="Knda" typeface="Tunga"/>
-        <a:font script="Guru" typeface="Raavi"/>
-        <a:font script="Cans" typeface="Euphemia"/>
-        <a:font script="Cher" typeface="Plantagenet Cherokee"/>
-        <a:font script="Yiii" typeface="Microsoft Yi Baiti"/>
-        <a:font script="Tibt" typeface="Microsoft Himalaya"/>
-        <a:font script="Thaa" typeface="MV Boli"/>
-        <a:font script="Deva" typeface="Mangal"/>
-        <a:font script="Telu" typeface="Gautami"/>
-        <a:font script="Taml" typeface="Latha"/>
-        <a:font script="Syrc" typeface="Estrangelo Edessa"/>
-        <a:font script="Orya" typeface="Kalinga"/>
-        <a:font script="Mlym" typeface="Kartika"/>
-        <a:font script="Laoo" typeface="DokChampa"/>
-        <a:font script="Sinh" typeface="Iskoola Pota"/>
-        <a:font script="Mong" typeface="Mongolian Baiti"/>
-        <a:font script="Viet" typeface="Arial"/>
-        <a:font script="Uigh" typeface="Microsoft Uighur"/>
-        <a:font script="Geor" typeface="Sylfaen"/>
-      </a:minorFont>
-    </a:fontScheme>
-    <a:fmtScheme name="Office">
-      <a:fillStyleLst>
-        <a:solidFill>
-          <a:schemeClr val="phClr"/>
-        </a:solidFill>
-        <a:gradFill rotWithShape="1">
-          <a:gsLst>
-            <a:gs pos="0">
-              <a:schemeClr val="phClr">
-                <a:tint val="50000"/>
-                <a:satMod val="300000"/>
-              </a:schemeClr>
-            </a:gs>
-            <a:gs pos="35000">
-              <a:schemeClr val="phClr">
-                <a:tint val="37000"/>
-                <a:satMod val="300000"/>
-              </a:schemeClr>
-            </a:gs>
-            <a:gs pos="100000">
-              <a:schemeClr val="phClr">
-                <a:tint val="15000"/>
-                <a:satMod val="350000"/>
-              </a:schemeClr>
-            </a:gs>
-          </a:gsLst>
-          <a:lin ang="16200000" scaled="1"/>
-        </a:gradFill>
-        <a:gradFill rotWithShape="1">
-          <a:gsLst>
-            <a:gs pos="0">
-              <a:schemeClr val="phClr">
-                <a:tint val="100000"/>
-                <a:shade val="100000"/>
-                <a:satMod val="130000"/>
-              </a:schemeClr>
-            </a:gs>
-            <a:gs pos="100000">
-              <a:schemeClr val="phClr">
-                <a:tint val="50000"/>
-                <a:shade val="100000"/>
-                <a:satMod val="350000"/>
-              </a:schemeClr>
-            </a:gs>
-          </a:gsLst>
-          <a:lin ang="16200000" scaled="0"/>
-        </a:gradFill>
-      </a:fillStyleLst>
-      <a:lnStyleLst>
-        <a:ln w="9525" cap="flat" cmpd="sng" algn="ctr">
-          <a:solidFill>
-            <a:schemeClr val="phClr">
-              <a:shade val="95000"/>
-              <a:satMod val="105000"/>
-            </a:schemeClr>
-          </a:solidFill>
-          <a:prstDash val="solid"/>
-        </a:ln>
-        <a:ln w="25400" cap="flat" cmpd="sng" algn="ctr">
-          <a:solidFill>
-            <a:schemeClr val="phClr"/>
-          </a:solidFill>
-          <a:prstDash val="solid"/>
-        </a:ln>
-        <a:ln w="38100" cap="flat" cmpd="sng" algn="ctr">
-          <a:solidFill>
-            <a:schemeClr val="phClr"/>
-          </a:solidFill>
-          <a:prstDash val="solid"/>
-        </a:ln>
-      </a:lnStyleLst>
-      <a:effectStyleLst>
-        <a:effectStyle>
-          <a:effectLst>
-            <a:outerShdw blurRad="40000" dist="20000" dir="5400000" rotWithShape="0">
-              <a:srgbClr val="000000">
-                <a:alpha val="38000"/>
-              </a:srgbClr>
-            </a:outerShdw>
-          </a:effectLst>
-        </a:effectStyle>
-        <a:effectStyle>
-          <a:effectLst>
-            <a:outerShdw blurRad="40000" dist="23000" dir="5400000" rotWithShape="0">
-              <a:srgbClr val="000000">
-                <a:alpha val="35000"/>
-              </a:srgbClr>
-            </a:outerShdw>
-          </a:effectLst>
-        </a:effectStyle>
-        <a:effectStyle>
-          <a:effectLst>
-            <a:outerShdw blurRad="40000" dist="23000" dir="5400000" rotWithShape="0">
-              <a:srgbClr val="000000">
-                <a:alpha val="35000"/>
-              </a:srgbClr>
-            </a:outerShdw>
-          </a:effectLst>
-          <a:scene3d>
-            <a:camera prst="orthographicFront">
-              <a:rot lat="0" lon="0" rev="0"/>
-            </a:camera>
-            <a:lightRig rig="threePt" dir="t">
-              <a:rot lat="0" lon="0" rev="1200000"/>
-            </a:lightRig>
-          </a:scene3d>
-          <a:sp3d>
-            <a:bevelT w="63500" h="25400"/>
-          </a:sp3d>
-        </a:effectStyle>
-      </a:effectStyleLst>
-      <a:bgFillStyleLst>
-        <a:solidFill>
-          <a:schemeClr val="phClr"/>
-        </a:solidFill>
-        <a:gradFill rotWithShape="1">
-          <a:gsLst>
-            <a:gs pos="0">
-              <a:schemeClr val="phClr">
-                <a:tint val="40000"/>
-                <a:satMod val="350000"/>
-              </a:schemeClr>
-            </a:gs>
-            <a:gs pos="40000">
-              <a:schemeClr val="phClr">
-                <a:tint val="45000"/>
-                <a:shade val="99000"/>
-                <a:satMod val="350000"/>
-              </a:schemeClr>
-            </a:gs>
-            <a:gs pos="100000">
-              <a:schemeClr val="phClr">
-                <a:shade val="20000"/>
-                <a:satMod val="255000"/>
-              </a:schemeClr>
-            </a:gs>
-          </a:gsLst>
-          <a:path path="circle">
-            <a:fillToRect l="50000" t="-80000" r="50000" b="180000"/>
-          </a:path>
-        </a:gradFill>
-        <a:gradFill rotWithShape="1">
-          <a:gsLst>
-            <a:gs pos="0">
-              <a:schemeClr val="phClr">
-                <a:tint val="80000"/>
-                <a:satMod val="300000"/>
-              </a:schemeClr>
-            </a:gs>
-            <a:gs pos="100000">
-              <a:schemeClr val="phClr">
-                <a:shade val="30000"/>
-                <a:satMod val="200000"/>
-              </a:schemeClr>
-            </a:gs>
-          </a:gsLst>
-          <a:path path="circle">
-            <a:fillToRect l="50000" t="50000" r="50000" b="50000"/>
-          </a:path>
-        </a:gradFill>
-      </a:bgFillStyleLst>
-    </a:fmtScheme>
-  </a:themeElements>
-</a:theme>
 </file>